--- a/GitHub基礎操作教學.pptx
+++ b/GitHub基礎操作教學.pptx
@@ -7,7 +7,15 @@
   <p:sldIdLst>
     <p:sldId id="256" r:id="rId2"/>
     <p:sldId id="257" r:id="rId3"/>
-    <p:sldId id="258" r:id="rId4"/>
+    <p:sldId id="259" r:id="rId4"/>
+    <p:sldId id="258" r:id="rId5"/>
+    <p:sldId id="260" r:id="rId6"/>
+    <p:sldId id="261" r:id="rId7"/>
+    <p:sldId id="262" r:id="rId8"/>
+    <p:sldId id="263" r:id="rId9"/>
+    <p:sldId id="264" r:id="rId10"/>
+    <p:sldId id="265" r:id="rId11"/>
+    <p:sldId id="266" r:id="rId12"/>
   </p:sldIdLst>
   <p:sldSz cx="12192000" cy="6858000"/>
   <p:notesSz cx="6858000" cy="9144000"/>
@@ -106,6 +114,22 @@
       </a:defRPr>
     </a:lvl9pPr>
   </p:defaultTextStyle>
+  <p:extLst>
+    <p:ext uri="{EFAFB233-063F-42B5-8137-9DF3F51BA10A}">
+      <p15:sldGuideLst xmlns:p15="http://schemas.microsoft.com/office/powerpoint/2012/main">
+        <p15:guide id="1" orient="horz" pos="2160">
+          <p15:clr>
+            <a:srgbClr val="A4A3A4"/>
+          </p15:clr>
+        </p15:guide>
+        <p15:guide id="2" pos="3840">
+          <p15:clr>
+            <a:srgbClr val="A4A3A4"/>
+          </p15:clr>
+        </p15:guide>
+      </p15:sldGuideLst>
+    </p:ext>
+  </p:extLst>
 </p:presentation>
 </file>
 
@@ -207,8 +231,8 @@
           <a:ln/>
           <a:effectLst/>
           <a:extLst>
-            <a:ext uri="{91240B29-F687-4f45-9708-019B960494DF}">
-              <a14:hiddenLine xmlns:a14="http://schemas.microsoft.com/office/drawing/2010/main" xmlns="" w="9525">
+            <a:ext uri="{91240B29-F687-4F45-9708-019B960494DF}">
+              <a14:hiddenLine xmlns:a14="http://schemas.microsoft.com/office/drawing/2010/main" w="9525">
                 <a:solidFill>
                   <a:srgbClr val="000000"/>
                 </a:solidFill>
@@ -401,7 +425,7 @@
             <a:fld id="{08B9EBBA-996F-894A-B54A-D6246ED52CEA}" type="datetimeFigureOut">
               <a:rPr lang="en-US" dirty="0"/>
               <a:pPr/>
-              <a:t>6/4/2018</a:t>
+              <a:t>6/6/2018</a:t>
             </a:fld>
             <a:endParaRPr lang="en-US" dirty="0"/>
           </a:p>
@@ -716,7 +740,7 @@
             <a:fld id="{18C79C5D-2A6F-F04D-97DA-BEF2467B64E4}" type="datetimeFigureOut">
               <a:rPr lang="en-US" dirty="0"/>
               <a:pPr/>
-              <a:t>6/4/2018</a:t>
+              <a:t>6/6/2018</a:t>
             </a:fld>
             <a:endParaRPr lang="en-US" dirty="0"/>
           </a:p>
@@ -1201,7 +1225,7 @@
             <a:fld id="{8DFA1846-DA80-1C48-A609-854EA85C59AD}" type="datetimeFigureOut">
               <a:rPr lang="en-US" dirty="0"/>
               <a:pPr/>
-              <a:t>6/4/2018</a:t>
+              <a:t>6/6/2018</a:t>
             </a:fld>
             <a:endParaRPr lang="en-US" dirty="0"/>
           </a:p>
@@ -1567,7 +1591,7 @@
             <a:fld id="{FBF54567-0DE4-3F47-BF90-CB84690072F9}" type="datetimeFigureOut">
               <a:rPr lang="en-US" dirty="0"/>
               <a:pPr/>
-              <a:t>6/4/2018</a:t>
+              <a:t>6/6/2018</a:t>
             </a:fld>
             <a:endParaRPr lang="en-US" dirty="0"/>
           </a:p>
@@ -1717,8 +1741,8 @@
           </a:custGeom>
           <a:ln/>
           <a:extLst>
-            <a:ext uri="{91240B29-F687-4f45-9708-019B960494DF}">
-              <a14:hiddenLine xmlns:a14="http://schemas.microsoft.com/office/drawing/2010/main" xmlns="" w="9525">
+            <a:ext uri="{91240B29-F687-4F45-9708-019B960494DF}">
+              <a14:hiddenLine xmlns:a14="http://schemas.microsoft.com/office/drawing/2010/main" w="9525">
                 <a:solidFill>
                   <a:srgbClr val="000000"/>
                 </a:solidFill>
@@ -1837,7 +1861,7 @@
             <a:fld id="{C6C52C72-DE31-F449-A4ED-4C594FD91407}" type="datetimeFigureOut">
               <a:rPr lang="en-US" dirty="0"/>
               <a:pPr/>
-              <a:t>6/4/2018</a:t>
+              <a:t>6/6/2018</a:t>
             </a:fld>
             <a:endParaRPr lang="en-US" dirty="0"/>
           </a:p>
@@ -1989,8 +2013,8 @@
           </a:custGeom>
           <a:ln/>
           <a:extLst>
-            <a:ext uri="{91240B29-F687-4f45-9708-019B960494DF}">
-              <a14:hiddenLine xmlns:a14="http://schemas.microsoft.com/office/drawing/2010/main" xmlns="" w="9525">
+            <a:ext uri="{91240B29-F687-4F45-9708-019B960494DF}">
+              <a14:hiddenLine xmlns:a14="http://schemas.microsoft.com/office/drawing/2010/main" w="9525">
                 <a:solidFill>
                   <a:srgbClr val="000000"/>
                 </a:solidFill>
@@ -2119,7 +2143,7 @@
             <a:fld id="{ED62726E-379B-B349-9EED-81ED093FA806}" type="datetimeFigureOut">
               <a:rPr lang="en-US" dirty="0"/>
               <a:pPr/>
-              <a:t>6/4/2018</a:t>
+              <a:t>6/6/2018</a:t>
             </a:fld>
             <a:endParaRPr lang="en-US" dirty="0"/>
           </a:p>
@@ -2269,8 +2293,8 @@
           </a:custGeom>
           <a:ln/>
           <a:extLst>
-            <a:ext uri="{91240B29-F687-4f45-9708-019B960494DF}">
-              <a14:hiddenLine xmlns:a14="http://schemas.microsoft.com/office/drawing/2010/main" xmlns="" w="9525">
+            <a:ext uri="{91240B29-F687-4F45-9708-019B960494DF}">
+              <a14:hiddenLine xmlns:a14="http://schemas.microsoft.com/office/drawing/2010/main" w="9525">
                 <a:solidFill>
                   <a:srgbClr val="000000"/>
                 </a:solidFill>
@@ -2399,7 +2423,7 @@
             <a:fld id="{9B3A1323-8D79-1946-B0D7-40001CF92E9D}" type="datetimeFigureOut">
               <a:rPr lang="en-US" dirty="0"/>
               <a:pPr/>
-              <a:t>6/4/2018</a:t>
+              <a:t>6/6/2018</a:t>
             </a:fld>
             <a:endParaRPr lang="en-US" dirty="0"/>
           </a:p>
@@ -2739,7 +2763,7 @@
             <a:fld id="{8DFA1846-DA80-1C48-A609-854EA85C59AD}" type="datetimeFigureOut">
               <a:rPr lang="en-US" dirty="0"/>
               <a:pPr/>
-              <a:t>6/4/2018</a:t>
+              <a:t>6/6/2018</a:t>
             </a:fld>
             <a:endParaRPr lang="en-US" dirty="0"/>
           </a:p>
@@ -2889,8 +2913,8 @@
           </a:custGeom>
           <a:ln/>
           <a:extLst>
-            <a:ext uri="{91240B29-F687-4f45-9708-019B960494DF}">
-              <a14:hiddenLine xmlns:a14="http://schemas.microsoft.com/office/drawing/2010/main" xmlns="" w="9525">
+            <a:ext uri="{91240B29-F687-4F45-9708-019B960494DF}">
+              <a14:hiddenLine xmlns:a14="http://schemas.microsoft.com/office/drawing/2010/main" w="9525">
                 <a:solidFill>
                   <a:srgbClr val="000000"/>
                 </a:solidFill>
@@ -3075,7 +3099,7 @@
             <a:fld id="{57302355-E14B-8545-A8F8-0FE83CC9D524}" type="datetimeFigureOut">
               <a:rPr lang="en-US" dirty="0"/>
               <a:pPr/>
-              <a:t>6/4/2018</a:t>
+              <a:t>6/6/2018</a:t>
             </a:fld>
             <a:endParaRPr lang="en-US" dirty="0"/>
           </a:p>
@@ -3225,8 +3249,8 @@
           </a:custGeom>
           <a:ln/>
           <a:extLst>
-            <a:ext uri="{91240B29-F687-4f45-9708-019B960494DF}">
-              <a14:hiddenLine xmlns:a14="http://schemas.microsoft.com/office/drawing/2010/main" xmlns="" w="9525">
+            <a:ext uri="{91240B29-F687-4F45-9708-019B960494DF}">
+              <a14:hiddenLine xmlns:a14="http://schemas.microsoft.com/office/drawing/2010/main" w="9525">
                 <a:solidFill>
                   <a:srgbClr val="000000"/>
                 </a:solidFill>
@@ -3549,7 +3573,7 @@
             <a:fld id="{02640F58-564D-2B4F-AE67-E407BA4FCF45}" type="datetimeFigureOut">
               <a:rPr lang="en-US" dirty="0"/>
               <a:pPr/>
-              <a:t>6/4/2018</a:t>
+              <a:t>6/6/2018</a:t>
             </a:fld>
             <a:endParaRPr lang="en-US" dirty="0"/>
           </a:p>
@@ -3699,8 +3723,8 @@
           </a:custGeom>
           <a:ln/>
           <a:extLst>
-            <a:ext uri="{91240B29-F687-4f45-9708-019B960494DF}">
-              <a14:hiddenLine xmlns:a14="http://schemas.microsoft.com/office/drawing/2010/main" xmlns="" w="9525">
+            <a:ext uri="{91240B29-F687-4F45-9708-019B960494DF}">
+              <a14:hiddenLine xmlns:a14="http://schemas.microsoft.com/office/drawing/2010/main" w="9525">
                 <a:solidFill>
                   <a:srgbClr val="000000"/>
                 </a:solidFill>
@@ -3767,7 +3791,7 @@
             <a:fld id="{F13A34C8-038E-2045-AF43-DF7DBB8E0E9E}" type="datetimeFigureOut">
               <a:rPr lang="en-US" dirty="0"/>
               <a:pPr/>
-              <a:t>6/4/2018</a:t>
+              <a:t>6/6/2018</a:t>
             </a:fld>
             <a:endParaRPr lang="en-US" dirty="0"/>
           </a:p>
@@ -3859,7 +3883,7 @@
             <a:fld id="{8818C68F-D26B-8F47-958C-23B49CF8A634}" type="datetimeFigureOut">
               <a:rPr lang="en-US" dirty="0"/>
               <a:pPr/>
-              <a:t>6/4/2018</a:t>
+              <a:t>6/6/2018</a:t>
             </a:fld>
             <a:endParaRPr lang="en-US" dirty="0"/>
           </a:p>
@@ -4122,8 +4146,8 @@
           </a:custGeom>
           <a:ln/>
           <a:extLst>
-            <a:ext uri="{91240B29-F687-4f45-9708-019B960494DF}">
-              <a14:hiddenLine xmlns:a14="http://schemas.microsoft.com/office/drawing/2010/main" xmlns="" w="9525">
+            <a:ext uri="{91240B29-F687-4F45-9708-019B960494DF}">
+              <a14:hiddenLine xmlns:a14="http://schemas.microsoft.com/office/drawing/2010/main" w="9525">
                 <a:solidFill>
                   <a:srgbClr val="000000"/>
                 </a:solidFill>
@@ -4323,7 +4347,7 @@
             <a:fld id="{D0DF5E60-9974-AC48-9591-99C2BB44B7CF}" type="datetimeFigureOut">
               <a:rPr lang="en-US" dirty="0"/>
               <a:pPr/>
-              <a:t>6/4/2018</a:t>
+              <a:t>6/6/2018</a:t>
             </a:fld>
             <a:endParaRPr lang="en-US" dirty="0"/>
           </a:p>
@@ -4633,7 +4657,7 @@
             <a:fld id="{18C79C5D-2A6F-F04D-97DA-BEF2467B64E4}" type="datetimeFigureOut">
               <a:rPr lang="en-US" dirty="0"/>
               <a:pPr/>
-              <a:t>6/4/2018</a:t>
+              <a:t>6/6/2018</a:t>
             </a:fld>
             <a:endParaRPr lang="en-US" dirty="0"/>
           </a:p>
@@ -4900,7 +4924,7 @@
             <a:fld id="{09B482E8-6E0E-1B4F-B1FD-C69DB9E858D9}" type="datetimeFigureOut">
               <a:rPr lang="en-US" dirty="0"/>
               <a:pPr/>
-              <a:t>6/4/2018</a:t>
+              <a:t>6/6/2018</a:t>
             </a:fld>
             <a:endParaRPr lang="en-US" dirty="0"/>
           </a:p>
@@ -5647,11 +5671,11 @@
           <a:lstStyle/>
           <a:p>
             <a:r>
-              <a:rPr lang="en-US" altLang="zh-TW" sz="4000"/>
+              <a:rPr lang="en-US" altLang="zh-TW" sz="4000" dirty="0"/>
               <a:t>GitHub</a:t>
             </a:r>
             <a:r>
-              <a:rPr lang="zh-TW" altLang="en-US" sz="4000"/>
+              <a:rPr lang="zh-TW" altLang="en-US" sz="4000" dirty="0"/>
               <a:t>基礎操作教學</a:t>
             </a:r>
           </a:p>
@@ -5686,18 +5710,17 @@
           <a:lstStyle/>
           <a:p>
             <a:r>
-              <a:rPr lang="zh-TW" altLang="en-US"/>
+              <a:rPr lang="zh-TW" altLang="en-US" dirty="0"/>
               <a:t>報告人</a:t>
             </a:r>
             <a:r>
-              <a:rPr lang="en-US" altLang="zh-TW"/>
+              <a:rPr lang="en-US" altLang="zh-TW" dirty="0"/>
               <a:t>:</a:t>
             </a:r>
             <a:r>
-              <a:rPr lang="zh-TW" altLang="en-US"/>
+              <a:rPr lang="zh-TW" altLang="en-US" dirty="0"/>
               <a:t> 詹哲瑜</a:t>
             </a:r>
-            <a:endParaRPr lang="zh-TW" altLang="en-US" dirty="0"/>
           </a:p>
         </p:txBody>
       </p:sp>
@@ -5705,6 +5728,549 @@
     <p:extLst>
       <p:ext uri="{BB962C8B-B14F-4D97-AF65-F5344CB8AC3E}">
         <p14:creationId xmlns:p14="http://schemas.microsoft.com/office/powerpoint/2010/main" val="2458402509"/>
+      </p:ext>
+    </p:extLst>
+  </p:cSld>
+  <p:clrMapOvr>
+    <a:masterClrMapping/>
+  </p:clrMapOvr>
+</p:sld>
+</file>
+
+<file path=ppt/slides/slide10.xml><?xml version="1.0" encoding="utf-8"?>
+<p:sld xmlns:a="http://schemas.openxmlformats.org/drawingml/2006/main" xmlns:r="http://schemas.openxmlformats.org/officeDocument/2006/relationships" xmlns:p="http://schemas.openxmlformats.org/presentationml/2006/main">
+  <p:cSld>
+    <p:bg>
+      <p:bgPr>
+        <a:solidFill>
+          <a:schemeClr val="bg2"/>
+        </a:solidFill>
+        <a:effectLst/>
+      </p:bgPr>
+    </p:bg>
+    <p:spTree>
+      <p:nvGrpSpPr>
+        <p:cNvPr id="1" name=""/>
+        <p:cNvGrpSpPr/>
+        <p:nvPr/>
+      </p:nvGrpSpPr>
+      <p:grpSpPr>
+        <a:xfrm>
+          <a:off x="0" y="0"/>
+          <a:ext cx="0" cy="0"/>
+          <a:chOff x="0" y="0"/>
+          <a:chExt cx="0" cy="0"/>
+        </a:xfrm>
+      </p:grpSpPr>
+      <p:sp>
+        <p:nvSpPr>
+          <p:cNvPr id="11" name="Freeform 6">
+            <a:extLst>
+              <a:ext uri="{FF2B5EF4-FFF2-40B4-BE49-F238E27FC236}">
+                <a16:creationId xmlns:a16="http://schemas.microsoft.com/office/drawing/2014/main" id="{11114F18-D12D-43C6-895F-5BA92C290CC1}"/>
+              </a:ext>
+              <a:ext uri="{C183D7F6-B498-43B3-948B-1728B52AA6E4}">
+                <adec:decorative xmlns="" xmlns:adec="http://schemas.microsoft.com/office/drawing/2017/decorative" val="1"/>
+              </a:ext>
+            </a:extLst>
+          </p:cNvPr>
+          <p:cNvSpPr>
+            <a:spLocks noGrp="1" noRot="1" noChangeAspect="1" noMove="1" noResize="1" noEditPoints="1" noAdjustHandles="1" noChangeArrowheads="1" noChangeShapeType="1" noTextEdit="1"/>
+          </p:cNvSpPr>
+          <p:nvPr>
+            <p:extLst>
+              <p:ext uri="{386F3935-93C4-4BCD-93E2-E3B085C9AB24}">
+                <p16:designElem xmlns:p16="http://schemas.microsoft.com/office/powerpoint/2015/main" val="1"/>
+              </p:ext>
+            </p:extLst>
+          </p:nvPr>
+        </p:nvSpPr>
+        <p:spPr bwMode="auto">
+          <a:xfrm>
+            <a:off x="0" y="-3175"/>
+            <a:ext cx="12192000" cy="5203825"/>
+          </a:xfrm>
+          <a:custGeom>
+            <a:avLst/>
+            <a:gdLst/>
+            <a:ahLst/>
+            <a:cxnLst/>
+            <a:rect l="0" t="0" r="r" b="b"/>
+            <a:pathLst>
+              <a:path w="5760" h="3278">
+                <a:moveTo>
+                  <a:pt x="5760" y="0"/>
+                </a:moveTo>
+                <a:lnTo>
+                  <a:pt x="0" y="0"/>
+                </a:lnTo>
+                <a:lnTo>
+                  <a:pt x="0" y="3090"/>
+                </a:lnTo>
+                <a:lnTo>
+                  <a:pt x="943" y="3090"/>
+                </a:lnTo>
+                <a:lnTo>
+                  <a:pt x="1123" y="3270"/>
+                </a:lnTo>
+                <a:lnTo>
+                  <a:pt x="1123" y="3270"/>
+                </a:lnTo>
+                <a:lnTo>
+                  <a:pt x="1127" y="3272"/>
+                </a:lnTo>
+                <a:lnTo>
+                  <a:pt x="1133" y="3275"/>
+                </a:lnTo>
+                <a:lnTo>
+                  <a:pt x="1139" y="3278"/>
+                </a:lnTo>
+                <a:lnTo>
+                  <a:pt x="1144" y="3278"/>
+                </a:lnTo>
+                <a:lnTo>
+                  <a:pt x="1150" y="3278"/>
+                </a:lnTo>
+                <a:lnTo>
+                  <a:pt x="1155" y="3275"/>
+                </a:lnTo>
+                <a:lnTo>
+                  <a:pt x="1161" y="3272"/>
+                </a:lnTo>
+                <a:lnTo>
+                  <a:pt x="1165" y="3270"/>
+                </a:lnTo>
+                <a:lnTo>
+                  <a:pt x="1345" y="3090"/>
+                </a:lnTo>
+                <a:lnTo>
+                  <a:pt x="5760" y="3090"/>
+                </a:lnTo>
+                <a:lnTo>
+                  <a:pt x="5760" y="0"/>
+                </a:lnTo>
+                <a:close/>
+              </a:path>
+            </a:pathLst>
+          </a:custGeom>
+          <a:ln/>
+          <a:effectLst/>
+          <a:extLst>
+            <a:ext uri="{91240B29-F687-4f45-9708-019B960494DF}">
+              <a14:hiddenLine xmlns="" xmlns:a16="http://schemas.microsoft.com/office/drawing/2014/main" xmlns:a14="http://schemas.microsoft.com/office/drawing/2010/main" xmlns:p14="http://schemas.microsoft.com/office/powerpoint/2010/main" w="9525">
+                <a:solidFill>
+                  <a:srgbClr val="000000"/>
+                </a:solidFill>
+                <a:round/>
+                <a:headEnd/>
+                <a:tailEnd/>
+              </a14:hiddenLine>
+            </a:ext>
+          </a:extLst>
+        </p:spPr>
+        <p:style>
+          <a:lnRef idx="1">
+            <a:schemeClr val="accent1"/>
+          </a:lnRef>
+          <a:fillRef idx="3">
+            <a:schemeClr val="accent1"/>
+          </a:fillRef>
+          <a:effectRef idx="2">
+            <a:schemeClr val="accent1"/>
+          </a:effectRef>
+          <a:fontRef idx="minor">
+            <a:schemeClr val="lt1"/>
+          </a:fontRef>
+        </p:style>
+      </p:sp>
+      <p:sp useBgFill="1">
+        <p:nvSpPr>
+          <p:cNvPr id="13" name="Rectangle 12">
+            <a:extLst>
+              <a:ext uri="{FF2B5EF4-FFF2-40B4-BE49-F238E27FC236}">
+                <a16:creationId xmlns:a16="http://schemas.microsoft.com/office/drawing/2014/main" id="{F0FA1B97-98F1-4B4E-816D-27FA0E062734}"/>
+              </a:ext>
+              <a:ext uri="{C183D7F6-B498-43B3-948B-1728B52AA6E4}">
+                <adec:decorative xmlns="" xmlns:adec="http://schemas.microsoft.com/office/drawing/2017/decorative" val="1"/>
+              </a:ext>
+            </a:extLst>
+          </p:cNvPr>
+          <p:cNvSpPr>
+            <a:spLocks noGrp="1" noRot="1" noChangeAspect="1" noMove="1" noResize="1" noEditPoints="1" noAdjustHandles="1" noChangeArrowheads="1" noChangeShapeType="1" noTextEdit="1"/>
+          </p:cNvSpPr>
+          <p:nvPr>
+            <p:extLst>
+              <p:ext uri="{386F3935-93C4-4BCD-93E2-E3B085C9AB24}">
+                <p16:designElem xmlns:p16="http://schemas.microsoft.com/office/powerpoint/2015/main" val="1"/>
+              </p:ext>
+            </p:extLst>
+          </p:nvPr>
+        </p:nvSpPr>
+        <p:spPr>
+          <a:xfrm>
+            <a:off x="0" y="0"/>
+            <a:ext cx="12188952" cy="6858000"/>
+          </a:xfrm>
+          <a:prstGeom prst="rect">
+            <a:avLst/>
+          </a:prstGeom>
+          <a:ln>
+            <a:noFill/>
+          </a:ln>
+        </p:spPr>
+        <p:style>
+          <a:lnRef idx="2">
+            <a:schemeClr val="accent1">
+              <a:shade val="50000"/>
+            </a:schemeClr>
+          </a:lnRef>
+          <a:fillRef idx="1">
+            <a:schemeClr val="accent1"/>
+          </a:fillRef>
+          <a:effectRef idx="0">
+            <a:schemeClr val="accent1"/>
+          </a:effectRef>
+          <a:fontRef idx="minor">
+            <a:schemeClr val="lt1"/>
+          </a:fontRef>
+        </p:style>
+        <p:txBody>
+          <a:bodyPr rtlCol="0" anchor="ctr"/>
+          <a:lstStyle/>
+          <a:p>
+            <a:pPr algn="ctr"/>
+            <a:endParaRPr lang="en-US"/>
+          </a:p>
+        </p:txBody>
+      </p:sp>
+      <p:pic>
+        <p:nvPicPr>
+          <p:cNvPr id="6" name="圖片 5">
+            <a:extLst>
+              <a:ext uri="{FF2B5EF4-FFF2-40B4-BE49-F238E27FC236}">
+                <a16:creationId xmlns:a16="http://schemas.microsoft.com/office/drawing/2014/main" id="{2CF16949-8DEB-4DAC-9D9B-F77173F99EE5}"/>
+              </a:ext>
+            </a:extLst>
+          </p:cNvPr>
+          <p:cNvPicPr>
+            <a:picLocks noChangeAspect="1"/>
+          </p:cNvPicPr>
+          <p:nvPr/>
+        </p:nvPicPr>
+        <p:blipFill>
+          <a:blip r:embed="rId2"/>
+          <a:stretch>
+            <a:fillRect/>
+          </a:stretch>
+        </p:blipFill>
+        <p:spPr>
+          <a:xfrm>
+            <a:off x="1106175" y="484633"/>
+            <a:ext cx="5111929" cy="2875460"/>
+          </a:xfrm>
+          <a:prstGeom prst="rect">
+            <a:avLst/>
+          </a:prstGeom>
+        </p:spPr>
+      </p:pic>
+      <p:pic>
+        <p:nvPicPr>
+          <p:cNvPr id="5" name="圖片 4">
+            <a:extLst>
+              <a:ext uri="{FF2B5EF4-FFF2-40B4-BE49-F238E27FC236}">
+                <a16:creationId xmlns:a16="http://schemas.microsoft.com/office/drawing/2014/main" id="{116307E7-F294-4CB5-AD69-041A5FF0D149}"/>
+              </a:ext>
+            </a:extLst>
+          </p:cNvPr>
+          <p:cNvPicPr>
+            <a:picLocks noChangeAspect="1"/>
+          </p:cNvPicPr>
+          <p:nvPr/>
+        </p:nvPicPr>
+        <p:blipFill>
+          <a:blip r:embed="rId3"/>
+          <a:stretch>
+            <a:fillRect/>
+          </a:stretch>
+        </p:blipFill>
+        <p:spPr>
+          <a:xfrm>
+            <a:off x="7068700" y="484633"/>
+            <a:ext cx="4152289" cy="2875460"/>
+          </a:xfrm>
+          <a:prstGeom prst="rect">
+            <a:avLst/>
+          </a:prstGeom>
+        </p:spPr>
+      </p:pic>
+      <p:sp>
+        <p:nvSpPr>
+          <p:cNvPr id="15" name="Freeform: Shape 14">
+            <a:extLst>
+              <a:ext uri="{FF2B5EF4-FFF2-40B4-BE49-F238E27FC236}">
+                <a16:creationId xmlns:a16="http://schemas.microsoft.com/office/drawing/2014/main" id="{71B2BF06-97B5-459D-A2C0-49B160F57B70}"/>
+              </a:ext>
+              <a:ext uri="{C183D7F6-B498-43B3-948B-1728B52AA6E4}">
+                <adec:decorative xmlns="" xmlns:adec="http://schemas.microsoft.com/office/drawing/2017/decorative" val="1"/>
+              </a:ext>
+            </a:extLst>
+          </p:cNvPr>
+          <p:cNvSpPr>
+            <a:spLocks noGrp="1" noRot="1" noChangeAspect="1" noMove="1" noResize="1" noEditPoints="1" noAdjustHandles="1" noChangeArrowheads="1" noChangeShapeType="1" noTextEdit="1"/>
+          </p:cNvSpPr>
+          <p:nvPr>
+            <p:extLst>
+              <p:ext uri="{386F3935-93C4-4BCD-93E2-E3B085C9AB24}">
+                <p16:designElem xmlns:p16="http://schemas.microsoft.com/office/powerpoint/2015/main" val="1"/>
+              </p:ext>
+            </p:extLst>
+          </p:nvPr>
+        </p:nvSpPr>
+        <p:spPr>
+          <a:xfrm>
+            <a:off x="0" y="3647203"/>
+            <a:ext cx="11707367" cy="2572622"/>
+          </a:xfrm>
+          <a:custGeom>
+            <a:avLst/>
+            <a:gdLst>
+              <a:gd name="connsiteX0" fmla="*/ 0 w 11707367"/>
+              <a:gd name="connsiteY0" fmla="*/ 0 h 2572622"/>
+              <a:gd name="connsiteX1" fmla="*/ 1888420 w 11707367"/>
+              <a:gd name="connsiteY1" fmla="*/ 0 h 2572622"/>
+              <a:gd name="connsiteX2" fmla="*/ 2198560 w 11707367"/>
+              <a:gd name="connsiteY2" fmla="*/ 310139 h 2572622"/>
+              <a:gd name="connsiteX3" fmla="*/ 2425431 w 11707367"/>
+              <a:gd name="connsiteY3" fmla="*/ 310139 h 2572622"/>
+              <a:gd name="connsiteX4" fmla="*/ 2735570 w 11707367"/>
+              <a:gd name="connsiteY4" fmla="*/ 0 h 2572622"/>
+              <a:gd name="connsiteX5" fmla="*/ 11707367 w 11707367"/>
+              <a:gd name="connsiteY5" fmla="*/ 0 h 2572622"/>
+              <a:gd name="connsiteX6" fmla="*/ 11707367 w 11707367"/>
+              <a:gd name="connsiteY6" fmla="*/ 2572622 h 2572622"/>
+              <a:gd name="connsiteX7" fmla="*/ 0 w 11707367"/>
+              <a:gd name="connsiteY7" fmla="*/ 2572622 h 2572622"/>
+            </a:gdLst>
+            <a:ahLst/>
+            <a:cxnLst>
+              <a:cxn ang="0">
+                <a:pos x="connsiteX0" y="connsiteY0"/>
+              </a:cxn>
+              <a:cxn ang="0">
+                <a:pos x="connsiteX1" y="connsiteY1"/>
+              </a:cxn>
+              <a:cxn ang="0">
+                <a:pos x="connsiteX2" y="connsiteY2"/>
+              </a:cxn>
+              <a:cxn ang="0">
+                <a:pos x="connsiteX3" y="connsiteY3"/>
+              </a:cxn>
+              <a:cxn ang="0">
+                <a:pos x="connsiteX4" y="connsiteY4"/>
+              </a:cxn>
+              <a:cxn ang="0">
+                <a:pos x="connsiteX5" y="connsiteY5"/>
+              </a:cxn>
+              <a:cxn ang="0">
+                <a:pos x="connsiteX6" y="connsiteY6"/>
+              </a:cxn>
+              <a:cxn ang="0">
+                <a:pos x="connsiteX7" y="connsiteY7"/>
+              </a:cxn>
+            </a:cxnLst>
+            <a:rect l="l" t="t" r="r" b="b"/>
+            <a:pathLst>
+              <a:path w="11707367" h="2572622">
+                <a:moveTo>
+                  <a:pt x="0" y="0"/>
+                </a:moveTo>
+                <a:lnTo>
+                  <a:pt x="1888420" y="0"/>
+                </a:lnTo>
+                <a:lnTo>
+                  <a:pt x="2198560" y="310139"/>
+                </a:lnTo>
+                <a:cubicBezTo>
+                  <a:pt x="2261209" y="372788"/>
+                  <a:pt x="2362782" y="372788"/>
+                  <a:pt x="2425431" y="310139"/>
+                </a:cubicBezTo>
+                <a:lnTo>
+                  <a:pt x="2735570" y="0"/>
+                </a:lnTo>
+                <a:lnTo>
+                  <a:pt x="11707367" y="0"/>
+                </a:lnTo>
+                <a:lnTo>
+                  <a:pt x="11707367" y="2572622"/>
+                </a:lnTo>
+                <a:lnTo>
+                  <a:pt x="0" y="2572622"/>
+                </a:lnTo>
+                <a:close/>
+              </a:path>
+            </a:pathLst>
+          </a:custGeom>
+          <a:solidFill>
+            <a:srgbClr val="595959">
+              <a:alpha val="89804"/>
+            </a:srgbClr>
+          </a:solidFill>
+          <a:ln>
+            <a:noFill/>
+          </a:ln>
+        </p:spPr>
+        <p:style>
+          <a:lnRef idx="2">
+            <a:schemeClr val="accent1">
+              <a:shade val="50000"/>
+            </a:schemeClr>
+          </a:lnRef>
+          <a:fillRef idx="1">
+            <a:schemeClr val="accent1"/>
+          </a:fillRef>
+          <a:effectRef idx="0">
+            <a:schemeClr val="accent1"/>
+          </a:effectRef>
+          <a:fontRef idx="minor">
+            <a:schemeClr val="lt1"/>
+          </a:fontRef>
+        </p:style>
+      </p:sp>
+      <p:sp>
+        <p:nvSpPr>
+          <p:cNvPr id="2" name="標題 1">
+            <a:extLst>
+              <a:ext uri="{FF2B5EF4-FFF2-40B4-BE49-F238E27FC236}">
+                <a16:creationId xmlns:a16="http://schemas.microsoft.com/office/drawing/2014/main" id="{C19A3B48-8E56-4881-9474-7138CB4BA06D}"/>
+              </a:ext>
+            </a:extLst>
+          </p:cNvPr>
+          <p:cNvSpPr>
+            <a:spLocks noGrp="1"/>
+          </p:cNvSpPr>
+          <p:nvPr>
+            <p:ph type="title"/>
+          </p:nvPr>
+        </p:nvSpPr>
+        <p:spPr>
+          <a:xfrm>
+            <a:off x="810001" y="4084320"/>
+            <a:ext cx="10572000" cy="1275776"/>
+          </a:xfrm>
+        </p:spPr>
+        <p:txBody>
+          <a:bodyPr vert="horz" lIns="91440" tIns="45720" rIns="91440" bIns="45720" rtlCol="0" anchor="b">
+            <a:normAutofit/>
+          </a:bodyPr>
+          <a:lstStyle/>
+          <a:p>
+            <a:r>
+              <a:rPr lang="zh-TW" altLang="en-US" sz="5400"/>
+              <a:t>好麻煩阿</a:t>
+            </a:r>
+            <a:r>
+              <a:rPr lang="en-US" altLang="zh-TW" sz="5400"/>
+              <a:t>! ! ! ! </a:t>
+            </a:r>
+            <a:r>
+              <a:rPr lang="zh-TW" altLang="en-US" sz="5400"/>
+              <a:t>有沒有更快的方法</a:t>
+            </a:r>
+          </a:p>
+        </p:txBody>
+      </p:sp>
+    </p:spTree>
+    <p:extLst>
+      <p:ext uri="{BB962C8B-B14F-4D97-AF65-F5344CB8AC3E}">
+        <p14:creationId xmlns:p14="http://schemas.microsoft.com/office/powerpoint/2010/main" val="871052892"/>
+      </p:ext>
+    </p:extLst>
+  </p:cSld>
+  <p:clrMapOvr>
+    <a:masterClrMapping/>
+  </p:clrMapOvr>
+</p:sld>
+</file>
+
+<file path=ppt/slides/slide11.xml><?xml version="1.0" encoding="utf-8"?>
+<p:sld xmlns:a="http://schemas.openxmlformats.org/drawingml/2006/main" xmlns:r="http://schemas.openxmlformats.org/officeDocument/2006/relationships" xmlns:p="http://schemas.openxmlformats.org/presentationml/2006/main">
+  <p:cSld>
+    <p:spTree>
+      <p:nvGrpSpPr>
+        <p:cNvPr id="1" name=""/>
+        <p:cNvGrpSpPr/>
+        <p:nvPr/>
+      </p:nvGrpSpPr>
+      <p:grpSpPr>
+        <a:xfrm>
+          <a:off x="0" y="0"/>
+          <a:ext cx="0" cy="0"/>
+          <a:chOff x="0" y="0"/>
+          <a:chExt cx="0" cy="0"/>
+        </a:xfrm>
+      </p:grpSpPr>
+      <p:sp>
+        <p:nvSpPr>
+          <p:cNvPr id="2" name="標題 1">
+            <a:extLst>
+              <a:ext uri="{FF2B5EF4-FFF2-40B4-BE49-F238E27FC236}">
+                <a16:creationId xmlns:a16="http://schemas.microsoft.com/office/drawing/2014/main" id="{58DCF272-ADA0-4762-9D81-07DD64CF9845}"/>
+              </a:ext>
+            </a:extLst>
+          </p:cNvPr>
+          <p:cNvSpPr>
+            <a:spLocks noGrp="1"/>
+          </p:cNvSpPr>
+          <p:nvPr>
+            <p:ph type="title"/>
+          </p:nvPr>
+        </p:nvSpPr>
+        <p:spPr/>
+        <p:txBody>
+          <a:bodyPr/>
+          <a:lstStyle/>
+          <a:p>
+            <a:r>
+              <a:rPr lang="en-US" altLang="zh-TW" dirty="0"/>
+              <a:t>GitHub</a:t>
+            </a:r>
+            <a:r>
+              <a:rPr lang="zh-TW" altLang="en-US" dirty="0"/>
+              <a:t>桌面板</a:t>
+            </a:r>
+          </a:p>
+        </p:txBody>
+      </p:sp>
+      <p:sp>
+        <p:nvSpPr>
+          <p:cNvPr id="3" name="內容版面配置區 2">
+            <a:extLst>
+              <a:ext uri="{FF2B5EF4-FFF2-40B4-BE49-F238E27FC236}">
+                <a16:creationId xmlns:a16="http://schemas.microsoft.com/office/drawing/2014/main" id="{322417E9-0047-40FF-BBBB-7F79E7F3CA1A}"/>
+              </a:ext>
+            </a:extLst>
+          </p:cNvPr>
+          <p:cNvSpPr>
+            <a:spLocks noGrp="1"/>
+          </p:cNvSpPr>
+          <p:nvPr>
+            <p:ph idx="1"/>
+          </p:nvPr>
+        </p:nvSpPr>
+        <p:spPr/>
+        <p:txBody>
+          <a:bodyPr/>
+          <a:lstStyle/>
+          <a:p>
+            <a:endParaRPr lang="zh-TW" altLang="en-US" dirty="0"/>
+          </a:p>
+        </p:txBody>
+      </p:sp>
+    </p:spTree>
+    <p:extLst>
+      <p:ext uri="{BB962C8B-B14F-4D97-AF65-F5344CB8AC3E}">
+        <p14:creationId xmlns:p14="http://schemas.microsoft.com/office/powerpoint/2010/main" val="931694772"/>
       </p:ext>
     </p:extLst>
   </p:cSld>
@@ -5833,8 +6399,8 @@
           <a:ln/>
           <a:effectLst/>
           <a:extLst>
-            <a:ext uri="{91240B29-F687-4f45-9708-019B960494DF}">
-              <a14:hiddenLine xmlns="" xmlns:a16="http://schemas.microsoft.com/office/drawing/2014/main" xmlns:a14="http://schemas.microsoft.com/office/drawing/2010/main" w="9525">
+            <a:ext uri="{91240B29-F687-4F45-9708-019B960494DF}">
+              <a14:hiddenLine xmlns:a14="http://schemas.microsoft.com/office/drawing/2010/main" w="9525">
                 <a:solidFill>
                   <a:srgbClr val="000000"/>
                 </a:solidFill>
@@ -6156,8 +6722,8 @@
           </a:ln>
           <a:effectLst/>
           <a:extLst>
-            <a:ext uri="{91240B29-F687-4f45-9708-019B960494DF}">
-              <a14:hiddenLine xmlns="" xmlns:a14="http://schemas.microsoft.com/office/drawing/2010/main" xmlns:p14="http://schemas.microsoft.com/office/powerpoint/2010/main" xmlns:a16="http://schemas.microsoft.com/office/drawing/2014/main" w="9525">
+            <a:ext uri="{91240B29-F687-4F45-9708-019B960494DF}">
+              <a14:hiddenLine xmlns:a14="http://schemas.microsoft.com/office/drawing/2010/main" w="9525">
                 <a:solidFill>
                   <a:srgbClr val="000000"/>
                 </a:solidFill>
@@ -6212,13 +6778,183 @@
           <a:lstStyle/>
           <a:p>
             <a:r>
-              <a:rPr lang="en-US" altLang="zh-TW" sz="5400"/>
-              <a:t>GitHub </a:t>
-            </a:r>
-            <a:r>
-              <a:rPr lang="zh-TW" altLang="en-US" sz="5400"/>
-              <a:t>網頁介面</a:t>
-            </a:r>
+              <a:rPr lang="zh-TW" altLang="en-US" sz="5400" dirty="0">
+                <a:solidFill>
+                  <a:schemeClr val="bg2">
+                    <a:lumMod val="90000"/>
+                    <a:lumOff val="10000"/>
+                  </a:schemeClr>
+                </a:solidFill>
+              </a:rPr>
+              <a:t>操作環境簡介</a:t>
+            </a:r>
+          </a:p>
+        </p:txBody>
+      </p:sp>
+      <p:sp>
+        <p:nvSpPr>
+          <p:cNvPr id="3" name="文字方塊 2">
+            <a:extLst>
+              <a:ext uri="{FF2B5EF4-FFF2-40B4-BE49-F238E27FC236}">
+                <a16:creationId xmlns:a16="http://schemas.microsoft.com/office/drawing/2014/main" id="{22AD9ECD-C760-4FCE-827A-FEDA25E4E6A2}"/>
+              </a:ext>
+            </a:extLst>
+          </p:cNvPr>
+          <p:cNvSpPr txBox="1"/>
+          <p:nvPr/>
+        </p:nvSpPr>
+        <p:spPr>
+          <a:xfrm>
+            <a:off x="6777831" y="1659284"/>
+            <a:ext cx="5040001" cy="5016758"/>
+          </a:xfrm>
+          <a:prstGeom prst="rect">
+            <a:avLst/>
+          </a:prstGeom>
+          <a:noFill/>
+        </p:spPr>
+        <p:txBody>
+          <a:bodyPr wrap="square" rtlCol="0">
+            <a:spAutoFit/>
+          </a:bodyPr>
+          <a:lstStyle/>
+          <a:p>
+            <a:r>
+              <a:rPr lang="en-US" altLang="zh-TW" sz="3200" dirty="0">
+                <a:solidFill>
+                  <a:srgbClr val="00B0F0"/>
+                </a:solidFill>
+              </a:rPr>
+              <a:t>Gits</a:t>
+            </a:r>
+            <a:r>
+              <a:rPr lang="zh-TW" altLang="en-US" sz="3200" dirty="0">
+                <a:solidFill>
+                  <a:srgbClr val="00B0F0"/>
+                </a:solidFill>
+              </a:rPr>
+              <a:t>版本</a:t>
+            </a:r>
+            <a:r>
+              <a:rPr lang="en-US" altLang="zh-TW" sz="3200" dirty="0">
+                <a:solidFill>
+                  <a:srgbClr val="00B0F0"/>
+                </a:solidFill>
+              </a:rPr>
+              <a:t>:  </a:t>
+            </a:r>
+          </a:p>
+          <a:p>
+            <a:r>
+              <a:rPr lang="de-DE" altLang="zh-TW" sz="3200" dirty="0"/>
+              <a:t>	git version 		2.17.0.windows.1</a:t>
+            </a:r>
+            <a:endParaRPr lang="en-US" altLang="zh-TW" sz="3200" dirty="0"/>
+          </a:p>
+          <a:p>
+            <a:r>
+              <a:rPr lang="zh-TW" altLang="en-US" sz="3200" dirty="0">
+                <a:solidFill>
+                  <a:srgbClr val="00B0F0"/>
+                </a:solidFill>
+              </a:rPr>
+              <a:t>作業軟體</a:t>
+            </a:r>
+            <a:r>
+              <a:rPr lang="en-US" altLang="zh-TW" sz="3200" dirty="0">
+                <a:solidFill>
+                  <a:srgbClr val="00B0F0"/>
+                </a:solidFill>
+              </a:rPr>
+              <a:t>:</a:t>
+            </a:r>
+          </a:p>
+          <a:p>
+            <a:r>
+              <a:rPr lang="en-US" altLang="zh-TW" sz="3200" dirty="0"/>
+              <a:t>	windows10</a:t>
+            </a:r>
+          </a:p>
+          <a:p>
+            <a:r>
+              <a:rPr lang="zh-TW" altLang="en-US" sz="3200" dirty="0">
+                <a:solidFill>
+                  <a:srgbClr val="00B0F0"/>
+                </a:solidFill>
+              </a:rPr>
+              <a:t>使用軟體</a:t>
+            </a:r>
+            <a:r>
+              <a:rPr lang="en-US" altLang="zh-TW" sz="3200" dirty="0">
+                <a:solidFill>
+                  <a:srgbClr val="00B0F0"/>
+                </a:solidFill>
+              </a:rPr>
+              <a:t>:</a:t>
+            </a:r>
+          </a:p>
+          <a:p>
+            <a:r>
+              <a:rPr lang="en-US" altLang="zh-TW" sz="3200" dirty="0"/>
+              <a:t>  1.  </a:t>
+            </a:r>
+            <a:r>
+              <a:rPr lang="en-US" altLang="zh-TW" sz="3200" dirty="0" err="1"/>
+              <a:t>VScode</a:t>
+            </a:r>
+            <a:endParaRPr lang="en-US" altLang="zh-TW" sz="3200" dirty="0"/>
+          </a:p>
+          <a:p>
+            <a:r>
+              <a:rPr lang="zh-TW" altLang="en-US" sz="3200" dirty="0"/>
+              <a:t>  </a:t>
+            </a:r>
+            <a:r>
+              <a:rPr lang="en-US" altLang="zh-TW" sz="3200" dirty="0"/>
+              <a:t>2.</a:t>
+            </a:r>
+            <a:r>
+              <a:rPr lang="zh-TW" altLang="en-US" sz="3200" dirty="0"/>
+              <a:t>  </a:t>
+            </a:r>
+            <a:r>
+              <a:rPr lang="en-US" altLang="zh-TW" sz="3200" dirty="0"/>
+              <a:t>Windows </a:t>
+            </a:r>
+            <a:r>
+              <a:rPr lang="en-US" altLang="zh-TW" sz="3200" dirty="0" err="1"/>
+              <a:t>Powershell</a:t>
+            </a:r>
+            <a:endParaRPr lang="en-US" altLang="zh-TW" sz="3200" dirty="0"/>
+          </a:p>
+          <a:p>
+            <a:r>
+              <a:rPr lang="zh-TW" altLang="en-US" sz="3200" dirty="0"/>
+              <a:t>  </a:t>
+            </a:r>
+            <a:r>
+              <a:rPr lang="en-US" altLang="zh-TW" sz="3200" dirty="0"/>
+              <a:t>3.</a:t>
+            </a:r>
+            <a:r>
+              <a:rPr lang="zh-TW" altLang="en-US" sz="3200" dirty="0"/>
+              <a:t>  </a:t>
+            </a:r>
+            <a:r>
+              <a:rPr lang="en-US" altLang="zh-TW" sz="3200" dirty="0"/>
+              <a:t>GitHub</a:t>
+            </a:r>
+            <a:r>
+              <a:rPr lang="zh-TW" altLang="en-US" sz="3200" dirty="0"/>
+              <a:t>桌面版</a:t>
+            </a:r>
+            <a:endParaRPr lang="en-US" altLang="zh-TW" sz="3200" dirty="0"/>
+          </a:p>
+          <a:p>
+            <a:pPr marL="514350" indent="-514350">
+              <a:buAutoNum type="arabicPeriod" startAt="3"/>
+            </a:pPr>
+            <a:endParaRPr lang="en-US" altLang="zh-TW" sz="3200" dirty="0"/>
           </a:p>
         </p:txBody>
       </p:sp>
@@ -6257,6 +6993,445 @@
           <p:cNvPr id="2" name="標題 1">
             <a:extLst>
               <a:ext uri="{FF2B5EF4-FFF2-40B4-BE49-F238E27FC236}">
+                <a16:creationId xmlns:a16="http://schemas.microsoft.com/office/drawing/2014/main" id="{9A2089D8-125E-42B1-BD22-0DC0D1DEBA88}"/>
+              </a:ext>
+            </a:extLst>
+          </p:cNvPr>
+          <p:cNvSpPr>
+            <a:spLocks noGrp="1"/>
+          </p:cNvSpPr>
+          <p:nvPr>
+            <p:ph type="title"/>
+          </p:nvPr>
+        </p:nvSpPr>
+        <p:spPr/>
+        <p:txBody>
+          <a:bodyPr/>
+          <a:lstStyle/>
+          <a:p>
+            <a:r>
+              <a:rPr lang="en-US" altLang="zh-TW" dirty="0">
+                <a:solidFill>
+                  <a:schemeClr val="bg2"/>
+                </a:solidFill>
+              </a:rPr>
+              <a:t>Git</a:t>
+            </a:r>
+            <a:r>
+              <a:rPr lang="zh-TW" altLang="en-US" dirty="0">
+                <a:solidFill>
+                  <a:schemeClr val="bg2"/>
+                </a:solidFill>
+              </a:rPr>
+              <a:t> 安裝教學 </a:t>
+            </a:r>
+            <a:r>
+              <a:rPr lang="en-US" altLang="zh-TW" dirty="0">
+                <a:solidFill>
+                  <a:schemeClr val="bg2"/>
+                </a:solidFill>
+              </a:rPr>
+              <a:t>:</a:t>
+            </a:r>
+            <a:endParaRPr lang="zh-TW" altLang="en-US" dirty="0">
+              <a:solidFill>
+                <a:schemeClr val="bg2"/>
+              </a:solidFill>
+            </a:endParaRPr>
+          </a:p>
+        </p:txBody>
+      </p:sp>
+      <p:sp>
+        <p:nvSpPr>
+          <p:cNvPr id="4" name="文字方塊 3">
+            <a:extLst>
+              <a:ext uri="{FF2B5EF4-FFF2-40B4-BE49-F238E27FC236}">
+                <a16:creationId xmlns:a16="http://schemas.microsoft.com/office/drawing/2014/main" id="{F8FFF336-8176-401C-AFFC-F175EAD27729}"/>
+              </a:ext>
+            </a:extLst>
+          </p:cNvPr>
+          <p:cNvSpPr txBox="1"/>
+          <p:nvPr/>
+        </p:nvSpPr>
+        <p:spPr>
+          <a:xfrm>
+            <a:off x="355953" y="2150416"/>
+            <a:ext cx="4003019" cy="369332"/>
+          </a:xfrm>
+          <a:prstGeom prst="rect">
+            <a:avLst/>
+          </a:prstGeom>
+          <a:noFill/>
+        </p:spPr>
+        <p:txBody>
+          <a:bodyPr wrap="none" rtlCol="0">
+            <a:spAutoFit/>
+          </a:bodyPr>
+          <a:lstStyle/>
+          <a:p>
+            <a:r>
+              <a:rPr lang="zh-TW" altLang="en-US" dirty="0"/>
+              <a:t>前往官方網站</a:t>
+            </a:r>
+            <a:r>
+              <a:rPr lang="en-US" altLang="zh-TW" dirty="0"/>
+              <a:t>:</a:t>
+            </a:r>
+            <a:r>
+              <a:rPr lang="zh-TW" altLang="en-US" dirty="0"/>
+              <a:t> </a:t>
+            </a:r>
+            <a:r>
+              <a:rPr lang="en-US" altLang="zh-TW" dirty="0"/>
+              <a:t>https://git-scm.com/</a:t>
+            </a:r>
+            <a:endParaRPr lang="zh-TW" altLang="en-US" dirty="0"/>
+          </a:p>
+        </p:txBody>
+      </p:sp>
+      <p:pic>
+        <p:nvPicPr>
+          <p:cNvPr id="5" name="圖片 4">
+            <a:extLst>
+              <a:ext uri="{FF2B5EF4-FFF2-40B4-BE49-F238E27FC236}">
+                <a16:creationId xmlns:a16="http://schemas.microsoft.com/office/drawing/2014/main" id="{1F100641-2319-48A4-BB0E-430BEB27CDAF}"/>
+              </a:ext>
+            </a:extLst>
+          </p:cNvPr>
+          <p:cNvPicPr>
+            <a:picLocks noChangeAspect="1"/>
+          </p:cNvPicPr>
+          <p:nvPr/>
+        </p:nvPicPr>
+        <p:blipFill>
+          <a:blip r:embed="rId2"/>
+          <a:stretch>
+            <a:fillRect/>
+          </a:stretch>
+        </p:blipFill>
+        <p:spPr>
+          <a:xfrm>
+            <a:off x="195492" y="2598156"/>
+            <a:ext cx="6270338" cy="3527065"/>
+          </a:xfrm>
+          <a:prstGeom prst="rect">
+            <a:avLst/>
+          </a:prstGeom>
+        </p:spPr>
+      </p:pic>
+      <p:sp>
+        <p:nvSpPr>
+          <p:cNvPr id="6" name="文字方塊 5">
+            <a:extLst>
+              <a:ext uri="{FF2B5EF4-FFF2-40B4-BE49-F238E27FC236}">
+                <a16:creationId xmlns:a16="http://schemas.microsoft.com/office/drawing/2014/main" id="{8D5341B6-4E05-448E-8758-4040ECB29C00}"/>
+              </a:ext>
+            </a:extLst>
+          </p:cNvPr>
+          <p:cNvSpPr txBox="1"/>
+          <p:nvPr/>
+        </p:nvSpPr>
+        <p:spPr>
+          <a:xfrm>
+            <a:off x="6886378" y="2150416"/>
+            <a:ext cx="3807453" cy="369332"/>
+          </a:xfrm>
+          <a:prstGeom prst="rect">
+            <a:avLst/>
+          </a:prstGeom>
+          <a:noFill/>
+        </p:spPr>
+        <p:txBody>
+          <a:bodyPr wrap="none" rtlCol="0">
+            <a:spAutoFit/>
+          </a:bodyPr>
+          <a:lstStyle/>
+          <a:p>
+            <a:r>
+              <a:rPr lang="zh-TW" altLang="en-US" dirty="0"/>
+              <a:t>看你的系統版本下載</a:t>
+            </a:r>
+            <a:r>
+              <a:rPr lang="en-US" altLang="zh-TW" dirty="0"/>
+              <a:t>Git</a:t>
+            </a:r>
+            <a:r>
+              <a:rPr lang="zh-TW" altLang="en-US" dirty="0"/>
+              <a:t> 然後安裝他</a:t>
+            </a:r>
+          </a:p>
+        </p:txBody>
+      </p:sp>
+      <p:pic>
+        <p:nvPicPr>
+          <p:cNvPr id="3" name="圖片 2">
+            <a:extLst>
+              <a:ext uri="{FF2B5EF4-FFF2-40B4-BE49-F238E27FC236}">
+                <a16:creationId xmlns:a16="http://schemas.microsoft.com/office/drawing/2014/main" id="{96E58500-DF28-4761-8B33-AEFF982732ED}"/>
+              </a:ext>
+            </a:extLst>
+          </p:cNvPr>
+          <p:cNvPicPr>
+            <a:picLocks noChangeAspect="1"/>
+          </p:cNvPicPr>
+          <p:nvPr/>
+        </p:nvPicPr>
+        <p:blipFill>
+          <a:blip r:embed="rId3"/>
+          <a:stretch>
+            <a:fillRect/>
+          </a:stretch>
+        </p:blipFill>
+        <p:spPr>
+          <a:xfrm>
+            <a:off x="7001504" y="2598155"/>
+            <a:ext cx="4312504" cy="3527065"/>
+          </a:xfrm>
+          <a:prstGeom prst="rect">
+            <a:avLst/>
+          </a:prstGeom>
+        </p:spPr>
+      </p:pic>
+      <p:sp>
+        <p:nvSpPr>
+          <p:cNvPr id="8" name="矩形: 圓角 7">
+            <a:extLst>
+              <a:ext uri="{FF2B5EF4-FFF2-40B4-BE49-F238E27FC236}">
+                <a16:creationId xmlns:a16="http://schemas.microsoft.com/office/drawing/2014/main" id="{8800F972-0B83-44DB-BEF9-F7D1445BA395}"/>
+              </a:ext>
+            </a:extLst>
+          </p:cNvPr>
+          <p:cNvSpPr/>
+          <p:nvPr/>
+        </p:nvSpPr>
+        <p:spPr>
+          <a:xfrm>
+            <a:off x="3800213" y="4353886"/>
+            <a:ext cx="1459684" cy="1375795"/>
+          </a:xfrm>
+          <a:prstGeom prst="roundRect">
+            <a:avLst/>
+          </a:prstGeom>
+          <a:noFill/>
+          <a:ln w="76200" cap="flat" cmpd="sng" algn="ctr">
+            <a:solidFill>
+              <a:schemeClr val="accent6"/>
+            </a:solidFill>
+            <a:prstDash val="solid"/>
+            <a:round/>
+            <a:headEnd type="none" w="med" len="med"/>
+            <a:tailEnd type="none" w="med" len="med"/>
+          </a:ln>
+        </p:spPr>
+        <p:style>
+          <a:lnRef idx="0">
+            <a:scrgbClr r="0" g="0" b="0"/>
+          </a:lnRef>
+          <a:fillRef idx="0">
+            <a:scrgbClr r="0" g="0" b="0"/>
+          </a:fillRef>
+          <a:effectRef idx="0">
+            <a:scrgbClr r="0" g="0" b="0"/>
+          </a:effectRef>
+          <a:fontRef idx="minor">
+            <a:schemeClr val="accent6"/>
+          </a:fontRef>
+        </p:style>
+        <p:txBody>
+          <a:bodyPr rtlCol="0" anchor="ctr"/>
+          <a:lstStyle/>
+          <a:p>
+            <a:pPr algn="ctr"/>
+            <a:endParaRPr lang="zh-TW" altLang="en-US"/>
+          </a:p>
+        </p:txBody>
+      </p:sp>
+    </p:spTree>
+    <p:extLst>
+      <p:ext uri="{BB962C8B-B14F-4D97-AF65-F5344CB8AC3E}">
+        <p14:creationId xmlns:p14="http://schemas.microsoft.com/office/powerpoint/2010/main" val="4077165571"/>
+      </p:ext>
+    </p:extLst>
+  </p:cSld>
+  <p:clrMapOvr>
+    <a:masterClrMapping/>
+  </p:clrMapOvr>
+  <p:timing>
+    <p:tnLst>
+      <p:par>
+        <p:cTn id="1" dur="indefinite" restart="never" nodeType="tmRoot">
+          <p:childTnLst>
+            <p:seq concurrent="1" nextAc="seek">
+              <p:cTn id="2" dur="indefinite" nodeType="mainSeq">
+                <p:childTnLst>
+                  <p:par>
+                    <p:cTn id="3" fill="hold">
+                      <p:stCondLst>
+                        <p:cond delay="indefinite"/>
+                      </p:stCondLst>
+                      <p:childTnLst>
+                        <p:par>
+                          <p:cTn id="4" fill="hold">
+                            <p:stCondLst>
+                              <p:cond delay="0"/>
+                            </p:stCondLst>
+                            <p:childTnLst>
+                              <p:par>
+                                <p:cTn id="5" presetID="1" presetClass="entr" presetSubtype="0" fill="hold" grpId="0" nodeType="clickEffect">
+                                  <p:stCondLst>
+                                    <p:cond delay="0"/>
+                                  </p:stCondLst>
+                                  <p:childTnLst>
+                                    <p:set>
+                                      <p:cBhvr>
+                                        <p:cTn id="6" dur="1" fill="hold">
+                                          <p:stCondLst>
+                                            <p:cond delay="0"/>
+                                          </p:stCondLst>
+                                        </p:cTn>
+                                        <p:tgtEl>
+                                          <p:spTgt spid="8"/>
+                                        </p:tgtEl>
+                                        <p:attrNameLst>
+                                          <p:attrName>style.visibility</p:attrName>
+                                        </p:attrNameLst>
+                                      </p:cBhvr>
+                                      <p:to>
+                                        <p:strVal val="visible"/>
+                                      </p:to>
+                                    </p:set>
+                                  </p:childTnLst>
+                                </p:cTn>
+                              </p:par>
+                            </p:childTnLst>
+                          </p:cTn>
+                        </p:par>
+                      </p:childTnLst>
+                    </p:cTn>
+                  </p:par>
+                  <p:par>
+                    <p:cTn id="7" fill="hold">
+                      <p:stCondLst>
+                        <p:cond delay="indefinite"/>
+                      </p:stCondLst>
+                      <p:childTnLst>
+                        <p:par>
+                          <p:cTn id="8" fill="hold">
+                            <p:stCondLst>
+                              <p:cond delay="0"/>
+                            </p:stCondLst>
+                            <p:childTnLst>
+                              <p:par>
+                                <p:cTn id="9" presetID="1" presetClass="entr" presetSubtype="0" fill="hold" nodeType="clickEffect">
+                                  <p:stCondLst>
+                                    <p:cond delay="0"/>
+                                  </p:stCondLst>
+                                  <p:childTnLst>
+                                    <p:set>
+                                      <p:cBhvr>
+                                        <p:cTn id="10" dur="1" fill="hold">
+                                          <p:stCondLst>
+                                            <p:cond delay="0"/>
+                                          </p:stCondLst>
+                                        </p:cTn>
+                                        <p:tgtEl>
+                                          <p:spTgt spid="3"/>
+                                        </p:tgtEl>
+                                        <p:attrNameLst>
+                                          <p:attrName>style.visibility</p:attrName>
+                                        </p:attrNameLst>
+                                      </p:cBhvr>
+                                      <p:to>
+                                        <p:strVal val="visible"/>
+                                      </p:to>
+                                    </p:set>
+                                  </p:childTnLst>
+                                </p:cTn>
+                              </p:par>
+                              <p:par>
+                                <p:cTn id="11" presetID="1" presetClass="entr" presetSubtype="0" fill="hold" grpId="0" nodeType="withEffect">
+                                  <p:stCondLst>
+                                    <p:cond delay="0"/>
+                                  </p:stCondLst>
+                                  <p:childTnLst>
+                                    <p:set>
+                                      <p:cBhvr>
+                                        <p:cTn id="12" dur="1" fill="hold">
+                                          <p:stCondLst>
+                                            <p:cond delay="0"/>
+                                          </p:stCondLst>
+                                        </p:cTn>
+                                        <p:tgtEl>
+                                          <p:spTgt spid="6"/>
+                                        </p:tgtEl>
+                                        <p:attrNameLst>
+                                          <p:attrName>style.visibility</p:attrName>
+                                        </p:attrNameLst>
+                                      </p:cBhvr>
+                                      <p:to>
+                                        <p:strVal val="visible"/>
+                                      </p:to>
+                                    </p:set>
+                                  </p:childTnLst>
+                                </p:cTn>
+                              </p:par>
+                            </p:childTnLst>
+                          </p:cTn>
+                        </p:par>
+                      </p:childTnLst>
+                    </p:cTn>
+                  </p:par>
+                </p:childTnLst>
+              </p:cTn>
+              <p:prevCondLst>
+                <p:cond evt="onPrev" delay="0">
+                  <p:tgtEl>
+                    <p:sldTgt/>
+                  </p:tgtEl>
+                </p:cond>
+              </p:prevCondLst>
+              <p:nextCondLst>
+                <p:cond evt="onNext" delay="0">
+                  <p:tgtEl>
+                    <p:sldTgt/>
+                  </p:tgtEl>
+                </p:cond>
+              </p:nextCondLst>
+            </p:seq>
+          </p:childTnLst>
+        </p:cTn>
+      </p:par>
+    </p:tnLst>
+    <p:bldLst>
+      <p:bldP spid="6" grpId="0"/>
+      <p:bldP spid="8" grpId="0" animBg="1"/>
+    </p:bldLst>
+  </p:timing>
+</p:sld>
+</file>
+
+<file path=ppt/slides/slide4.xml><?xml version="1.0" encoding="utf-8"?>
+<p:sld xmlns:a="http://schemas.openxmlformats.org/drawingml/2006/main" xmlns:r="http://schemas.openxmlformats.org/officeDocument/2006/relationships" xmlns:p="http://schemas.openxmlformats.org/presentationml/2006/main">
+  <p:cSld>
+    <p:spTree>
+      <p:nvGrpSpPr>
+        <p:cNvPr id="1" name=""/>
+        <p:cNvGrpSpPr/>
+        <p:nvPr/>
+      </p:nvGrpSpPr>
+      <p:grpSpPr>
+        <a:xfrm>
+          <a:off x="0" y="0"/>
+          <a:ext cx="0" cy="0"/>
+          <a:chOff x="0" y="0"/>
+          <a:chExt cx="0" cy="0"/>
+        </a:xfrm>
+      </p:grpSpPr>
+      <p:sp>
+        <p:nvSpPr>
+          <p:cNvPr id="2" name="標題 1">
+            <a:extLst>
+              <a:ext uri="{FF2B5EF4-FFF2-40B4-BE49-F238E27FC236}">
                 <a16:creationId xmlns:a16="http://schemas.microsoft.com/office/drawing/2014/main" id="{0C2E39B6-0940-42F7-9F9D-1756F416F08E}"/>
               </a:ext>
             </a:extLst>
@@ -6273,7 +7448,35 @@
           <a:bodyPr/>
           <a:lstStyle/>
           <a:p>
-            <a:endParaRPr lang="zh-TW" altLang="en-US"/>
+            <a:r>
+              <a:rPr lang="en-US" altLang="zh-TW" dirty="0">
+                <a:solidFill>
+                  <a:schemeClr val="bg2"/>
+                </a:solidFill>
+              </a:rPr>
+              <a:t>Git</a:t>
+            </a:r>
+            <a:r>
+              <a:rPr lang="zh-TW" altLang="en-US" dirty="0">
+                <a:solidFill>
+                  <a:schemeClr val="bg2"/>
+                </a:solidFill>
+              </a:rPr>
+              <a:t>基礎指令介紹 </a:t>
+            </a:r>
+            <a:r>
+              <a:rPr lang="en-US" altLang="zh-TW" dirty="0">
+                <a:solidFill>
+                  <a:schemeClr val="bg2"/>
+                </a:solidFill>
+              </a:rPr>
+              <a:t>:</a:t>
+            </a:r>
+            <a:endParaRPr lang="zh-TW" altLang="en-US" dirty="0">
+              <a:solidFill>
+                <a:schemeClr val="bg2"/>
+              </a:solidFill>
+            </a:endParaRPr>
           </a:p>
         </p:txBody>
       </p:sp>
@@ -6293,12 +7496,466 @@
             <p:ph idx="1"/>
           </p:nvPr>
         </p:nvSpPr>
-        <p:spPr/>
+        <p:spPr>
+          <a:xfrm>
+            <a:off x="255181" y="2222287"/>
+            <a:ext cx="5740266" cy="4114718"/>
+          </a:xfrm>
+        </p:spPr>
         <p:txBody>
-          <a:bodyPr/>
+          <a:bodyPr numCol="1">
+            <a:normAutofit fontScale="92500"/>
+          </a:bodyPr>
           <a:lstStyle/>
           <a:p>
-            <a:endParaRPr lang="zh-TW" altLang="en-US"/>
+            <a:pPr>
+              <a:lnSpc>
+                <a:spcPct val="150000"/>
+              </a:lnSpc>
+            </a:pPr>
+            <a:r>
+              <a:rPr lang="zh-TW" altLang="en-US" sz="2800" dirty="0">
+                <a:solidFill>
+                  <a:srgbClr val="0070C0"/>
+                </a:solidFill>
+              </a:rPr>
+              <a:t> </a:t>
+            </a:r>
+            <a:r>
+              <a:rPr lang="en-US" altLang="zh-TW" sz="2800" dirty="0">
+                <a:solidFill>
+                  <a:srgbClr val="0070C0"/>
+                </a:solidFill>
+              </a:rPr>
+              <a:t>Git</a:t>
+            </a:r>
+            <a:r>
+              <a:rPr lang="en-US" altLang="zh-TW" sz="2800" dirty="0"/>
+              <a:t> </a:t>
+            </a:r>
+            <a:r>
+              <a:rPr lang="en-US" altLang="zh-TW" sz="2800" dirty="0" err="1"/>
+              <a:t>init</a:t>
+            </a:r>
+            <a:endParaRPr lang="en-US" altLang="zh-TW" sz="2800" dirty="0"/>
+          </a:p>
+          <a:p>
+            <a:pPr>
+              <a:lnSpc>
+                <a:spcPct val="150000"/>
+              </a:lnSpc>
+            </a:pPr>
+            <a:r>
+              <a:rPr lang="en-US" altLang="zh-TW" sz="2800" dirty="0">
+                <a:solidFill>
+                  <a:srgbClr val="0070C0"/>
+                </a:solidFill>
+              </a:rPr>
+              <a:t> Git</a:t>
+            </a:r>
+            <a:r>
+              <a:rPr lang="en-US" altLang="zh-TW" sz="2800" dirty="0"/>
+              <a:t> config “</a:t>
+            </a:r>
+            <a:r>
+              <a:rPr lang="zh-TW" altLang="en-US" sz="2800" dirty="0"/>
+              <a:t>參數名稱</a:t>
+            </a:r>
+            <a:r>
+              <a:rPr lang="en-US" altLang="zh-TW" sz="2800" dirty="0"/>
+              <a:t>”</a:t>
+            </a:r>
+            <a:r>
+              <a:rPr lang="zh-TW" altLang="en-US" sz="2800" dirty="0"/>
+              <a:t> </a:t>
+            </a:r>
+            <a:r>
+              <a:rPr lang="en-US" altLang="zh-TW" sz="2800" dirty="0"/>
+              <a:t>“</a:t>
+            </a:r>
+            <a:r>
+              <a:rPr lang="zh-TW" altLang="en-US" sz="2800" dirty="0"/>
+              <a:t>值</a:t>
+            </a:r>
+            <a:r>
+              <a:rPr lang="en-US" altLang="zh-TW" sz="2800" dirty="0"/>
+              <a:t>”</a:t>
+            </a:r>
+          </a:p>
+          <a:p>
+            <a:pPr>
+              <a:lnSpc>
+                <a:spcPct val="150000"/>
+              </a:lnSpc>
+            </a:pPr>
+            <a:r>
+              <a:rPr lang="zh-TW" altLang="en-US" sz="2800" dirty="0">
+                <a:solidFill>
+                  <a:srgbClr val="0070C0"/>
+                </a:solidFill>
+              </a:rPr>
+              <a:t> </a:t>
+            </a:r>
+            <a:r>
+              <a:rPr lang="en-US" altLang="zh-TW" sz="2800" dirty="0" err="1">
+                <a:solidFill>
+                  <a:srgbClr val="0070C0"/>
+                </a:solidFill>
+              </a:rPr>
+              <a:t>Git</a:t>
+            </a:r>
+            <a:r>
+              <a:rPr lang="en-US" altLang="zh-TW" sz="2800" dirty="0"/>
+              <a:t> add .</a:t>
+            </a:r>
+          </a:p>
+          <a:p>
+            <a:pPr>
+              <a:lnSpc>
+                <a:spcPct val="150000"/>
+              </a:lnSpc>
+            </a:pPr>
+            <a:r>
+              <a:rPr lang="zh-TW" altLang="en-US" sz="2800" dirty="0">
+                <a:solidFill>
+                  <a:srgbClr val="0070C0"/>
+                </a:solidFill>
+              </a:rPr>
+              <a:t> </a:t>
+            </a:r>
+            <a:r>
+              <a:rPr lang="en-US" altLang="zh-TW" sz="2800" dirty="0" err="1">
+                <a:solidFill>
+                  <a:srgbClr val="0070C0"/>
+                </a:solidFill>
+              </a:rPr>
+              <a:t>Git</a:t>
+            </a:r>
+            <a:r>
+              <a:rPr lang="en-US" altLang="zh-TW" sz="2800" dirty="0"/>
+              <a:t> commit –m “</a:t>
+            </a:r>
+            <a:r>
+              <a:rPr lang="zh-TW" altLang="en-US" sz="2800" dirty="0"/>
+              <a:t>訊息內容</a:t>
+            </a:r>
+            <a:r>
+              <a:rPr lang="en-US" altLang="zh-TW" sz="2800" dirty="0"/>
+              <a:t>”</a:t>
+            </a:r>
+          </a:p>
+          <a:p>
+            <a:pPr>
+              <a:lnSpc>
+                <a:spcPct val="150000"/>
+              </a:lnSpc>
+            </a:pPr>
+            <a:r>
+              <a:rPr lang="zh-TW" altLang="en-US" sz="2800" dirty="0">
+                <a:solidFill>
+                  <a:srgbClr val="0070C0"/>
+                </a:solidFill>
+              </a:rPr>
+              <a:t> </a:t>
+            </a:r>
+            <a:r>
+              <a:rPr lang="en-US" altLang="zh-TW" sz="2800" dirty="0" err="1">
+                <a:solidFill>
+                  <a:srgbClr val="0070C0"/>
+                </a:solidFill>
+              </a:rPr>
+              <a:t>Git</a:t>
+            </a:r>
+            <a:r>
+              <a:rPr lang="en-US" altLang="zh-TW" sz="2800" dirty="0"/>
+              <a:t> push “</a:t>
+            </a:r>
+            <a:r>
+              <a:rPr lang="zh-TW" altLang="en-US" sz="2800" dirty="0"/>
+              <a:t>儲存庫名稱</a:t>
+            </a:r>
+            <a:r>
+              <a:rPr lang="en-US" altLang="zh-TW" sz="2800" dirty="0"/>
+              <a:t>”</a:t>
+            </a:r>
+            <a:r>
+              <a:rPr lang="zh-TW" altLang="en-US" sz="2800" dirty="0"/>
+              <a:t> </a:t>
+            </a:r>
+            <a:r>
+              <a:rPr lang="en-US" altLang="zh-TW" sz="2800" dirty="0"/>
+              <a:t>“</a:t>
+            </a:r>
+            <a:r>
+              <a:rPr lang="zh-TW" altLang="en-US" sz="2800" dirty="0"/>
+              <a:t>分支名稱</a:t>
+            </a:r>
+            <a:r>
+              <a:rPr lang="en-US" altLang="zh-TW" sz="2800" dirty="0"/>
+              <a:t>”</a:t>
+            </a:r>
+          </a:p>
+        </p:txBody>
+      </p:sp>
+      <p:sp>
+        <p:nvSpPr>
+          <p:cNvPr id="4" name="內容版面配置區 2">
+            <a:extLst>
+              <a:ext uri="{FF2B5EF4-FFF2-40B4-BE49-F238E27FC236}">
+                <a16:creationId xmlns:a16="http://schemas.microsoft.com/office/drawing/2014/main" id="{8C1F2DEE-0FDC-4E6F-BD98-9A95AFB88CFF}"/>
+              </a:ext>
+            </a:extLst>
+          </p:cNvPr>
+          <p:cNvSpPr txBox="1">
+            <a:spLocks/>
+          </p:cNvSpPr>
+          <p:nvPr/>
+        </p:nvSpPr>
+        <p:spPr>
+          <a:xfrm>
+            <a:off x="5901837" y="2344836"/>
+            <a:ext cx="5740266" cy="860278"/>
+          </a:xfrm>
+          <a:prstGeom prst="rect">
+            <a:avLst/>
+          </a:prstGeom>
+          <a:effectLst>
+            <a:outerShdw blurRad="50800" dir="14400000">
+              <a:srgbClr val="000000">
+                <a:alpha val="40000"/>
+              </a:srgbClr>
+            </a:outerShdw>
+          </a:effectLst>
+        </p:spPr>
+        <p:txBody>
+          <a:bodyPr vert="horz" lIns="91440" tIns="45720" rIns="91440" bIns="45720" numCol="1" rtlCol="0" anchor="ctr">
+            <a:normAutofit/>
+          </a:bodyPr>
+          <a:lstStyle>
+            <a:lvl1pPr marL="342900" indent="-342900" algn="l" defTabSz="457200" rtl="0" eaLnBrk="1" latinLnBrk="0" hangingPunct="1">
+              <a:spcBef>
+                <a:spcPct val="20000"/>
+              </a:spcBef>
+              <a:spcAft>
+                <a:spcPts val="600"/>
+              </a:spcAft>
+              <a:buClr>
+                <a:schemeClr val="accent1"/>
+              </a:buClr>
+              <a:buFont typeface="Wingdings 2" charset="2"/>
+              <a:buChar char=""/>
+              <a:defRPr sz="1800" kern="1200">
+                <a:solidFill>
+                  <a:schemeClr val="tx1"/>
+                </a:solidFill>
+                <a:latin typeface="+mn-lt"/>
+                <a:ea typeface="+mn-ea"/>
+                <a:cs typeface="+mn-cs"/>
+              </a:defRPr>
+            </a:lvl1pPr>
+            <a:lvl2pPr marL="742950" indent="-285750" algn="l" defTabSz="457200" rtl="0" eaLnBrk="1" latinLnBrk="0" hangingPunct="1">
+              <a:spcBef>
+                <a:spcPct val="20000"/>
+              </a:spcBef>
+              <a:spcAft>
+                <a:spcPts val="600"/>
+              </a:spcAft>
+              <a:buClr>
+                <a:schemeClr val="accent1"/>
+              </a:buClr>
+              <a:buFont typeface="Wingdings 2" charset="2"/>
+              <a:buChar char=""/>
+              <a:defRPr sz="1600" kern="1200">
+                <a:solidFill>
+                  <a:schemeClr val="tx1"/>
+                </a:solidFill>
+                <a:latin typeface="+mn-lt"/>
+                <a:ea typeface="+mn-ea"/>
+                <a:cs typeface="+mn-cs"/>
+              </a:defRPr>
+            </a:lvl2pPr>
+            <a:lvl3pPr marL="1143000" indent="-228600" algn="l" defTabSz="457200" rtl="0" eaLnBrk="1" latinLnBrk="0" hangingPunct="1">
+              <a:spcBef>
+                <a:spcPct val="20000"/>
+              </a:spcBef>
+              <a:spcAft>
+                <a:spcPts val="600"/>
+              </a:spcAft>
+              <a:buClr>
+                <a:schemeClr val="accent1"/>
+              </a:buClr>
+              <a:buFont typeface="Wingdings 2" charset="2"/>
+              <a:buChar char=""/>
+              <a:defRPr sz="1400" kern="1200">
+                <a:solidFill>
+                  <a:schemeClr val="tx1"/>
+                </a:solidFill>
+                <a:latin typeface="+mn-lt"/>
+                <a:ea typeface="+mn-ea"/>
+                <a:cs typeface="+mn-cs"/>
+              </a:defRPr>
+            </a:lvl3pPr>
+            <a:lvl4pPr marL="1600200" indent="-228600" algn="l" defTabSz="457200" rtl="0" eaLnBrk="1" latinLnBrk="0" hangingPunct="1">
+              <a:spcBef>
+                <a:spcPct val="20000"/>
+              </a:spcBef>
+              <a:spcAft>
+                <a:spcPts val="600"/>
+              </a:spcAft>
+              <a:buClr>
+                <a:schemeClr val="accent1"/>
+              </a:buClr>
+              <a:buFont typeface="Wingdings 2" charset="2"/>
+              <a:buChar char=""/>
+              <a:defRPr sz="1200" kern="1200">
+                <a:solidFill>
+                  <a:schemeClr val="tx1"/>
+                </a:solidFill>
+                <a:latin typeface="+mn-lt"/>
+                <a:ea typeface="+mn-ea"/>
+                <a:cs typeface="+mn-cs"/>
+              </a:defRPr>
+            </a:lvl4pPr>
+            <a:lvl5pPr marL="2057400" indent="-228600" algn="l" defTabSz="457200" rtl="0" eaLnBrk="1" latinLnBrk="0" hangingPunct="1">
+              <a:spcBef>
+                <a:spcPct val="20000"/>
+              </a:spcBef>
+              <a:spcAft>
+                <a:spcPts val="600"/>
+              </a:spcAft>
+              <a:buClr>
+                <a:schemeClr val="accent1"/>
+              </a:buClr>
+              <a:buFont typeface="Wingdings 2" charset="2"/>
+              <a:buChar char=""/>
+              <a:defRPr sz="1200" kern="1200">
+                <a:solidFill>
+                  <a:schemeClr val="tx1"/>
+                </a:solidFill>
+                <a:latin typeface="+mn-lt"/>
+                <a:ea typeface="+mn-ea"/>
+                <a:cs typeface="+mn-cs"/>
+              </a:defRPr>
+            </a:lvl5pPr>
+            <a:lvl6pPr marL="2400000" indent="-228600" algn="l" defTabSz="457200" rtl="0" eaLnBrk="1" latinLnBrk="0" hangingPunct="1">
+              <a:spcBef>
+                <a:spcPct val="20000"/>
+              </a:spcBef>
+              <a:spcAft>
+                <a:spcPts val="600"/>
+              </a:spcAft>
+              <a:buClr>
+                <a:schemeClr val="accent1"/>
+              </a:buClr>
+              <a:buFont typeface="Wingdings 2" charset="2"/>
+              <a:buChar char=""/>
+              <a:defRPr sz="1200" kern="1200">
+                <a:solidFill>
+                  <a:schemeClr val="tx1"/>
+                </a:solidFill>
+                <a:latin typeface="+mn-lt"/>
+                <a:ea typeface="+mn-ea"/>
+                <a:cs typeface="+mn-cs"/>
+              </a:defRPr>
+            </a:lvl6pPr>
+            <a:lvl7pPr marL="2800000" indent="-228600" algn="l" defTabSz="457200" rtl="0" eaLnBrk="1" latinLnBrk="0" hangingPunct="1">
+              <a:spcBef>
+                <a:spcPct val="20000"/>
+              </a:spcBef>
+              <a:spcAft>
+                <a:spcPts val="600"/>
+              </a:spcAft>
+              <a:buClr>
+                <a:schemeClr val="accent1"/>
+              </a:buClr>
+              <a:buFont typeface="Wingdings 2" charset="2"/>
+              <a:buChar char=""/>
+              <a:defRPr sz="1200" kern="1200">
+                <a:solidFill>
+                  <a:schemeClr val="tx1"/>
+                </a:solidFill>
+                <a:latin typeface="+mn-lt"/>
+                <a:ea typeface="+mn-ea"/>
+                <a:cs typeface="+mn-cs"/>
+              </a:defRPr>
+            </a:lvl7pPr>
+            <a:lvl8pPr marL="3200000" indent="-228600" algn="l" defTabSz="457200" rtl="0" eaLnBrk="1" latinLnBrk="0" hangingPunct="1">
+              <a:spcBef>
+                <a:spcPct val="20000"/>
+              </a:spcBef>
+              <a:spcAft>
+                <a:spcPts val="600"/>
+              </a:spcAft>
+              <a:buClr>
+                <a:schemeClr val="accent1"/>
+              </a:buClr>
+              <a:buFont typeface="Wingdings 2" charset="2"/>
+              <a:buChar char=""/>
+              <a:defRPr sz="1200" kern="1200">
+                <a:solidFill>
+                  <a:schemeClr val="tx1"/>
+                </a:solidFill>
+                <a:latin typeface="+mn-lt"/>
+                <a:ea typeface="+mn-ea"/>
+                <a:cs typeface="+mn-cs"/>
+              </a:defRPr>
+            </a:lvl8pPr>
+            <a:lvl9pPr marL="3600000" indent="-228600" algn="l" defTabSz="457200" rtl="0" eaLnBrk="1" latinLnBrk="0" hangingPunct="1">
+              <a:spcBef>
+                <a:spcPct val="20000"/>
+              </a:spcBef>
+              <a:spcAft>
+                <a:spcPts val="600"/>
+              </a:spcAft>
+              <a:buClr>
+                <a:schemeClr val="accent1"/>
+              </a:buClr>
+              <a:buFont typeface="Wingdings 2" charset="2"/>
+              <a:buChar char=""/>
+              <a:defRPr sz="1200" kern="1200">
+                <a:solidFill>
+                  <a:schemeClr val="tx1"/>
+                </a:solidFill>
+                <a:latin typeface="+mn-lt"/>
+                <a:ea typeface="+mn-ea"/>
+                <a:cs typeface="+mn-cs"/>
+              </a:defRPr>
+            </a:lvl9pPr>
+          </a:lstStyle>
+          <a:p>
+            <a:pPr>
+              <a:lnSpc>
+                <a:spcPct val="150000"/>
+              </a:lnSpc>
+            </a:pPr>
+            <a:r>
+              <a:rPr lang="zh-TW" altLang="en-US" sz="2800" dirty="0">
+                <a:solidFill>
+                  <a:srgbClr val="0070C0"/>
+                </a:solidFill>
+              </a:rPr>
+              <a:t> </a:t>
+            </a:r>
+            <a:r>
+              <a:rPr lang="en-US" altLang="zh-TW" sz="2800" dirty="0">
+                <a:solidFill>
+                  <a:srgbClr val="0070C0"/>
+                </a:solidFill>
+              </a:rPr>
+              <a:t>Git</a:t>
+            </a:r>
+            <a:r>
+              <a:rPr lang="en-US" altLang="zh-TW" sz="2800" dirty="0"/>
+              <a:t> clone “</a:t>
+            </a:r>
+            <a:r>
+              <a:rPr lang="zh-TW" altLang="en-US" sz="2800" dirty="0"/>
+              <a:t>你的儲存庫位置</a:t>
+            </a:r>
+            <a:r>
+              <a:rPr lang="en-US" altLang="zh-TW" sz="2800" dirty="0"/>
+              <a:t>”</a:t>
+            </a:r>
           </a:p>
         </p:txBody>
       </p:sp>
@@ -6312,6 +7969,4053 @@
   <p:clrMapOvr>
     <a:masterClrMapping/>
   </p:clrMapOvr>
+</p:sld>
+</file>
+
+<file path=ppt/slides/slide5.xml><?xml version="1.0" encoding="utf-8"?>
+<p:sld xmlns:a="http://schemas.openxmlformats.org/drawingml/2006/main" xmlns:r="http://schemas.openxmlformats.org/officeDocument/2006/relationships" xmlns:p="http://schemas.openxmlformats.org/presentationml/2006/main">
+  <p:cSld>
+    <p:spTree>
+      <p:nvGrpSpPr>
+        <p:cNvPr id="1" name=""/>
+        <p:cNvGrpSpPr/>
+        <p:nvPr/>
+      </p:nvGrpSpPr>
+      <p:grpSpPr>
+        <a:xfrm>
+          <a:off x="0" y="0"/>
+          <a:ext cx="0" cy="0"/>
+          <a:chOff x="0" y="0"/>
+          <a:chExt cx="0" cy="0"/>
+        </a:xfrm>
+      </p:grpSpPr>
+      <p:sp>
+        <p:nvSpPr>
+          <p:cNvPr id="2" name="標題 1">
+            <a:extLst>
+              <a:ext uri="{FF2B5EF4-FFF2-40B4-BE49-F238E27FC236}">
+                <a16:creationId xmlns:a16="http://schemas.microsoft.com/office/drawing/2014/main" id="{5885B3A2-46B9-4AB6-AA67-21FF26D064BD}"/>
+              </a:ext>
+            </a:extLst>
+          </p:cNvPr>
+          <p:cNvSpPr>
+            <a:spLocks noGrp="1"/>
+          </p:cNvSpPr>
+          <p:nvPr>
+            <p:ph type="title"/>
+          </p:nvPr>
+        </p:nvSpPr>
+        <p:spPr/>
+        <p:txBody>
+          <a:bodyPr/>
+          <a:lstStyle/>
+          <a:p>
+            <a:r>
+              <a:rPr lang="zh-TW" altLang="en-US" dirty="0">
+                <a:solidFill>
+                  <a:schemeClr val="bg1"/>
+                </a:solidFill>
+              </a:rPr>
+              <a:t>如何在</a:t>
+            </a:r>
+            <a:r>
+              <a:rPr lang="en-US" altLang="zh-TW" dirty="0">
+                <a:solidFill>
+                  <a:schemeClr val="bg1"/>
+                </a:solidFill>
+              </a:rPr>
+              <a:t>GitHub</a:t>
+            </a:r>
+            <a:r>
+              <a:rPr lang="zh-TW" altLang="en-US" dirty="0">
+                <a:solidFill>
+                  <a:schemeClr val="bg1"/>
+                </a:solidFill>
+              </a:rPr>
+              <a:t>上開一個儲存庫</a:t>
+            </a:r>
+            <a:r>
+              <a:rPr lang="en-US" altLang="zh-TW" dirty="0">
+                <a:solidFill>
+                  <a:schemeClr val="bg1"/>
+                </a:solidFill>
+              </a:rPr>
+              <a:t>?</a:t>
+            </a:r>
+            <a:endParaRPr lang="zh-TW" altLang="en-US" dirty="0">
+              <a:solidFill>
+                <a:schemeClr val="bg1"/>
+              </a:solidFill>
+            </a:endParaRPr>
+          </a:p>
+        </p:txBody>
+      </p:sp>
+      <p:pic>
+        <p:nvPicPr>
+          <p:cNvPr id="5" name="圖片 4">
+            <a:extLst>
+              <a:ext uri="{FF2B5EF4-FFF2-40B4-BE49-F238E27FC236}">
+                <a16:creationId xmlns:a16="http://schemas.microsoft.com/office/drawing/2014/main" id="{86F64067-F3F1-4219-8304-80ADDD252272}"/>
+              </a:ext>
+            </a:extLst>
+          </p:cNvPr>
+          <p:cNvPicPr>
+            <a:picLocks noChangeAspect="1"/>
+          </p:cNvPicPr>
+          <p:nvPr/>
+        </p:nvPicPr>
+        <p:blipFill rotWithShape="1">
+          <a:blip r:embed="rId2"/>
+          <a:srcRect l="17323" r="102" b="62527"/>
+          <a:stretch/>
+        </p:blipFill>
+        <p:spPr>
+          <a:xfrm>
+            <a:off x="92278" y="2027915"/>
+            <a:ext cx="6820251" cy="1740961"/>
+          </a:xfrm>
+          <a:prstGeom prst="rect">
+            <a:avLst/>
+          </a:prstGeom>
+        </p:spPr>
+      </p:pic>
+      <p:sp>
+        <p:nvSpPr>
+          <p:cNvPr id="7" name="箭號: 向右 6">
+            <a:extLst>
+              <a:ext uri="{FF2B5EF4-FFF2-40B4-BE49-F238E27FC236}">
+                <a16:creationId xmlns:a16="http://schemas.microsoft.com/office/drawing/2014/main" id="{5B1E6951-48FF-48AB-A0E4-DA3D4587F5C8}"/>
+              </a:ext>
+            </a:extLst>
+          </p:cNvPr>
+          <p:cNvSpPr/>
+          <p:nvPr/>
+        </p:nvSpPr>
+        <p:spPr>
+          <a:xfrm>
+            <a:off x="3502403" y="2801921"/>
+            <a:ext cx="587229" cy="192947"/>
+          </a:xfrm>
+          <a:prstGeom prst="rightArrow">
+            <a:avLst/>
+          </a:prstGeom>
+        </p:spPr>
+        <p:style>
+          <a:lnRef idx="2">
+            <a:schemeClr val="accent6">
+              <a:shade val="50000"/>
+            </a:schemeClr>
+          </a:lnRef>
+          <a:fillRef idx="1">
+            <a:schemeClr val="accent6"/>
+          </a:fillRef>
+          <a:effectRef idx="0">
+            <a:schemeClr val="accent6"/>
+          </a:effectRef>
+          <a:fontRef idx="minor">
+            <a:schemeClr val="lt1"/>
+          </a:fontRef>
+        </p:style>
+        <p:txBody>
+          <a:bodyPr rtlCol="0" anchor="ctr"/>
+          <a:lstStyle/>
+          <a:p>
+            <a:pPr algn="ctr"/>
+            <a:endParaRPr lang="zh-TW" altLang="en-US"/>
+          </a:p>
+        </p:txBody>
+      </p:sp>
+      <p:pic>
+        <p:nvPicPr>
+          <p:cNvPr id="10" name="圖片 9">
+            <a:extLst>
+              <a:ext uri="{FF2B5EF4-FFF2-40B4-BE49-F238E27FC236}">
+                <a16:creationId xmlns:a16="http://schemas.microsoft.com/office/drawing/2014/main" id="{8FDCFC4F-7A17-4DD2-B379-80A34A96EB7F}"/>
+              </a:ext>
+            </a:extLst>
+          </p:cNvPr>
+          <p:cNvPicPr>
+            <a:picLocks noChangeAspect="1"/>
+          </p:cNvPicPr>
+          <p:nvPr/>
+        </p:nvPicPr>
+        <p:blipFill rotWithShape="1">
+          <a:blip r:embed="rId3"/>
+          <a:srcRect l="25940" t="20671" r="29679" b="9847"/>
+          <a:stretch/>
+        </p:blipFill>
+        <p:spPr>
+          <a:xfrm>
+            <a:off x="7311462" y="2027915"/>
+            <a:ext cx="4605556" cy="4055830"/>
+          </a:xfrm>
+          <a:prstGeom prst="rect">
+            <a:avLst/>
+          </a:prstGeom>
+        </p:spPr>
+      </p:pic>
+      <p:pic>
+        <p:nvPicPr>
+          <p:cNvPr id="12" name="圖片 11">
+            <a:extLst>
+              <a:ext uri="{FF2B5EF4-FFF2-40B4-BE49-F238E27FC236}">
+                <a16:creationId xmlns:a16="http://schemas.microsoft.com/office/drawing/2014/main" id="{C00783E5-A6F8-44E7-A74F-79C9AA6B2743}"/>
+              </a:ext>
+            </a:extLst>
+          </p:cNvPr>
+          <p:cNvPicPr>
+            <a:picLocks noChangeAspect="1"/>
+          </p:cNvPicPr>
+          <p:nvPr/>
+        </p:nvPicPr>
+        <p:blipFill rotWithShape="1">
+          <a:blip r:embed="rId4"/>
+          <a:srcRect l="17202" t="18471" r="17845" b="13517"/>
+          <a:stretch/>
+        </p:blipFill>
+        <p:spPr>
+          <a:xfrm>
+            <a:off x="92278" y="3854528"/>
+            <a:ext cx="4834856" cy="2847648"/>
+          </a:xfrm>
+          <a:prstGeom prst="rect">
+            <a:avLst/>
+          </a:prstGeom>
+        </p:spPr>
+      </p:pic>
+      <p:cxnSp>
+        <p:nvCxnSpPr>
+          <p:cNvPr id="16" name="直線單箭頭接點 15">
+            <a:extLst>
+              <a:ext uri="{FF2B5EF4-FFF2-40B4-BE49-F238E27FC236}">
+                <a16:creationId xmlns:a16="http://schemas.microsoft.com/office/drawing/2014/main" id="{AD95E17D-4F89-43BE-AA96-B36CA3BC7B54}"/>
+              </a:ext>
+            </a:extLst>
+          </p:cNvPr>
+          <p:cNvCxnSpPr>
+            <a:cxnSpLocks/>
+          </p:cNvCxnSpPr>
+          <p:nvPr/>
+        </p:nvCxnSpPr>
+        <p:spPr>
+          <a:xfrm flipV="1">
+            <a:off x="964734" y="3122465"/>
+            <a:ext cx="7357145" cy="803583"/>
+          </a:xfrm>
+          <a:prstGeom prst="straightConnector1">
+            <a:avLst/>
+          </a:prstGeom>
+          <a:ln w="38100">
+            <a:headEnd type="triangle"/>
+            <a:tailEnd type="triangle"/>
+          </a:ln>
+        </p:spPr>
+        <p:style>
+          <a:lnRef idx="1">
+            <a:schemeClr val="accent6"/>
+          </a:lnRef>
+          <a:fillRef idx="0">
+            <a:schemeClr val="accent6"/>
+          </a:fillRef>
+          <a:effectRef idx="0">
+            <a:schemeClr val="accent6"/>
+          </a:effectRef>
+          <a:fontRef idx="minor">
+            <a:schemeClr val="tx1"/>
+          </a:fontRef>
+        </p:style>
+      </p:cxnSp>
+      <p:cxnSp>
+        <p:nvCxnSpPr>
+          <p:cNvPr id="19" name="直線單箭頭接點 18">
+            <a:extLst>
+              <a:ext uri="{FF2B5EF4-FFF2-40B4-BE49-F238E27FC236}">
+                <a16:creationId xmlns:a16="http://schemas.microsoft.com/office/drawing/2014/main" id="{32B523B8-8B45-4612-B6AE-4BB6724D6F96}"/>
+              </a:ext>
+            </a:extLst>
+          </p:cNvPr>
+          <p:cNvCxnSpPr>
+            <a:cxnSpLocks/>
+          </p:cNvCxnSpPr>
+          <p:nvPr/>
+        </p:nvCxnSpPr>
+        <p:spPr>
+          <a:xfrm flipV="1">
+            <a:off x="704675" y="3854528"/>
+            <a:ext cx="6606787" cy="2504327"/>
+          </a:xfrm>
+          <a:prstGeom prst="straightConnector1">
+            <a:avLst/>
+          </a:prstGeom>
+          <a:ln w="38100">
+            <a:headEnd type="triangle"/>
+            <a:tailEnd type="triangle"/>
+          </a:ln>
+        </p:spPr>
+        <p:style>
+          <a:lnRef idx="1">
+            <a:schemeClr val="accent6"/>
+          </a:lnRef>
+          <a:fillRef idx="0">
+            <a:schemeClr val="accent6"/>
+          </a:fillRef>
+          <a:effectRef idx="0">
+            <a:schemeClr val="accent6"/>
+          </a:effectRef>
+          <a:fontRef idx="minor">
+            <a:schemeClr val="tx1"/>
+          </a:fontRef>
+        </p:style>
+      </p:cxnSp>
+      <p:cxnSp>
+        <p:nvCxnSpPr>
+          <p:cNvPr id="22" name="直線單箭頭接點 21">
+            <a:extLst>
+              <a:ext uri="{FF2B5EF4-FFF2-40B4-BE49-F238E27FC236}">
+                <a16:creationId xmlns:a16="http://schemas.microsoft.com/office/drawing/2014/main" id="{DCE45848-DF7D-4A16-B626-60DBE3BD9FCE}"/>
+              </a:ext>
+            </a:extLst>
+          </p:cNvPr>
+          <p:cNvCxnSpPr>
+            <a:cxnSpLocks/>
+          </p:cNvCxnSpPr>
+          <p:nvPr/>
+        </p:nvCxnSpPr>
+        <p:spPr>
+          <a:xfrm flipV="1">
+            <a:off x="704675" y="5020598"/>
+            <a:ext cx="6606787" cy="470762"/>
+          </a:xfrm>
+          <a:prstGeom prst="straightConnector1">
+            <a:avLst/>
+          </a:prstGeom>
+          <a:ln w="38100">
+            <a:headEnd type="triangle"/>
+            <a:tailEnd type="triangle"/>
+          </a:ln>
+        </p:spPr>
+        <p:style>
+          <a:lnRef idx="1">
+            <a:schemeClr val="accent6"/>
+          </a:lnRef>
+          <a:fillRef idx="0">
+            <a:schemeClr val="accent6"/>
+          </a:fillRef>
+          <a:effectRef idx="0">
+            <a:schemeClr val="accent6"/>
+          </a:effectRef>
+          <a:fontRef idx="minor">
+            <a:schemeClr val="tx1"/>
+          </a:fontRef>
+        </p:style>
+      </p:cxnSp>
+      <p:sp>
+        <p:nvSpPr>
+          <p:cNvPr id="24" name="矩形: 圓角 23">
+            <a:extLst>
+              <a:ext uri="{FF2B5EF4-FFF2-40B4-BE49-F238E27FC236}">
+                <a16:creationId xmlns:a16="http://schemas.microsoft.com/office/drawing/2014/main" id="{01E4B6E3-4C04-4021-8E5E-1F922B791F3C}"/>
+              </a:ext>
+            </a:extLst>
+          </p:cNvPr>
+          <p:cNvSpPr/>
+          <p:nvPr/>
+        </p:nvSpPr>
+        <p:spPr>
+          <a:xfrm>
+            <a:off x="7239699" y="5696125"/>
+            <a:ext cx="1182848" cy="398000"/>
+          </a:xfrm>
+          <a:prstGeom prst="roundRect">
+            <a:avLst/>
+          </a:prstGeom>
+          <a:noFill/>
+          <a:ln w="38100" cap="flat" cmpd="sng" algn="ctr">
+            <a:solidFill>
+              <a:srgbClr val="FF0000"/>
+            </a:solidFill>
+            <a:prstDash val="solid"/>
+            <a:round/>
+            <a:headEnd type="none" w="med" len="med"/>
+            <a:tailEnd type="none" w="med" len="med"/>
+          </a:ln>
+        </p:spPr>
+        <p:style>
+          <a:lnRef idx="0">
+            <a:scrgbClr r="0" g="0" b="0"/>
+          </a:lnRef>
+          <a:fillRef idx="0">
+            <a:scrgbClr r="0" g="0" b="0"/>
+          </a:fillRef>
+          <a:effectRef idx="0">
+            <a:scrgbClr r="0" g="0" b="0"/>
+          </a:effectRef>
+          <a:fontRef idx="minor">
+            <a:schemeClr val="accent6"/>
+          </a:fontRef>
+        </p:style>
+        <p:txBody>
+          <a:bodyPr rtlCol="0" anchor="ctr"/>
+          <a:lstStyle/>
+          <a:p>
+            <a:pPr algn="ctr"/>
+            <a:endParaRPr lang="zh-TW" altLang="en-US"/>
+          </a:p>
+        </p:txBody>
+      </p:sp>
+    </p:spTree>
+    <p:extLst>
+      <p:ext uri="{BB962C8B-B14F-4D97-AF65-F5344CB8AC3E}">
+        <p14:creationId xmlns:p14="http://schemas.microsoft.com/office/powerpoint/2010/main" val="1552267507"/>
+      </p:ext>
+    </p:extLst>
+  </p:cSld>
+  <p:clrMapOvr>
+    <a:masterClrMapping/>
+  </p:clrMapOvr>
+  <p:timing>
+    <p:tnLst>
+      <p:par>
+        <p:cTn id="1" dur="indefinite" restart="never" nodeType="tmRoot">
+          <p:childTnLst>
+            <p:seq concurrent="1" nextAc="seek">
+              <p:cTn id="2" dur="indefinite" nodeType="mainSeq">
+                <p:childTnLst>
+                  <p:par>
+                    <p:cTn id="3" fill="hold">
+                      <p:stCondLst>
+                        <p:cond delay="indefinite"/>
+                      </p:stCondLst>
+                      <p:childTnLst>
+                        <p:par>
+                          <p:cTn id="4" fill="hold">
+                            <p:stCondLst>
+                              <p:cond delay="0"/>
+                            </p:stCondLst>
+                            <p:childTnLst>
+                              <p:par>
+                                <p:cTn id="5" presetID="10" presetClass="entr" presetSubtype="0" fill="hold" nodeType="clickEffect">
+                                  <p:stCondLst>
+                                    <p:cond delay="0"/>
+                                  </p:stCondLst>
+                                  <p:childTnLst>
+                                    <p:set>
+                                      <p:cBhvr>
+                                        <p:cTn id="6" dur="1" fill="hold">
+                                          <p:stCondLst>
+                                            <p:cond delay="0"/>
+                                          </p:stCondLst>
+                                        </p:cTn>
+                                        <p:tgtEl>
+                                          <p:spTgt spid="5"/>
+                                        </p:tgtEl>
+                                        <p:attrNameLst>
+                                          <p:attrName>style.visibility</p:attrName>
+                                        </p:attrNameLst>
+                                      </p:cBhvr>
+                                      <p:to>
+                                        <p:strVal val="visible"/>
+                                      </p:to>
+                                    </p:set>
+                                    <p:animEffect transition="in" filter="fade">
+                                      <p:cBhvr>
+                                        <p:cTn id="7" dur="500"/>
+                                        <p:tgtEl>
+                                          <p:spTgt spid="5"/>
+                                        </p:tgtEl>
+                                      </p:cBhvr>
+                                    </p:animEffect>
+                                  </p:childTnLst>
+                                </p:cTn>
+                              </p:par>
+                            </p:childTnLst>
+                          </p:cTn>
+                        </p:par>
+                      </p:childTnLst>
+                    </p:cTn>
+                  </p:par>
+                  <p:par>
+                    <p:cTn id="8" fill="hold">
+                      <p:stCondLst>
+                        <p:cond delay="indefinite"/>
+                      </p:stCondLst>
+                      <p:childTnLst>
+                        <p:par>
+                          <p:cTn id="9" fill="hold">
+                            <p:stCondLst>
+                              <p:cond delay="0"/>
+                            </p:stCondLst>
+                            <p:childTnLst>
+                              <p:par>
+                                <p:cTn id="10" presetID="2" presetClass="entr" presetSubtype="8" fill="hold" grpId="0" nodeType="clickEffect">
+                                  <p:stCondLst>
+                                    <p:cond delay="0"/>
+                                  </p:stCondLst>
+                                  <p:childTnLst>
+                                    <p:set>
+                                      <p:cBhvr>
+                                        <p:cTn id="11" dur="1" fill="hold">
+                                          <p:stCondLst>
+                                            <p:cond delay="0"/>
+                                          </p:stCondLst>
+                                        </p:cTn>
+                                        <p:tgtEl>
+                                          <p:spTgt spid="7"/>
+                                        </p:tgtEl>
+                                        <p:attrNameLst>
+                                          <p:attrName>style.visibility</p:attrName>
+                                        </p:attrNameLst>
+                                      </p:cBhvr>
+                                      <p:to>
+                                        <p:strVal val="visible"/>
+                                      </p:to>
+                                    </p:set>
+                                    <p:anim calcmode="lin" valueType="num">
+                                      <p:cBhvr additive="base">
+                                        <p:cTn id="12" dur="500" fill="hold"/>
+                                        <p:tgtEl>
+                                          <p:spTgt spid="7"/>
+                                        </p:tgtEl>
+                                        <p:attrNameLst>
+                                          <p:attrName>ppt_x</p:attrName>
+                                        </p:attrNameLst>
+                                      </p:cBhvr>
+                                      <p:tavLst>
+                                        <p:tav tm="0">
+                                          <p:val>
+                                            <p:strVal val="0-#ppt_w/2"/>
+                                          </p:val>
+                                        </p:tav>
+                                        <p:tav tm="100000">
+                                          <p:val>
+                                            <p:strVal val="#ppt_x"/>
+                                          </p:val>
+                                        </p:tav>
+                                      </p:tavLst>
+                                    </p:anim>
+                                    <p:anim calcmode="lin" valueType="num">
+                                      <p:cBhvr additive="base">
+                                        <p:cTn id="13" dur="500" fill="hold"/>
+                                        <p:tgtEl>
+                                          <p:spTgt spid="7"/>
+                                        </p:tgtEl>
+                                        <p:attrNameLst>
+                                          <p:attrName>ppt_y</p:attrName>
+                                        </p:attrNameLst>
+                                      </p:cBhvr>
+                                      <p:tavLst>
+                                        <p:tav tm="0">
+                                          <p:val>
+                                            <p:strVal val="#ppt_y"/>
+                                          </p:val>
+                                        </p:tav>
+                                        <p:tav tm="100000">
+                                          <p:val>
+                                            <p:strVal val="#ppt_y"/>
+                                          </p:val>
+                                        </p:tav>
+                                      </p:tavLst>
+                                    </p:anim>
+                                  </p:childTnLst>
+                                </p:cTn>
+                              </p:par>
+                            </p:childTnLst>
+                          </p:cTn>
+                        </p:par>
+                      </p:childTnLst>
+                    </p:cTn>
+                  </p:par>
+                  <p:par>
+                    <p:cTn id="14" fill="hold">
+                      <p:stCondLst>
+                        <p:cond delay="indefinite"/>
+                      </p:stCondLst>
+                      <p:childTnLst>
+                        <p:par>
+                          <p:cTn id="15" fill="hold">
+                            <p:stCondLst>
+                              <p:cond delay="0"/>
+                            </p:stCondLst>
+                            <p:childTnLst>
+                              <p:par>
+                                <p:cTn id="16" presetID="1" presetClass="entr" presetSubtype="0" fill="hold" nodeType="clickEffect">
+                                  <p:stCondLst>
+                                    <p:cond delay="0"/>
+                                  </p:stCondLst>
+                                  <p:childTnLst>
+                                    <p:set>
+                                      <p:cBhvr>
+                                        <p:cTn id="17" dur="1" fill="hold">
+                                          <p:stCondLst>
+                                            <p:cond delay="0"/>
+                                          </p:stCondLst>
+                                        </p:cTn>
+                                        <p:tgtEl>
+                                          <p:spTgt spid="10"/>
+                                        </p:tgtEl>
+                                        <p:attrNameLst>
+                                          <p:attrName>style.visibility</p:attrName>
+                                        </p:attrNameLst>
+                                      </p:cBhvr>
+                                      <p:to>
+                                        <p:strVal val="visible"/>
+                                      </p:to>
+                                    </p:set>
+                                  </p:childTnLst>
+                                </p:cTn>
+                              </p:par>
+                            </p:childTnLst>
+                          </p:cTn>
+                        </p:par>
+                      </p:childTnLst>
+                    </p:cTn>
+                  </p:par>
+                  <p:par>
+                    <p:cTn id="18" fill="hold">
+                      <p:stCondLst>
+                        <p:cond delay="indefinite"/>
+                      </p:stCondLst>
+                      <p:childTnLst>
+                        <p:par>
+                          <p:cTn id="19" fill="hold">
+                            <p:stCondLst>
+                              <p:cond delay="0"/>
+                            </p:stCondLst>
+                            <p:childTnLst>
+                              <p:par>
+                                <p:cTn id="20" presetID="1" presetClass="entr" presetSubtype="0" fill="hold" grpId="0" nodeType="clickEffect">
+                                  <p:stCondLst>
+                                    <p:cond delay="0"/>
+                                  </p:stCondLst>
+                                  <p:childTnLst>
+                                    <p:set>
+                                      <p:cBhvr>
+                                        <p:cTn id="21" dur="1" fill="hold">
+                                          <p:stCondLst>
+                                            <p:cond delay="0"/>
+                                          </p:stCondLst>
+                                        </p:cTn>
+                                        <p:tgtEl>
+                                          <p:spTgt spid="24"/>
+                                        </p:tgtEl>
+                                        <p:attrNameLst>
+                                          <p:attrName>style.visibility</p:attrName>
+                                        </p:attrNameLst>
+                                      </p:cBhvr>
+                                      <p:to>
+                                        <p:strVal val="visible"/>
+                                      </p:to>
+                                    </p:set>
+                                  </p:childTnLst>
+                                </p:cTn>
+                              </p:par>
+                            </p:childTnLst>
+                          </p:cTn>
+                        </p:par>
+                      </p:childTnLst>
+                    </p:cTn>
+                  </p:par>
+                  <p:par>
+                    <p:cTn id="22" fill="hold">
+                      <p:stCondLst>
+                        <p:cond delay="indefinite"/>
+                      </p:stCondLst>
+                      <p:childTnLst>
+                        <p:par>
+                          <p:cTn id="23" fill="hold">
+                            <p:stCondLst>
+                              <p:cond delay="0"/>
+                            </p:stCondLst>
+                            <p:childTnLst>
+                              <p:par>
+                                <p:cTn id="24" presetID="1" presetClass="entr" presetSubtype="0" fill="hold" nodeType="clickEffect">
+                                  <p:stCondLst>
+                                    <p:cond delay="0"/>
+                                  </p:stCondLst>
+                                  <p:childTnLst>
+                                    <p:set>
+                                      <p:cBhvr>
+                                        <p:cTn id="25" dur="1" fill="hold">
+                                          <p:stCondLst>
+                                            <p:cond delay="0"/>
+                                          </p:stCondLst>
+                                        </p:cTn>
+                                        <p:tgtEl>
+                                          <p:spTgt spid="12"/>
+                                        </p:tgtEl>
+                                        <p:attrNameLst>
+                                          <p:attrName>style.visibility</p:attrName>
+                                        </p:attrNameLst>
+                                      </p:cBhvr>
+                                      <p:to>
+                                        <p:strVal val="visible"/>
+                                      </p:to>
+                                    </p:set>
+                                  </p:childTnLst>
+                                </p:cTn>
+                              </p:par>
+                            </p:childTnLst>
+                          </p:cTn>
+                        </p:par>
+                      </p:childTnLst>
+                    </p:cTn>
+                  </p:par>
+                  <p:par>
+                    <p:cTn id="26" fill="hold">
+                      <p:stCondLst>
+                        <p:cond delay="indefinite"/>
+                      </p:stCondLst>
+                      <p:childTnLst>
+                        <p:par>
+                          <p:cTn id="27" fill="hold">
+                            <p:stCondLst>
+                              <p:cond delay="0"/>
+                            </p:stCondLst>
+                            <p:childTnLst>
+                              <p:par>
+                                <p:cTn id="28" presetID="1" presetClass="entr" presetSubtype="0" fill="hold" nodeType="clickEffect">
+                                  <p:stCondLst>
+                                    <p:cond delay="0"/>
+                                  </p:stCondLst>
+                                  <p:childTnLst>
+                                    <p:set>
+                                      <p:cBhvr>
+                                        <p:cTn id="29" dur="1" fill="hold">
+                                          <p:stCondLst>
+                                            <p:cond delay="0"/>
+                                          </p:stCondLst>
+                                        </p:cTn>
+                                        <p:tgtEl>
+                                          <p:spTgt spid="16"/>
+                                        </p:tgtEl>
+                                        <p:attrNameLst>
+                                          <p:attrName>style.visibility</p:attrName>
+                                        </p:attrNameLst>
+                                      </p:cBhvr>
+                                      <p:to>
+                                        <p:strVal val="visible"/>
+                                      </p:to>
+                                    </p:set>
+                                  </p:childTnLst>
+                                </p:cTn>
+                              </p:par>
+                              <p:par>
+                                <p:cTn id="30" presetID="1" presetClass="entr" presetSubtype="0" fill="hold" nodeType="withEffect">
+                                  <p:stCondLst>
+                                    <p:cond delay="0"/>
+                                  </p:stCondLst>
+                                  <p:childTnLst>
+                                    <p:set>
+                                      <p:cBhvr>
+                                        <p:cTn id="31" dur="1" fill="hold">
+                                          <p:stCondLst>
+                                            <p:cond delay="0"/>
+                                          </p:stCondLst>
+                                        </p:cTn>
+                                        <p:tgtEl>
+                                          <p:spTgt spid="19"/>
+                                        </p:tgtEl>
+                                        <p:attrNameLst>
+                                          <p:attrName>style.visibility</p:attrName>
+                                        </p:attrNameLst>
+                                      </p:cBhvr>
+                                      <p:to>
+                                        <p:strVal val="visible"/>
+                                      </p:to>
+                                    </p:set>
+                                  </p:childTnLst>
+                                </p:cTn>
+                              </p:par>
+                              <p:par>
+                                <p:cTn id="32" presetID="1" presetClass="entr" presetSubtype="0" fill="hold" nodeType="withEffect">
+                                  <p:stCondLst>
+                                    <p:cond delay="0"/>
+                                  </p:stCondLst>
+                                  <p:childTnLst>
+                                    <p:set>
+                                      <p:cBhvr>
+                                        <p:cTn id="33" dur="1" fill="hold">
+                                          <p:stCondLst>
+                                            <p:cond delay="0"/>
+                                          </p:stCondLst>
+                                        </p:cTn>
+                                        <p:tgtEl>
+                                          <p:spTgt spid="22"/>
+                                        </p:tgtEl>
+                                        <p:attrNameLst>
+                                          <p:attrName>style.visibility</p:attrName>
+                                        </p:attrNameLst>
+                                      </p:cBhvr>
+                                      <p:to>
+                                        <p:strVal val="visible"/>
+                                      </p:to>
+                                    </p:set>
+                                  </p:childTnLst>
+                                </p:cTn>
+                              </p:par>
+                            </p:childTnLst>
+                          </p:cTn>
+                        </p:par>
+                      </p:childTnLst>
+                    </p:cTn>
+                  </p:par>
+                </p:childTnLst>
+              </p:cTn>
+              <p:prevCondLst>
+                <p:cond evt="onPrev" delay="0">
+                  <p:tgtEl>
+                    <p:sldTgt/>
+                  </p:tgtEl>
+                </p:cond>
+              </p:prevCondLst>
+              <p:nextCondLst>
+                <p:cond evt="onNext" delay="0">
+                  <p:tgtEl>
+                    <p:sldTgt/>
+                  </p:tgtEl>
+                </p:cond>
+              </p:nextCondLst>
+            </p:seq>
+          </p:childTnLst>
+        </p:cTn>
+      </p:par>
+    </p:tnLst>
+    <p:bldLst>
+      <p:bldP spid="7" grpId="0" animBg="1"/>
+      <p:bldP spid="24" grpId="0" animBg="1"/>
+    </p:bldLst>
+  </p:timing>
+</p:sld>
+</file>
+
+<file path=ppt/slides/slide6.xml><?xml version="1.0" encoding="utf-8"?>
+<p:sld xmlns:a="http://schemas.openxmlformats.org/drawingml/2006/main" xmlns:r="http://schemas.openxmlformats.org/officeDocument/2006/relationships" xmlns:p="http://schemas.openxmlformats.org/presentationml/2006/main">
+  <p:cSld>
+    <p:spTree>
+      <p:nvGrpSpPr>
+        <p:cNvPr id="1" name=""/>
+        <p:cNvGrpSpPr/>
+        <p:nvPr/>
+      </p:nvGrpSpPr>
+      <p:grpSpPr>
+        <a:xfrm>
+          <a:off x="0" y="0"/>
+          <a:ext cx="0" cy="0"/>
+          <a:chOff x="0" y="0"/>
+          <a:chExt cx="0" cy="0"/>
+        </a:xfrm>
+      </p:grpSpPr>
+      <p:sp>
+        <p:nvSpPr>
+          <p:cNvPr id="2" name="標題 1">
+            <a:extLst>
+              <a:ext uri="{FF2B5EF4-FFF2-40B4-BE49-F238E27FC236}">
+                <a16:creationId xmlns:a16="http://schemas.microsoft.com/office/drawing/2014/main" id="{EB0B6C46-D110-4BA7-B91D-1DFBA50E7758}"/>
+              </a:ext>
+            </a:extLst>
+          </p:cNvPr>
+          <p:cNvSpPr>
+            <a:spLocks noGrp="1"/>
+          </p:cNvSpPr>
+          <p:nvPr>
+            <p:ph type="title"/>
+          </p:nvPr>
+        </p:nvSpPr>
+        <p:spPr/>
+        <p:txBody>
+          <a:bodyPr/>
+          <a:lstStyle/>
+          <a:p>
+            <a:r>
+              <a:rPr lang="zh-TW" altLang="en-US" dirty="0">
+                <a:solidFill>
+                  <a:schemeClr val="bg1"/>
+                </a:solidFill>
+              </a:rPr>
+              <a:t>把</a:t>
+            </a:r>
+            <a:r>
+              <a:rPr lang="en-US" altLang="zh-TW" dirty="0">
+                <a:solidFill>
+                  <a:schemeClr val="bg1"/>
+                </a:solidFill>
+              </a:rPr>
+              <a:t>GitHub</a:t>
+            </a:r>
+            <a:r>
+              <a:rPr lang="zh-TW" altLang="en-US" dirty="0">
+                <a:solidFill>
+                  <a:schemeClr val="bg1"/>
+                </a:solidFill>
+              </a:rPr>
+              <a:t>上面的儲存庫拉下來吧</a:t>
+            </a:r>
+            <a:r>
+              <a:rPr lang="en-US" altLang="zh-TW" dirty="0">
+                <a:solidFill>
+                  <a:schemeClr val="bg1"/>
+                </a:solidFill>
+              </a:rPr>
+              <a:t>!</a:t>
+            </a:r>
+            <a:endParaRPr lang="zh-TW" altLang="en-US" dirty="0">
+              <a:solidFill>
+                <a:schemeClr val="bg1"/>
+              </a:solidFill>
+            </a:endParaRPr>
+          </a:p>
+        </p:txBody>
+      </p:sp>
+      <p:sp>
+        <p:nvSpPr>
+          <p:cNvPr id="4" name="文字方塊 3">
+            <a:extLst>
+              <a:ext uri="{FF2B5EF4-FFF2-40B4-BE49-F238E27FC236}">
+                <a16:creationId xmlns:a16="http://schemas.microsoft.com/office/drawing/2014/main" id="{10566802-A94B-4A3E-BDDE-8ADDCCF924FF}"/>
+              </a:ext>
+            </a:extLst>
+          </p:cNvPr>
+          <p:cNvSpPr txBox="1"/>
+          <p:nvPr/>
+        </p:nvSpPr>
+        <p:spPr>
+          <a:xfrm>
+            <a:off x="0" y="2245514"/>
+            <a:ext cx="3409908" cy="369332"/>
+          </a:xfrm>
+          <a:prstGeom prst="rect">
+            <a:avLst/>
+          </a:prstGeom>
+          <a:noFill/>
+        </p:spPr>
+        <p:txBody>
+          <a:bodyPr wrap="none" rtlCol="0">
+            <a:spAutoFit/>
+          </a:bodyPr>
+          <a:lstStyle/>
+          <a:p>
+            <a:r>
+              <a:rPr lang="zh-TW" altLang="en-US" dirty="0"/>
+              <a:t>首先</a:t>
+            </a:r>
+            <a:r>
+              <a:rPr lang="en-US" altLang="zh-TW" dirty="0"/>
+              <a:t>:</a:t>
+            </a:r>
+            <a:r>
+              <a:rPr lang="zh-TW" altLang="en-US" dirty="0"/>
+              <a:t> 要先設定你本地的</a:t>
+            </a:r>
+            <a:r>
+              <a:rPr lang="en-US" altLang="zh-TW" dirty="0"/>
+              <a:t>Git</a:t>
+            </a:r>
+            <a:r>
+              <a:rPr lang="zh-TW" altLang="en-US" dirty="0"/>
+              <a:t>參數</a:t>
+            </a:r>
+          </a:p>
+        </p:txBody>
+      </p:sp>
+      <p:sp>
+        <p:nvSpPr>
+          <p:cNvPr id="8" name="文字方塊 7">
+            <a:extLst>
+              <a:ext uri="{FF2B5EF4-FFF2-40B4-BE49-F238E27FC236}">
+                <a16:creationId xmlns:a16="http://schemas.microsoft.com/office/drawing/2014/main" id="{98968BAA-7674-44E8-898B-4DC3178D6110}"/>
+              </a:ext>
+            </a:extLst>
+          </p:cNvPr>
+          <p:cNvSpPr txBox="1"/>
+          <p:nvPr/>
+        </p:nvSpPr>
+        <p:spPr>
+          <a:xfrm>
+            <a:off x="145331" y="2669704"/>
+            <a:ext cx="5739654" cy="646331"/>
+          </a:xfrm>
+          <a:prstGeom prst="rect">
+            <a:avLst/>
+          </a:prstGeom>
+          <a:solidFill>
+            <a:srgbClr val="002060"/>
+          </a:solidFill>
+        </p:spPr>
+        <p:style>
+          <a:lnRef idx="2">
+            <a:schemeClr val="dk1"/>
+          </a:lnRef>
+          <a:fillRef idx="1">
+            <a:schemeClr val="lt1"/>
+          </a:fillRef>
+          <a:effectRef idx="0">
+            <a:schemeClr val="dk1"/>
+          </a:effectRef>
+          <a:fontRef idx="minor">
+            <a:schemeClr val="dk1"/>
+          </a:fontRef>
+        </p:style>
+        <p:txBody>
+          <a:bodyPr wrap="square" rtlCol="0">
+            <a:spAutoFit/>
+          </a:bodyPr>
+          <a:lstStyle/>
+          <a:p>
+            <a:r>
+              <a:rPr lang="en-US" altLang="zh-TW" dirty="0">
+                <a:solidFill>
+                  <a:schemeClr val="tx1"/>
+                </a:solidFill>
+              </a:rPr>
+              <a:t>git config --global user.name “</a:t>
+            </a:r>
+            <a:r>
+              <a:rPr lang="zh-TW" altLang="en-US" dirty="0">
+                <a:solidFill>
+                  <a:schemeClr val="tx1"/>
+                </a:solidFill>
+              </a:rPr>
+              <a:t>毫無反應就是個名子</a:t>
+            </a:r>
+            <a:r>
+              <a:rPr lang="en-US" altLang="zh-TW" dirty="0">
+                <a:solidFill>
+                  <a:schemeClr val="tx1"/>
+                </a:solidFill>
+              </a:rPr>
+              <a:t>"</a:t>
+            </a:r>
+          </a:p>
+          <a:p>
+            <a:r>
+              <a:rPr lang="en-US" altLang="zh-TW" dirty="0">
+                <a:solidFill>
+                  <a:schemeClr val="tx1"/>
+                </a:solidFill>
+              </a:rPr>
+              <a:t>git config --global </a:t>
+            </a:r>
+            <a:r>
+              <a:rPr lang="en-US" altLang="zh-TW" dirty="0" err="1">
+                <a:solidFill>
+                  <a:schemeClr val="tx1"/>
+                </a:solidFill>
+              </a:rPr>
+              <a:t>user.email</a:t>
+            </a:r>
+            <a:r>
+              <a:rPr lang="en-US" altLang="zh-TW" dirty="0">
+                <a:solidFill>
+                  <a:schemeClr val="tx1"/>
+                </a:solidFill>
+              </a:rPr>
+              <a:t>  “</a:t>
+            </a:r>
+            <a:r>
+              <a:rPr lang="zh-TW" altLang="en-US" dirty="0">
+                <a:solidFill>
+                  <a:schemeClr val="tx1"/>
+                </a:solidFill>
+              </a:rPr>
+              <a:t>你的</a:t>
+            </a:r>
+            <a:r>
+              <a:rPr lang="en-US" altLang="zh-TW" dirty="0" err="1">
+                <a:solidFill>
+                  <a:schemeClr val="tx1"/>
+                </a:solidFill>
+              </a:rPr>
+              <a:t>malil</a:t>
+            </a:r>
+            <a:r>
+              <a:rPr lang="en-US" altLang="zh-TW" dirty="0">
+                <a:solidFill>
+                  <a:schemeClr val="tx1"/>
+                </a:solidFill>
+              </a:rPr>
+              <a:t>"</a:t>
+            </a:r>
+            <a:endParaRPr lang="zh-TW" altLang="en-US" dirty="0">
+              <a:solidFill>
+                <a:schemeClr val="tx1"/>
+              </a:solidFill>
+            </a:endParaRPr>
+          </a:p>
+        </p:txBody>
+      </p:sp>
+      <p:sp>
+        <p:nvSpPr>
+          <p:cNvPr id="9" name="文字方塊 8">
+            <a:extLst>
+              <a:ext uri="{FF2B5EF4-FFF2-40B4-BE49-F238E27FC236}">
+                <a16:creationId xmlns:a16="http://schemas.microsoft.com/office/drawing/2014/main" id="{3CB39E46-3AF8-470E-963A-39C70CF2DBA3}"/>
+              </a:ext>
+            </a:extLst>
+          </p:cNvPr>
+          <p:cNvSpPr txBox="1"/>
+          <p:nvPr/>
+        </p:nvSpPr>
+        <p:spPr>
+          <a:xfrm>
+            <a:off x="98439" y="3424092"/>
+            <a:ext cx="5211683" cy="369332"/>
+          </a:xfrm>
+          <a:prstGeom prst="rect">
+            <a:avLst/>
+          </a:prstGeom>
+          <a:noFill/>
+        </p:spPr>
+        <p:txBody>
+          <a:bodyPr wrap="none" rtlCol="0">
+            <a:spAutoFit/>
+          </a:bodyPr>
+          <a:lstStyle/>
+          <a:p>
+            <a:r>
+              <a:rPr lang="zh-TW" altLang="en-US" dirty="0"/>
+              <a:t>接著我們輸入</a:t>
+            </a:r>
+            <a:r>
+              <a:rPr lang="en-US" altLang="zh-TW" dirty="0"/>
+              <a:t>git config –list</a:t>
+            </a:r>
+            <a:r>
+              <a:rPr lang="zh-TW" altLang="en-US" dirty="0"/>
+              <a:t> 看看有沒有輸入進去</a:t>
+            </a:r>
+          </a:p>
+        </p:txBody>
+      </p:sp>
+      <p:pic>
+        <p:nvPicPr>
+          <p:cNvPr id="10" name="圖片 9">
+            <a:extLst>
+              <a:ext uri="{FF2B5EF4-FFF2-40B4-BE49-F238E27FC236}">
+                <a16:creationId xmlns:a16="http://schemas.microsoft.com/office/drawing/2014/main" id="{735CADC5-F3FB-4503-A148-8C1091203F79}"/>
+              </a:ext>
+            </a:extLst>
+          </p:cNvPr>
+          <p:cNvPicPr>
+            <a:picLocks noChangeAspect="1"/>
+          </p:cNvPicPr>
+          <p:nvPr/>
+        </p:nvPicPr>
+        <p:blipFill rotWithShape="1">
+          <a:blip r:embed="rId2"/>
+          <a:srcRect t="47423" r="64308" b="47916"/>
+          <a:stretch/>
+        </p:blipFill>
+        <p:spPr>
+          <a:xfrm>
+            <a:off x="145331" y="3875731"/>
+            <a:ext cx="5575567" cy="550525"/>
+          </a:xfrm>
+          <a:prstGeom prst="rect">
+            <a:avLst/>
+          </a:prstGeom>
+        </p:spPr>
+      </p:pic>
+      <p:sp>
+        <p:nvSpPr>
+          <p:cNvPr id="11" name="文字方塊 10">
+            <a:extLst>
+              <a:ext uri="{FF2B5EF4-FFF2-40B4-BE49-F238E27FC236}">
+                <a16:creationId xmlns:a16="http://schemas.microsoft.com/office/drawing/2014/main" id="{4F291531-9E19-4FB7-8649-EC3533445D9D}"/>
+              </a:ext>
+            </a:extLst>
+          </p:cNvPr>
+          <p:cNvSpPr txBox="1"/>
+          <p:nvPr/>
+        </p:nvSpPr>
+        <p:spPr>
+          <a:xfrm>
+            <a:off x="0" y="5636862"/>
+            <a:ext cx="4483920" cy="369332"/>
+          </a:xfrm>
+          <a:prstGeom prst="rect">
+            <a:avLst/>
+          </a:prstGeom>
+          <a:noFill/>
+        </p:spPr>
+        <p:txBody>
+          <a:bodyPr wrap="none" rtlCol="0">
+            <a:spAutoFit/>
+          </a:bodyPr>
+          <a:lstStyle/>
+          <a:p>
+            <a:r>
+              <a:rPr lang="zh-TW" altLang="en-US" dirty="0"/>
+              <a:t>最後我們輸入 </a:t>
+            </a:r>
+            <a:r>
+              <a:rPr lang="en-US" altLang="zh-TW" dirty="0"/>
+              <a:t>git clone</a:t>
+            </a:r>
+            <a:r>
+              <a:rPr lang="zh-TW" altLang="en-US" dirty="0"/>
+              <a:t> </a:t>
+            </a:r>
+            <a:r>
+              <a:rPr lang="en-US" altLang="zh-TW" dirty="0"/>
+              <a:t>“</a:t>
+            </a:r>
+            <a:r>
+              <a:rPr lang="zh-TW" altLang="en-US" dirty="0"/>
+              <a:t>你的儲存庫位置</a:t>
+            </a:r>
+            <a:r>
+              <a:rPr lang="en-US" altLang="zh-TW" dirty="0"/>
+              <a:t>”</a:t>
+            </a:r>
+            <a:endParaRPr lang="zh-TW" altLang="en-US" dirty="0"/>
+          </a:p>
+        </p:txBody>
+      </p:sp>
+      <p:sp>
+        <p:nvSpPr>
+          <p:cNvPr id="14" name="文字方塊 13">
+            <a:extLst>
+              <a:ext uri="{FF2B5EF4-FFF2-40B4-BE49-F238E27FC236}">
+                <a16:creationId xmlns:a16="http://schemas.microsoft.com/office/drawing/2014/main" id="{0DEC444A-965F-488E-B0B2-BE971B558798}"/>
+              </a:ext>
+            </a:extLst>
+          </p:cNvPr>
+          <p:cNvSpPr txBox="1"/>
+          <p:nvPr/>
+        </p:nvSpPr>
+        <p:spPr>
+          <a:xfrm>
+            <a:off x="145331" y="6095270"/>
+            <a:ext cx="5739654" cy="369332"/>
+          </a:xfrm>
+          <a:prstGeom prst="rect">
+            <a:avLst/>
+          </a:prstGeom>
+          <a:solidFill>
+            <a:srgbClr val="002060"/>
+          </a:solidFill>
+        </p:spPr>
+        <p:style>
+          <a:lnRef idx="2">
+            <a:schemeClr val="dk1"/>
+          </a:lnRef>
+          <a:fillRef idx="1">
+            <a:schemeClr val="lt1"/>
+          </a:fillRef>
+          <a:effectRef idx="0">
+            <a:schemeClr val="dk1"/>
+          </a:effectRef>
+          <a:fontRef idx="minor">
+            <a:schemeClr val="dk1"/>
+          </a:fontRef>
+        </p:style>
+        <p:txBody>
+          <a:bodyPr wrap="square" rtlCol="0">
+            <a:spAutoFit/>
+          </a:bodyPr>
+          <a:lstStyle/>
+          <a:p>
+            <a:r>
+              <a:rPr lang="en-US" altLang="zh-TW" dirty="0">
+                <a:solidFill>
+                  <a:schemeClr val="tx1"/>
+                </a:solidFill>
+              </a:rPr>
+              <a:t>git clone https://github.com/sklonely/github-t.git</a:t>
+            </a:r>
+          </a:p>
+        </p:txBody>
+      </p:sp>
+      <p:pic>
+        <p:nvPicPr>
+          <p:cNvPr id="15" name="圖片 14">
+            <a:extLst>
+              <a:ext uri="{FF2B5EF4-FFF2-40B4-BE49-F238E27FC236}">
+                <a16:creationId xmlns:a16="http://schemas.microsoft.com/office/drawing/2014/main" id="{632C2193-D4D2-4721-9BCC-CA2654E64E9B}"/>
+              </a:ext>
+            </a:extLst>
+          </p:cNvPr>
+          <p:cNvPicPr>
+            <a:picLocks noChangeAspect="1"/>
+          </p:cNvPicPr>
+          <p:nvPr/>
+        </p:nvPicPr>
+        <p:blipFill rotWithShape="1">
+          <a:blip r:embed="rId3"/>
+          <a:srcRect l="16469" t="20405" r="16881" b="25333"/>
+          <a:stretch/>
+        </p:blipFill>
+        <p:spPr>
+          <a:xfrm>
+            <a:off x="6002559" y="2245514"/>
+            <a:ext cx="6189441" cy="2808982"/>
+          </a:xfrm>
+          <a:prstGeom prst="rect">
+            <a:avLst/>
+          </a:prstGeom>
+        </p:spPr>
+      </p:pic>
+      <p:sp>
+        <p:nvSpPr>
+          <p:cNvPr id="16" name="矩形 15">
+            <a:extLst>
+              <a:ext uri="{FF2B5EF4-FFF2-40B4-BE49-F238E27FC236}">
+                <a16:creationId xmlns:a16="http://schemas.microsoft.com/office/drawing/2014/main" id="{AEBB0B05-761D-423D-AFB5-E972EF9D83BD}"/>
+              </a:ext>
+            </a:extLst>
+          </p:cNvPr>
+          <p:cNvSpPr/>
+          <p:nvPr/>
+        </p:nvSpPr>
+        <p:spPr>
+          <a:xfrm>
+            <a:off x="9577633" y="3608758"/>
+            <a:ext cx="2614367" cy="1496676"/>
+          </a:xfrm>
+          <a:prstGeom prst="rect">
+            <a:avLst/>
+          </a:prstGeom>
+          <a:noFill/>
+          <a:ln w="38100" cap="flat" cmpd="sng" algn="ctr">
+            <a:solidFill>
+              <a:schemeClr val="accent6"/>
+            </a:solidFill>
+            <a:prstDash val="solid"/>
+            <a:round/>
+            <a:headEnd type="none" w="med" len="med"/>
+            <a:tailEnd type="none" w="med" len="med"/>
+          </a:ln>
+        </p:spPr>
+        <p:style>
+          <a:lnRef idx="0">
+            <a:scrgbClr r="0" g="0" b="0"/>
+          </a:lnRef>
+          <a:fillRef idx="0">
+            <a:scrgbClr r="0" g="0" b="0"/>
+          </a:fillRef>
+          <a:effectRef idx="0">
+            <a:scrgbClr r="0" g="0" b="0"/>
+          </a:effectRef>
+          <a:fontRef idx="minor">
+            <a:schemeClr val="accent6"/>
+          </a:fontRef>
+        </p:style>
+        <p:txBody>
+          <a:bodyPr rtlCol="0" anchor="ctr"/>
+          <a:lstStyle/>
+          <a:p>
+            <a:pPr algn="ctr"/>
+            <a:endParaRPr lang="zh-TW" altLang="en-US"/>
+          </a:p>
+        </p:txBody>
+      </p:sp>
+      <p:sp>
+        <p:nvSpPr>
+          <p:cNvPr id="17" name="文字方塊 16">
+            <a:extLst>
+              <a:ext uri="{FF2B5EF4-FFF2-40B4-BE49-F238E27FC236}">
+                <a16:creationId xmlns:a16="http://schemas.microsoft.com/office/drawing/2014/main" id="{0E4B0599-CB40-49FC-83ED-5D62F8122042}"/>
+              </a:ext>
+            </a:extLst>
+          </p:cNvPr>
+          <p:cNvSpPr txBox="1"/>
+          <p:nvPr/>
+        </p:nvSpPr>
+        <p:spPr>
+          <a:xfrm>
+            <a:off x="0" y="4615717"/>
+            <a:ext cx="6186309" cy="369332"/>
+          </a:xfrm>
+          <a:prstGeom prst="rect">
+            <a:avLst/>
+          </a:prstGeom>
+          <a:noFill/>
+        </p:spPr>
+        <p:txBody>
+          <a:bodyPr wrap="none" rtlCol="0">
+            <a:spAutoFit/>
+          </a:bodyPr>
+          <a:lstStyle/>
+          <a:p>
+            <a:r>
+              <a:rPr lang="zh-TW" altLang="en-US" dirty="0"/>
+              <a:t>在我們下載儲存庫前我們先選好一個位置並進去當前位置</a:t>
+            </a:r>
+          </a:p>
+        </p:txBody>
+      </p:sp>
+      <p:pic>
+        <p:nvPicPr>
+          <p:cNvPr id="18" name="圖片 17">
+            <a:extLst>
+              <a:ext uri="{FF2B5EF4-FFF2-40B4-BE49-F238E27FC236}">
+                <a16:creationId xmlns:a16="http://schemas.microsoft.com/office/drawing/2014/main" id="{1C0C714A-FCA9-4A08-8778-65CED6B8F700}"/>
+              </a:ext>
+            </a:extLst>
+          </p:cNvPr>
+          <p:cNvPicPr>
+            <a:picLocks noChangeAspect="1"/>
+          </p:cNvPicPr>
+          <p:nvPr/>
+        </p:nvPicPr>
+        <p:blipFill rotWithShape="1">
+          <a:blip r:embed="rId4"/>
+          <a:srcRect l="2384" t="55314" r="67163" b="40338"/>
+          <a:stretch/>
+        </p:blipFill>
+        <p:spPr>
+          <a:xfrm>
+            <a:off x="145331" y="5047168"/>
+            <a:ext cx="4886974" cy="593941"/>
+          </a:xfrm>
+          <a:prstGeom prst="rect">
+            <a:avLst/>
+          </a:prstGeom>
+        </p:spPr>
+      </p:pic>
+      <p:pic>
+        <p:nvPicPr>
+          <p:cNvPr id="21" name="圖片 20">
+            <a:extLst>
+              <a:ext uri="{FF2B5EF4-FFF2-40B4-BE49-F238E27FC236}">
+                <a16:creationId xmlns:a16="http://schemas.microsoft.com/office/drawing/2014/main" id="{97DF3126-5889-41DB-8FAE-004909BED3CA}"/>
+              </a:ext>
+            </a:extLst>
+          </p:cNvPr>
+          <p:cNvPicPr>
+            <a:picLocks noChangeAspect="1"/>
+          </p:cNvPicPr>
+          <p:nvPr/>
+        </p:nvPicPr>
+        <p:blipFill rotWithShape="1">
+          <a:blip r:embed="rId5"/>
+          <a:srcRect t="76" r="32887" b="71947"/>
+          <a:stretch/>
+        </p:blipFill>
+        <p:spPr>
+          <a:xfrm>
+            <a:off x="6030316" y="5243285"/>
+            <a:ext cx="5767545" cy="1267008"/>
+          </a:xfrm>
+          <a:prstGeom prst="rect">
+            <a:avLst/>
+          </a:prstGeom>
+        </p:spPr>
+      </p:pic>
+    </p:spTree>
+    <p:extLst>
+      <p:ext uri="{BB962C8B-B14F-4D97-AF65-F5344CB8AC3E}">
+        <p14:creationId xmlns:p14="http://schemas.microsoft.com/office/powerpoint/2010/main" val="2914405277"/>
+      </p:ext>
+    </p:extLst>
+  </p:cSld>
+  <p:clrMapOvr>
+    <a:masterClrMapping/>
+  </p:clrMapOvr>
+  <p:timing>
+    <p:tnLst>
+      <p:par>
+        <p:cTn id="1" dur="indefinite" restart="never" nodeType="tmRoot">
+          <p:childTnLst>
+            <p:seq concurrent="1" nextAc="seek">
+              <p:cTn id="2" dur="indefinite" nodeType="mainSeq">
+                <p:childTnLst>
+                  <p:par>
+                    <p:cTn id="3" fill="hold">
+                      <p:stCondLst>
+                        <p:cond delay="indefinite"/>
+                      </p:stCondLst>
+                      <p:childTnLst>
+                        <p:par>
+                          <p:cTn id="4" fill="hold">
+                            <p:stCondLst>
+                              <p:cond delay="0"/>
+                            </p:stCondLst>
+                            <p:childTnLst>
+                              <p:par>
+                                <p:cTn id="5" presetID="1" presetClass="entr" presetSubtype="0" fill="hold" grpId="0" nodeType="clickEffect">
+                                  <p:stCondLst>
+                                    <p:cond delay="0"/>
+                                  </p:stCondLst>
+                                  <p:childTnLst>
+                                    <p:set>
+                                      <p:cBhvr>
+                                        <p:cTn id="6" dur="1" fill="hold">
+                                          <p:stCondLst>
+                                            <p:cond delay="0"/>
+                                          </p:stCondLst>
+                                        </p:cTn>
+                                        <p:tgtEl>
+                                          <p:spTgt spid="4"/>
+                                        </p:tgtEl>
+                                        <p:attrNameLst>
+                                          <p:attrName>style.visibility</p:attrName>
+                                        </p:attrNameLst>
+                                      </p:cBhvr>
+                                      <p:to>
+                                        <p:strVal val="visible"/>
+                                      </p:to>
+                                    </p:set>
+                                  </p:childTnLst>
+                                </p:cTn>
+                              </p:par>
+                            </p:childTnLst>
+                          </p:cTn>
+                        </p:par>
+                      </p:childTnLst>
+                    </p:cTn>
+                  </p:par>
+                  <p:par>
+                    <p:cTn id="7" fill="hold">
+                      <p:stCondLst>
+                        <p:cond delay="indefinite"/>
+                      </p:stCondLst>
+                      <p:childTnLst>
+                        <p:par>
+                          <p:cTn id="8" fill="hold">
+                            <p:stCondLst>
+                              <p:cond delay="0"/>
+                            </p:stCondLst>
+                            <p:childTnLst>
+                              <p:par>
+                                <p:cTn id="9" presetID="1" presetClass="entr" presetSubtype="0" fill="hold" grpId="0" nodeType="clickEffect">
+                                  <p:stCondLst>
+                                    <p:cond delay="0"/>
+                                  </p:stCondLst>
+                                  <p:childTnLst>
+                                    <p:set>
+                                      <p:cBhvr>
+                                        <p:cTn id="10" dur="1" fill="hold">
+                                          <p:stCondLst>
+                                            <p:cond delay="0"/>
+                                          </p:stCondLst>
+                                        </p:cTn>
+                                        <p:tgtEl>
+                                          <p:spTgt spid="8"/>
+                                        </p:tgtEl>
+                                        <p:attrNameLst>
+                                          <p:attrName>style.visibility</p:attrName>
+                                        </p:attrNameLst>
+                                      </p:cBhvr>
+                                      <p:to>
+                                        <p:strVal val="visible"/>
+                                      </p:to>
+                                    </p:set>
+                                  </p:childTnLst>
+                                </p:cTn>
+                              </p:par>
+                            </p:childTnLst>
+                          </p:cTn>
+                        </p:par>
+                      </p:childTnLst>
+                    </p:cTn>
+                  </p:par>
+                  <p:par>
+                    <p:cTn id="11" fill="hold">
+                      <p:stCondLst>
+                        <p:cond delay="indefinite"/>
+                      </p:stCondLst>
+                      <p:childTnLst>
+                        <p:par>
+                          <p:cTn id="12" fill="hold">
+                            <p:stCondLst>
+                              <p:cond delay="0"/>
+                            </p:stCondLst>
+                            <p:childTnLst>
+                              <p:par>
+                                <p:cTn id="13" presetID="1" presetClass="entr" presetSubtype="0" fill="hold" grpId="0" nodeType="clickEffect">
+                                  <p:stCondLst>
+                                    <p:cond delay="0"/>
+                                  </p:stCondLst>
+                                  <p:childTnLst>
+                                    <p:set>
+                                      <p:cBhvr>
+                                        <p:cTn id="14" dur="1" fill="hold">
+                                          <p:stCondLst>
+                                            <p:cond delay="0"/>
+                                          </p:stCondLst>
+                                        </p:cTn>
+                                        <p:tgtEl>
+                                          <p:spTgt spid="9"/>
+                                        </p:tgtEl>
+                                        <p:attrNameLst>
+                                          <p:attrName>style.visibility</p:attrName>
+                                        </p:attrNameLst>
+                                      </p:cBhvr>
+                                      <p:to>
+                                        <p:strVal val="visible"/>
+                                      </p:to>
+                                    </p:set>
+                                  </p:childTnLst>
+                                </p:cTn>
+                              </p:par>
+                            </p:childTnLst>
+                          </p:cTn>
+                        </p:par>
+                      </p:childTnLst>
+                    </p:cTn>
+                  </p:par>
+                  <p:par>
+                    <p:cTn id="15" fill="hold">
+                      <p:stCondLst>
+                        <p:cond delay="indefinite"/>
+                      </p:stCondLst>
+                      <p:childTnLst>
+                        <p:par>
+                          <p:cTn id="16" fill="hold">
+                            <p:stCondLst>
+                              <p:cond delay="0"/>
+                            </p:stCondLst>
+                            <p:childTnLst>
+                              <p:par>
+                                <p:cTn id="17" presetID="1" presetClass="entr" presetSubtype="0" fill="hold" nodeType="clickEffect">
+                                  <p:stCondLst>
+                                    <p:cond delay="0"/>
+                                  </p:stCondLst>
+                                  <p:childTnLst>
+                                    <p:set>
+                                      <p:cBhvr>
+                                        <p:cTn id="18" dur="1" fill="hold">
+                                          <p:stCondLst>
+                                            <p:cond delay="0"/>
+                                          </p:stCondLst>
+                                        </p:cTn>
+                                        <p:tgtEl>
+                                          <p:spTgt spid="10"/>
+                                        </p:tgtEl>
+                                        <p:attrNameLst>
+                                          <p:attrName>style.visibility</p:attrName>
+                                        </p:attrNameLst>
+                                      </p:cBhvr>
+                                      <p:to>
+                                        <p:strVal val="visible"/>
+                                      </p:to>
+                                    </p:set>
+                                  </p:childTnLst>
+                                </p:cTn>
+                              </p:par>
+                            </p:childTnLst>
+                          </p:cTn>
+                        </p:par>
+                      </p:childTnLst>
+                    </p:cTn>
+                  </p:par>
+                  <p:par>
+                    <p:cTn id="19" fill="hold">
+                      <p:stCondLst>
+                        <p:cond delay="indefinite"/>
+                      </p:stCondLst>
+                      <p:childTnLst>
+                        <p:par>
+                          <p:cTn id="20" fill="hold">
+                            <p:stCondLst>
+                              <p:cond delay="0"/>
+                            </p:stCondLst>
+                            <p:childTnLst>
+                              <p:par>
+                                <p:cTn id="21" presetID="1" presetClass="entr" presetSubtype="0" fill="hold" grpId="0" nodeType="clickEffect">
+                                  <p:stCondLst>
+                                    <p:cond delay="0"/>
+                                  </p:stCondLst>
+                                  <p:childTnLst>
+                                    <p:set>
+                                      <p:cBhvr>
+                                        <p:cTn id="22" dur="1" fill="hold">
+                                          <p:stCondLst>
+                                            <p:cond delay="0"/>
+                                          </p:stCondLst>
+                                        </p:cTn>
+                                        <p:tgtEl>
+                                          <p:spTgt spid="17"/>
+                                        </p:tgtEl>
+                                        <p:attrNameLst>
+                                          <p:attrName>style.visibility</p:attrName>
+                                        </p:attrNameLst>
+                                      </p:cBhvr>
+                                      <p:to>
+                                        <p:strVal val="visible"/>
+                                      </p:to>
+                                    </p:set>
+                                  </p:childTnLst>
+                                </p:cTn>
+                              </p:par>
+                            </p:childTnLst>
+                          </p:cTn>
+                        </p:par>
+                      </p:childTnLst>
+                    </p:cTn>
+                  </p:par>
+                  <p:par>
+                    <p:cTn id="23" fill="hold">
+                      <p:stCondLst>
+                        <p:cond delay="indefinite"/>
+                      </p:stCondLst>
+                      <p:childTnLst>
+                        <p:par>
+                          <p:cTn id="24" fill="hold">
+                            <p:stCondLst>
+                              <p:cond delay="0"/>
+                            </p:stCondLst>
+                            <p:childTnLst>
+                              <p:par>
+                                <p:cTn id="25" presetID="1" presetClass="entr" presetSubtype="0" fill="hold" nodeType="clickEffect">
+                                  <p:stCondLst>
+                                    <p:cond delay="0"/>
+                                  </p:stCondLst>
+                                  <p:childTnLst>
+                                    <p:set>
+                                      <p:cBhvr>
+                                        <p:cTn id="26" dur="1" fill="hold">
+                                          <p:stCondLst>
+                                            <p:cond delay="0"/>
+                                          </p:stCondLst>
+                                        </p:cTn>
+                                        <p:tgtEl>
+                                          <p:spTgt spid="18"/>
+                                        </p:tgtEl>
+                                        <p:attrNameLst>
+                                          <p:attrName>style.visibility</p:attrName>
+                                        </p:attrNameLst>
+                                      </p:cBhvr>
+                                      <p:to>
+                                        <p:strVal val="visible"/>
+                                      </p:to>
+                                    </p:set>
+                                  </p:childTnLst>
+                                </p:cTn>
+                              </p:par>
+                            </p:childTnLst>
+                          </p:cTn>
+                        </p:par>
+                      </p:childTnLst>
+                    </p:cTn>
+                  </p:par>
+                  <p:par>
+                    <p:cTn id="27" fill="hold">
+                      <p:stCondLst>
+                        <p:cond delay="indefinite"/>
+                      </p:stCondLst>
+                      <p:childTnLst>
+                        <p:par>
+                          <p:cTn id="28" fill="hold">
+                            <p:stCondLst>
+                              <p:cond delay="0"/>
+                            </p:stCondLst>
+                            <p:childTnLst>
+                              <p:par>
+                                <p:cTn id="29" presetID="1" presetClass="entr" presetSubtype="0" fill="hold" grpId="0" nodeType="clickEffect">
+                                  <p:stCondLst>
+                                    <p:cond delay="0"/>
+                                  </p:stCondLst>
+                                  <p:childTnLst>
+                                    <p:set>
+                                      <p:cBhvr>
+                                        <p:cTn id="30" dur="1" fill="hold">
+                                          <p:stCondLst>
+                                            <p:cond delay="0"/>
+                                          </p:stCondLst>
+                                        </p:cTn>
+                                        <p:tgtEl>
+                                          <p:spTgt spid="11"/>
+                                        </p:tgtEl>
+                                        <p:attrNameLst>
+                                          <p:attrName>style.visibility</p:attrName>
+                                        </p:attrNameLst>
+                                      </p:cBhvr>
+                                      <p:to>
+                                        <p:strVal val="visible"/>
+                                      </p:to>
+                                    </p:set>
+                                  </p:childTnLst>
+                                </p:cTn>
+                              </p:par>
+                            </p:childTnLst>
+                          </p:cTn>
+                        </p:par>
+                      </p:childTnLst>
+                    </p:cTn>
+                  </p:par>
+                  <p:par>
+                    <p:cTn id="31" fill="hold">
+                      <p:stCondLst>
+                        <p:cond delay="indefinite"/>
+                      </p:stCondLst>
+                      <p:childTnLst>
+                        <p:par>
+                          <p:cTn id="32" fill="hold">
+                            <p:stCondLst>
+                              <p:cond delay="0"/>
+                            </p:stCondLst>
+                            <p:childTnLst>
+                              <p:par>
+                                <p:cTn id="33" presetID="1" presetClass="entr" presetSubtype="0" fill="hold" grpId="0" nodeType="clickEffect">
+                                  <p:stCondLst>
+                                    <p:cond delay="0"/>
+                                  </p:stCondLst>
+                                  <p:childTnLst>
+                                    <p:set>
+                                      <p:cBhvr>
+                                        <p:cTn id="34" dur="1" fill="hold">
+                                          <p:stCondLst>
+                                            <p:cond delay="0"/>
+                                          </p:stCondLst>
+                                        </p:cTn>
+                                        <p:tgtEl>
+                                          <p:spTgt spid="14"/>
+                                        </p:tgtEl>
+                                        <p:attrNameLst>
+                                          <p:attrName>style.visibility</p:attrName>
+                                        </p:attrNameLst>
+                                      </p:cBhvr>
+                                      <p:to>
+                                        <p:strVal val="visible"/>
+                                      </p:to>
+                                    </p:set>
+                                  </p:childTnLst>
+                                </p:cTn>
+                              </p:par>
+                            </p:childTnLst>
+                          </p:cTn>
+                        </p:par>
+                      </p:childTnLst>
+                    </p:cTn>
+                  </p:par>
+                  <p:par>
+                    <p:cTn id="35" fill="hold">
+                      <p:stCondLst>
+                        <p:cond delay="indefinite"/>
+                      </p:stCondLst>
+                      <p:childTnLst>
+                        <p:par>
+                          <p:cTn id="36" fill="hold">
+                            <p:stCondLst>
+                              <p:cond delay="0"/>
+                            </p:stCondLst>
+                            <p:childTnLst>
+                              <p:par>
+                                <p:cTn id="37" presetID="1" presetClass="entr" presetSubtype="0" fill="hold" nodeType="clickEffect">
+                                  <p:stCondLst>
+                                    <p:cond delay="0"/>
+                                  </p:stCondLst>
+                                  <p:childTnLst>
+                                    <p:set>
+                                      <p:cBhvr>
+                                        <p:cTn id="38" dur="1" fill="hold">
+                                          <p:stCondLst>
+                                            <p:cond delay="0"/>
+                                          </p:stCondLst>
+                                        </p:cTn>
+                                        <p:tgtEl>
+                                          <p:spTgt spid="15"/>
+                                        </p:tgtEl>
+                                        <p:attrNameLst>
+                                          <p:attrName>style.visibility</p:attrName>
+                                        </p:attrNameLst>
+                                      </p:cBhvr>
+                                      <p:to>
+                                        <p:strVal val="visible"/>
+                                      </p:to>
+                                    </p:set>
+                                  </p:childTnLst>
+                                </p:cTn>
+                              </p:par>
+                            </p:childTnLst>
+                          </p:cTn>
+                        </p:par>
+                      </p:childTnLst>
+                    </p:cTn>
+                  </p:par>
+                  <p:par>
+                    <p:cTn id="39" fill="hold">
+                      <p:stCondLst>
+                        <p:cond delay="indefinite"/>
+                      </p:stCondLst>
+                      <p:childTnLst>
+                        <p:par>
+                          <p:cTn id="40" fill="hold">
+                            <p:stCondLst>
+                              <p:cond delay="0"/>
+                            </p:stCondLst>
+                            <p:childTnLst>
+                              <p:par>
+                                <p:cTn id="41" presetID="1" presetClass="entr" presetSubtype="0" fill="hold" grpId="0" nodeType="clickEffect">
+                                  <p:stCondLst>
+                                    <p:cond delay="0"/>
+                                  </p:stCondLst>
+                                  <p:childTnLst>
+                                    <p:set>
+                                      <p:cBhvr>
+                                        <p:cTn id="42" dur="1" fill="hold">
+                                          <p:stCondLst>
+                                            <p:cond delay="0"/>
+                                          </p:stCondLst>
+                                        </p:cTn>
+                                        <p:tgtEl>
+                                          <p:spTgt spid="16"/>
+                                        </p:tgtEl>
+                                        <p:attrNameLst>
+                                          <p:attrName>style.visibility</p:attrName>
+                                        </p:attrNameLst>
+                                      </p:cBhvr>
+                                      <p:to>
+                                        <p:strVal val="visible"/>
+                                      </p:to>
+                                    </p:set>
+                                  </p:childTnLst>
+                                </p:cTn>
+                              </p:par>
+                            </p:childTnLst>
+                          </p:cTn>
+                        </p:par>
+                      </p:childTnLst>
+                    </p:cTn>
+                  </p:par>
+                  <p:par>
+                    <p:cTn id="43" fill="hold">
+                      <p:stCondLst>
+                        <p:cond delay="indefinite"/>
+                      </p:stCondLst>
+                      <p:childTnLst>
+                        <p:par>
+                          <p:cTn id="44" fill="hold">
+                            <p:stCondLst>
+                              <p:cond delay="0"/>
+                            </p:stCondLst>
+                            <p:childTnLst>
+                              <p:par>
+                                <p:cTn id="45" presetID="1" presetClass="entr" presetSubtype="0" fill="hold" nodeType="clickEffect">
+                                  <p:stCondLst>
+                                    <p:cond delay="0"/>
+                                  </p:stCondLst>
+                                  <p:childTnLst>
+                                    <p:set>
+                                      <p:cBhvr>
+                                        <p:cTn id="46" dur="1" fill="hold">
+                                          <p:stCondLst>
+                                            <p:cond delay="0"/>
+                                          </p:stCondLst>
+                                        </p:cTn>
+                                        <p:tgtEl>
+                                          <p:spTgt spid="21"/>
+                                        </p:tgtEl>
+                                        <p:attrNameLst>
+                                          <p:attrName>style.visibility</p:attrName>
+                                        </p:attrNameLst>
+                                      </p:cBhvr>
+                                      <p:to>
+                                        <p:strVal val="visible"/>
+                                      </p:to>
+                                    </p:set>
+                                  </p:childTnLst>
+                                </p:cTn>
+                              </p:par>
+                            </p:childTnLst>
+                          </p:cTn>
+                        </p:par>
+                      </p:childTnLst>
+                    </p:cTn>
+                  </p:par>
+                </p:childTnLst>
+              </p:cTn>
+              <p:prevCondLst>
+                <p:cond evt="onPrev" delay="0">
+                  <p:tgtEl>
+                    <p:sldTgt/>
+                  </p:tgtEl>
+                </p:cond>
+              </p:prevCondLst>
+              <p:nextCondLst>
+                <p:cond evt="onNext" delay="0">
+                  <p:tgtEl>
+                    <p:sldTgt/>
+                  </p:tgtEl>
+                </p:cond>
+              </p:nextCondLst>
+            </p:seq>
+          </p:childTnLst>
+        </p:cTn>
+      </p:par>
+    </p:tnLst>
+    <p:bldLst>
+      <p:bldP spid="4" grpId="0"/>
+      <p:bldP spid="8" grpId="0" animBg="1"/>
+      <p:bldP spid="9" grpId="0"/>
+      <p:bldP spid="11" grpId="0"/>
+      <p:bldP spid="14" grpId="0" animBg="1"/>
+      <p:bldP spid="16" grpId="0" animBg="1"/>
+      <p:bldP spid="17" grpId="0"/>
+    </p:bldLst>
+  </p:timing>
+</p:sld>
+</file>
+
+<file path=ppt/slides/slide7.xml><?xml version="1.0" encoding="utf-8"?>
+<p:sld xmlns:a="http://schemas.openxmlformats.org/drawingml/2006/main" xmlns:r="http://schemas.openxmlformats.org/officeDocument/2006/relationships" xmlns:p="http://schemas.openxmlformats.org/presentationml/2006/main">
+  <p:cSld>
+    <p:spTree>
+      <p:nvGrpSpPr>
+        <p:cNvPr id="1" name=""/>
+        <p:cNvGrpSpPr/>
+        <p:nvPr/>
+      </p:nvGrpSpPr>
+      <p:grpSpPr>
+        <a:xfrm>
+          <a:off x="0" y="0"/>
+          <a:ext cx="0" cy="0"/>
+          <a:chOff x="0" y="0"/>
+          <a:chExt cx="0" cy="0"/>
+        </a:xfrm>
+      </p:grpSpPr>
+      <p:sp>
+        <p:nvSpPr>
+          <p:cNvPr id="2" name="標題 1">
+            <a:extLst>
+              <a:ext uri="{FF2B5EF4-FFF2-40B4-BE49-F238E27FC236}">
+                <a16:creationId xmlns:a16="http://schemas.microsoft.com/office/drawing/2014/main" id="{67D6955D-0E5E-4590-8D33-10AD1FC70826}"/>
+              </a:ext>
+            </a:extLst>
+          </p:cNvPr>
+          <p:cNvSpPr>
+            <a:spLocks noGrp="1"/>
+          </p:cNvSpPr>
+          <p:nvPr>
+            <p:ph type="title"/>
+          </p:nvPr>
+        </p:nvSpPr>
+        <p:spPr/>
+        <p:txBody>
+          <a:bodyPr/>
+          <a:lstStyle/>
+          <a:p>
+            <a:r>
+              <a:rPr lang="zh-TW" altLang="en-US" dirty="0"/>
+              <a:t>版本控制基本操作教學</a:t>
+            </a:r>
+            <a:r>
+              <a:rPr lang="en-US" altLang="zh-TW" dirty="0"/>
+              <a:t>(</a:t>
+            </a:r>
+            <a:r>
+              <a:rPr lang="zh-TW" altLang="en-US" dirty="0"/>
+              <a:t>本地 </a:t>
+            </a:r>
+            <a:r>
+              <a:rPr lang="en-US" altLang="zh-TW" dirty="0"/>
+              <a:t>… )</a:t>
+            </a:r>
+            <a:endParaRPr lang="zh-TW" altLang="en-US" dirty="0"/>
+          </a:p>
+        </p:txBody>
+      </p:sp>
+      <p:sp>
+        <p:nvSpPr>
+          <p:cNvPr id="4" name="文字方塊 3">
+            <a:extLst>
+              <a:ext uri="{FF2B5EF4-FFF2-40B4-BE49-F238E27FC236}">
+                <a16:creationId xmlns:a16="http://schemas.microsoft.com/office/drawing/2014/main" id="{D34B4836-2A0A-4D6F-901D-363C3DA56E3D}"/>
+              </a:ext>
+            </a:extLst>
+          </p:cNvPr>
+          <p:cNvSpPr txBox="1"/>
+          <p:nvPr/>
+        </p:nvSpPr>
+        <p:spPr>
+          <a:xfrm>
+            <a:off x="94268" y="2168165"/>
+            <a:ext cx="4985660" cy="369332"/>
+          </a:xfrm>
+          <a:prstGeom prst="rect">
+            <a:avLst/>
+          </a:prstGeom>
+          <a:noFill/>
+        </p:spPr>
+        <p:txBody>
+          <a:bodyPr wrap="none" rtlCol="0">
+            <a:spAutoFit/>
+          </a:bodyPr>
+          <a:lstStyle/>
+          <a:p>
+            <a:r>
+              <a:rPr lang="zh-TW" altLang="en-US" dirty="0"/>
+              <a:t>我們可以輸入 </a:t>
+            </a:r>
+            <a:r>
+              <a:rPr lang="en-US" altLang="zh-TW" dirty="0"/>
+              <a:t>git status</a:t>
+            </a:r>
+            <a:r>
+              <a:rPr lang="zh-TW" altLang="en-US" dirty="0"/>
+              <a:t> 來觀看我們現在的狀態</a:t>
+            </a:r>
+          </a:p>
+        </p:txBody>
+      </p:sp>
+      <p:pic>
+        <p:nvPicPr>
+          <p:cNvPr id="5" name="圖片 4">
+            <a:extLst>
+              <a:ext uri="{FF2B5EF4-FFF2-40B4-BE49-F238E27FC236}">
+                <a16:creationId xmlns:a16="http://schemas.microsoft.com/office/drawing/2014/main" id="{4CECC369-F488-423B-848A-B1002DB5F1FF}"/>
+              </a:ext>
+            </a:extLst>
+          </p:cNvPr>
+          <p:cNvPicPr>
+            <a:picLocks noChangeAspect="1"/>
+          </p:cNvPicPr>
+          <p:nvPr/>
+        </p:nvPicPr>
+        <p:blipFill rotWithShape="1">
+          <a:blip r:embed="rId2"/>
+          <a:srcRect l="-1" t="70790" r="35218" b="18901"/>
+          <a:stretch/>
+        </p:blipFill>
+        <p:spPr>
+          <a:xfrm>
+            <a:off x="408994" y="2537497"/>
+            <a:ext cx="5218808" cy="707010"/>
+          </a:xfrm>
+          <a:prstGeom prst="rect">
+            <a:avLst/>
+          </a:prstGeom>
+        </p:spPr>
+      </p:pic>
+      <p:sp>
+        <p:nvSpPr>
+          <p:cNvPr id="6" name="文字方塊 5">
+            <a:extLst>
+              <a:ext uri="{FF2B5EF4-FFF2-40B4-BE49-F238E27FC236}">
+                <a16:creationId xmlns:a16="http://schemas.microsoft.com/office/drawing/2014/main" id="{E2A42758-46DE-45D6-B729-98BA43055E77}"/>
+              </a:ext>
+            </a:extLst>
+          </p:cNvPr>
+          <p:cNvSpPr txBox="1"/>
+          <p:nvPr/>
+        </p:nvSpPr>
+        <p:spPr>
+          <a:xfrm>
+            <a:off x="94268" y="3730391"/>
+            <a:ext cx="2723823" cy="369332"/>
+          </a:xfrm>
+          <a:prstGeom prst="rect">
+            <a:avLst/>
+          </a:prstGeom>
+          <a:noFill/>
+        </p:spPr>
+        <p:txBody>
+          <a:bodyPr wrap="none" rtlCol="0">
+            <a:spAutoFit/>
+          </a:bodyPr>
+          <a:lstStyle/>
+          <a:p>
+            <a:r>
+              <a:rPr lang="zh-TW" altLang="en-US" dirty="0"/>
+              <a:t>嘗試新增檔案來更新版本</a:t>
+            </a:r>
+          </a:p>
+        </p:txBody>
+      </p:sp>
+      <p:pic>
+        <p:nvPicPr>
+          <p:cNvPr id="7" name="圖片 6">
+            <a:extLst>
+              <a:ext uri="{FF2B5EF4-FFF2-40B4-BE49-F238E27FC236}">
+                <a16:creationId xmlns:a16="http://schemas.microsoft.com/office/drawing/2014/main" id="{EACC3793-06E5-4E81-A457-25ECBA604957}"/>
+              </a:ext>
+            </a:extLst>
+          </p:cNvPr>
+          <p:cNvPicPr>
+            <a:picLocks noChangeAspect="1"/>
+          </p:cNvPicPr>
+          <p:nvPr/>
+        </p:nvPicPr>
+        <p:blipFill rotWithShape="1">
+          <a:blip r:embed="rId3"/>
+          <a:srcRect l="15463" t="9072" r="35605" b="57663"/>
+          <a:stretch/>
+        </p:blipFill>
+        <p:spPr>
+          <a:xfrm>
+            <a:off x="408994" y="4198301"/>
+            <a:ext cx="5218808" cy="1786172"/>
+          </a:xfrm>
+          <a:prstGeom prst="rect">
+            <a:avLst/>
+          </a:prstGeom>
+        </p:spPr>
+      </p:pic>
+      <p:sp>
+        <p:nvSpPr>
+          <p:cNvPr id="8" name="文字方塊 7">
+            <a:extLst>
+              <a:ext uri="{FF2B5EF4-FFF2-40B4-BE49-F238E27FC236}">
+                <a16:creationId xmlns:a16="http://schemas.microsoft.com/office/drawing/2014/main" id="{0AC92ACB-64E4-4FA2-B595-F1F28D50A602}"/>
+              </a:ext>
+            </a:extLst>
+          </p:cNvPr>
+          <p:cNvSpPr txBox="1"/>
+          <p:nvPr/>
+        </p:nvSpPr>
+        <p:spPr>
+          <a:xfrm>
+            <a:off x="6095999" y="2168165"/>
+            <a:ext cx="4754828" cy="369332"/>
+          </a:xfrm>
+          <a:prstGeom prst="rect">
+            <a:avLst/>
+          </a:prstGeom>
+          <a:noFill/>
+        </p:spPr>
+        <p:txBody>
+          <a:bodyPr wrap="none" rtlCol="0">
+            <a:spAutoFit/>
+          </a:bodyPr>
+          <a:lstStyle/>
+          <a:p>
+            <a:r>
+              <a:rPr lang="zh-TW" altLang="en-US" dirty="0"/>
+              <a:t>我們再輸入 </a:t>
+            </a:r>
+            <a:r>
+              <a:rPr lang="en-US" altLang="zh-TW" dirty="0"/>
+              <a:t>git status</a:t>
+            </a:r>
+            <a:r>
+              <a:rPr lang="zh-TW" altLang="en-US" dirty="0"/>
+              <a:t> 來觀看我們現在的狀態</a:t>
+            </a:r>
+          </a:p>
+        </p:txBody>
+      </p:sp>
+      <p:pic>
+        <p:nvPicPr>
+          <p:cNvPr id="9" name="圖片 8">
+            <a:extLst>
+              <a:ext uri="{FF2B5EF4-FFF2-40B4-BE49-F238E27FC236}">
+                <a16:creationId xmlns:a16="http://schemas.microsoft.com/office/drawing/2014/main" id="{43F2732D-6ED1-419A-B297-B973586CC719}"/>
+              </a:ext>
+            </a:extLst>
+          </p:cNvPr>
+          <p:cNvPicPr>
+            <a:picLocks noChangeAspect="1"/>
+          </p:cNvPicPr>
+          <p:nvPr/>
+        </p:nvPicPr>
+        <p:blipFill rotWithShape="1">
+          <a:blip r:embed="rId4"/>
+          <a:srcRect t="78740" r="24100"/>
+          <a:stretch/>
+        </p:blipFill>
+        <p:spPr>
+          <a:xfrm>
+            <a:off x="6153746" y="2575642"/>
+            <a:ext cx="5624160" cy="1341101"/>
+          </a:xfrm>
+          <a:prstGeom prst="rect">
+            <a:avLst/>
+          </a:prstGeom>
+        </p:spPr>
+      </p:pic>
+      <p:sp>
+        <p:nvSpPr>
+          <p:cNvPr id="10" name="文字方塊 9">
+            <a:extLst>
+              <a:ext uri="{FF2B5EF4-FFF2-40B4-BE49-F238E27FC236}">
+                <a16:creationId xmlns:a16="http://schemas.microsoft.com/office/drawing/2014/main" id="{A29C2538-78EF-4186-904A-6A24D48A9C15}"/>
+              </a:ext>
+            </a:extLst>
+          </p:cNvPr>
+          <p:cNvSpPr txBox="1"/>
+          <p:nvPr/>
+        </p:nvSpPr>
+        <p:spPr>
+          <a:xfrm>
+            <a:off x="6095999" y="3915057"/>
+            <a:ext cx="4403770" cy="369332"/>
+          </a:xfrm>
+          <a:prstGeom prst="rect">
+            <a:avLst/>
+          </a:prstGeom>
+          <a:noFill/>
+        </p:spPr>
+        <p:txBody>
+          <a:bodyPr wrap="none" rtlCol="0">
+            <a:spAutoFit/>
+          </a:bodyPr>
+          <a:lstStyle/>
+          <a:p>
+            <a:r>
+              <a:rPr lang="zh-TW" altLang="en-US" dirty="0"/>
+              <a:t>我們使用 下面兩個指令來新增我們的變更</a:t>
+            </a:r>
+          </a:p>
+        </p:txBody>
+      </p:sp>
+      <p:sp>
+        <p:nvSpPr>
+          <p:cNvPr id="11" name="文字方塊 10">
+            <a:extLst>
+              <a:ext uri="{FF2B5EF4-FFF2-40B4-BE49-F238E27FC236}">
+                <a16:creationId xmlns:a16="http://schemas.microsoft.com/office/drawing/2014/main" id="{CAA43256-B5ED-42CC-B26A-CEC8B96B3884}"/>
+              </a:ext>
+            </a:extLst>
+          </p:cNvPr>
+          <p:cNvSpPr txBox="1"/>
+          <p:nvPr/>
+        </p:nvSpPr>
+        <p:spPr>
+          <a:xfrm>
+            <a:off x="6095999" y="4320848"/>
+            <a:ext cx="5739654" cy="646331"/>
+          </a:xfrm>
+          <a:prstGeom prst="rect">
+            <a:avLst/>
+          </a:prstGeom>
+          <a:solidFill>
+            <a:srgbClr val="002060"/>
+          </a:solidFill>
+        </p:spPr>
+        <p:style>
+          <a:lnRef idx="2">
+            <a:schemeClr val="dk1"/>
+          </a:lnRef>
+          <a:fillRef idx="1">
+            <a:schemeClr val="lt1"/>
+          </a:fillRef>
+          <a:effectRef idx="0">
+            <a:schemeClr val="dk1"/>
+          </a:effectRef>
+          <a:fontRef idx="minor">
+            <a:schemeClr val="dk1"/>
+          </a:fontRef>
+        </p:style>
+        <p:txBody>
+          <a:bodyPr wrap="square" rtlCol="0">
+            <a:spAutoFit/>
+          </a:bodyPr>
+          <a:lstStyle/>
+          <a:p>
+            <a:r>
+              <a:rPr lang="en-US" altLang="zh-TW" dirty="0">
+                <a:solidFill>
+                  <a:schemeClr val="tx1"/>
+                </a:solidFill>
+              </a:rPr>
+              <a:t>git add</a:t>
+            </a:r>
+            <a:r>
+              <a:rPr lang="zh-TW" altLang="en-US" dirty="0">
+                <a:solidFill>
+                  <a:schemeClr val="tx1"/>
+                </a:solidFill>
+              </a:rPr>
+              <a:t> </a:t>
+            </a:r>
+            <a:r>
+              <a:rPr lang="en-US" altLang="zh-TW" dirty="0">
+                <a:solidFill>
+                  <a:schemeClr val="tx1"/>
+                </a:solidFill>
+              </a:rPr>
+              <a:t>.</a:t>
+            </a:r>
+          </a:p>
+          <a:p>
+            <a:r>
+              <a:rPr lang="en-US" altLang="zh-TW" dirty="0">
+                <a:solidFill>
+                  <a:schemeClr val="tx1"/>
+                </a:solidFill>
+              </a:rPr>
+              <a:t>git commit –m “</a:t>
+            </a:r>
+            <a:r>
+              <a:rPr lang="zh-TW" altLang="en-US" dirty="0">
+                <a:solidFill>
+                  <a:schemeClr val="tx1"/>
+                </a:solidFill>
+              </a:rPr>
+              <a:t>版本內容</a:t>
+            </a:r>
+            <a:r>
+              <a:rPr lang="en-US" altLang="zh-TW" dirty="0">
+                <a:solidFill>
+                  <a:schemeClr val="tx1"/>
+                </a:solidFill>
+              </a:rPr>
+              <a:t>”</a:t>
+            </a:r>
+          </a:p>
+        </p:txBody>
+      </p:sp>
+      <p:sp>
+        <p:nvSpPr>
+          <p:cNvPr id="13" name="文字方塊 12">
+            <a:extLst>
+              <a:ext uri="{FF2B5EF4-FFF2-40B4-BE49-F238E27FC236}">
+                <a16:creationId xmlns:a16="http://schemas.microsoft.com/office/drawing/2014/main" id="{8FC9AFB8-7BA3-4155-80A2-24BC59E45BCA}"/>
+              </a:ext>
+            </a:extLst>
+          </p:cNvPr>
+          <p:cNvSpPr txBox="1"/>
+          <p:nvPr/>
+        </p:nvSpPr>
+        <p:spPr>
+          <a:xfrm>
+            <a:off x="6153746" y="5530240"/>
+            <a:ext cx="5416868" cy="461665"/>
+          </a:xfrm>
+          <a:prstGeom prst="rect">
+            <a:avLst/>
+          </a:prstGeom>
+          <a:noFill/>
+        </p:spPr>
+        <p:txBody>
+          <a:bodyPr wrap="none" rtlCol="0">
+            <a:spAutoFit/>
+          </a:bodyPr>
+          <a:lstStyle/>
+          <a:p>
+            <a:r>
+              <a:rPr lang="zh-TW" altLang="en-US" sz="2400" dirty="0"/>
+              <a:t>恭喜你完成在本地的第一次版本更新了</a:t>
+            </a:r>
+          </a:p>
+        </p:txBody>
+      </p:sp>
+      <p:sp>
+        <p:nvSpPr>
+          <p:cNvPr id="15" name="文字方塊 14">
+            <a:extLst>
+              <a:ext uri="{FF2B5EF4-FFF2-40B4-BE49-F238E27FC236}">
+                <a16:creationId xmlns:a16="http://schemas.microsoft.com/office/drawing/2014/main" id="{D2853CF5-1A03-40C8-B16E-167A7049B8F4}"/>
+              </a:ext>
+            </a:extLst>
+          </p:cNvPr>
+          <p:cNvSpPr txBox="1"/>
+          <p:nvPr/>
+        </p:nvSpPr>
+        <p:spPr>
+          <a:xfrm>
+            <a:off x="6268825" y="5118755"/>
+            <a:ext cx="4414991" cy="369332"/>
+          </a:xfrm>
+          <a:prstGeom prst="rect">
+            <a:avLst/>
+          </a:prstGeom>
+          <a:noFill/>
+        </p:spPr>
+        <p:txBody>
+          <a:bodyPr wrap="none" rtlCol="0">
+            <a:spAutoFit/>
+          </a:bodyPr>
+          <a:lstStyle/>
+          <a:p>
+            <a:r>
+              <a:rPr lang="zh-TW" altLang="en-US" dirty="0"/>
+              <a:t>在</a:t>
+            </a:r>
+            <a:r>
+              <a:rPr lang="en-US" altLang="zh-TW" dirty="0"/>
+              <a:t>add</a:t>
+            </a:r>
+            <a:r>
+              <a:rPr lang="zh-TW" altLang="en-US" dirty="0"/>
+              <a:t> 跟 </a:t>
+            </a:r>
+            <a:r>
+              <a:rPr lang="en-US" altLang="zh-TW" dirty="0"/>
+              <a:t>commit</a:t>
+            </a:r>
+            <a:r>
+              <a:rPr lang="zh-TW" altLang="en-US" dirty="0"/>
+              <a:t>的時候都可以查詢狀態</a:t>
+            </a:r>
+          </a:p>
+        </p:txBody>
+      </p:sp>
+    </p:spTree>
+    <p:extLst>
+      <p:ext uri="{BB962C8B-B14F-4D97-AF65-F5344CB8AC3E}">
+        <p14:creationId xmlns:p14="http://schemas.microsoft.com/office/powerpoint/2010/main" val="471336845"/>
+      </p:ext>
+    </p:extLst>
+  </p:cSld>
+  <p:clrMapOvr>
+    <a:masterClrMapping/>
+  </p:clrMapOvr>
+  <p:timing>
+    <p:tnLst>
+      <p:par>
+        <p:cTn id="1" dur="indefinite" restart="never" nodeType="tmRoot">
+          <p:childTnLst>
+            <p:seq concurrent="1" nextAc="seek">
+              <p:cTn id="2" dur="indefinite" nodeType="mainSeq">
+                <p:childTnLst>
+                  <p:par>
+                    <p:cTn id="3" fill="hold">
+                      <p:stCondLst>
+                        <p:cond delay="indefinite"/>
+                      </p:stCondLst>
+                      <p:childTnLst>
+                        <p:par>
+                          <p:cTn id="4" fill="hold">
+                            <p:stCondLst>
+                              <p:cond delay="0"/>
+                            </p:stCondLst>
+                            <p:childTnLst>
+                              <p:par>
+                                <p:cTn id="5" presetID="1" presetClass="entr" presetSubtype="0" fill="hold" grpId="0" nodeType="clickEffect">
+                                  <p:stCondLst>
+                                    <p:cond delay="0"/>
+                                  </p:stCondLst>
+                                  <p:childTnLst>
+                                    <p:set>
+                                      <p:cBhvr>
+                                        <p:cTn id="6" dur="1" fill="hold">
+                                          <p:stCondLst>
+                                            <p:cond delay="0"/>
+                                          </p:stCondLst>
+                                        </p:cTn>
+                                        <p:tgtEl>
+                                          <p:spTgt spid="4"/>
+                                        </p:tgtEl>
+                                        <p:attrNameLst>
+                                          <p:attrName>style.visibility</p:attrName>
+                                        </p:attrNameLst>
+                                      </p:cBhvr>
+                                      <p:to>
+                                        <p:strVal val="visible"/>
+                                      </p:to>
+                                    </p:set>
+                                  </p:childTnLst>
+                                </p:cTn>
+                              </p:par>
+                              <p:par>
+                                <p:cTn id="7" presetID="1" presetClass="entr" presetSubtype="0" fill="hold" nodeType="withEffect">
+                                  <p:stCondLst>
+                                    <p:cond delay="0"/>
+                                  </p:stCondLst>
+                                  <p:childTnLst>
+                                    <p:set>
+                                      <p:cBhvr>
+                                        <p:cTn id="8" dur="1" fill="hold">
+                                          <p:stCondLst>
+                                            <p:cond delay="0"/>
+                                          </p:stCondLst>
+                                        </p:cTn>
+                                        <p:tgtEl>
+                                          <p:spTgt spid="5"/>
+                                        </p:tgtEl>
+                                        <p:attrNameLst>
+                                          <p:attrName>style.visibility</p:attrName>
+                                        </p:attrNameLst>
+                                      </p:cBhvr>
+                                      <p:to>
+                                        <p:strVal val="visible"/>
+                                      </p:to>
+                                    </p:set>
+                                  </p:childTnLst>
+                                </p:cTn>
+                              </p:par>
+                            </p:childTnLst>
+                          </p:cTn>
+                        </p:par>
+                      </p:childTnLst>
+                    </p:cTn>
+                  </p:par>
+                  <p:par>
+                    <p:cTn id="9" fill="hold">
+                      <p:stCondLst>
+                        <p:cond delay="indefinite"/>
+                      </p:stCondLst>
+                      <p:childTnLst>
+                        <p:par>
+                          <p:cTn id="10" fill="hold">
+                            <p:stCondLst>
+                              <p:cond delay="0"/>
+                            </p:stCondLst>
+                            <p:childTnLst>
+                              <p:par>
+                                <p:cTn id="11" presetID="1" presetClass="entr" presetSubtype="0" fill="hold" grpId="0" nodeType="clickEffect">
+                                  <p:stCondLst>
+                                    <p:cond delay="0"/>
+                                  </p:stCondLst>
+                                  <p:childTnLst>
+                                    <p:set>
+                                      <p:cBhvr>
+                                        <p:cTn id="12" dur="1" fill="hold">
+                                          <p:stCondLst>
+                                            <p:cond delay="0"/>
+                                          </p:stCondLst>
+                                        </p:cTn>
+                                        <p:tgtEl>
+                                          <p:spTgt spid="6"/>
+                                        </p:tgtEl>
+                                        <p:attrNameLst>
+                                          <p:attrName>style.visibility</p:attrName>
+                                        </p:attrNameLst>
+                                      </p:cBhvr>
+                                      <p:to>
+                                        <p:strVal val="visible"/>
+                                      </p:to>
+                                    </p:set>
+                                  </p:childTnLst>
+                                </p:cTn>
+                              </p:par>
+                              <p:par>
+                                <p:cTn id="13" presetID="1" presetClass="entr" presetSubtype="0" fill="hold" nodeType="withEffect">
+                                  <p:stCondLst>
+                                    <p:cond delay="0"/>
+                                  </p:stCondLst>
+                                  <p:childTnLst>
+                                    <p:set>
+                                      <p:cBhvr>
+                                        <p:cTn id="14" dur="1" fill="hold">
+                                          <p:stCondLst>
+                                            <p:cond delay="0"/>
+                                          </p:stCondLst>
+                                        </p:cTn>
+                                        <p:tgtEl>
+                                          <p:spTgt spid="7"/>
+                                        </p:tgtEl>
+                                        <p:attrNameLst>
+                                          <p:attrName>style.visibility</p:attrName>
+                                        </p:attrNameLst>
+                                      </p:cBhvr>
+                                      <p:to>
+                                        <p:strVal val="visible"/>
+                                      </p:to>
+                                    </p:set>
+                                  </p:childTnLst>
+                                </p:cTn>
+                              </p:par>
+                            </p:childTnLst>
+                          </p:cTn>
+                        </p:par>
+                      </p:childTnLst>
+                    </p:cTn>
+                  </p:par>
+                  <p:par>
+                    <p:cTn id="15" fill="hold">
+                      <p:stCondLst>
+                        <p:cond delay="indefinite"/>
+                      </p:stCondLst>
+                      <p:childTnLst>
+                        <p:par>
+                          <p:cTn id="16" fill="hold">
+                            <p:stCondLst>
+                              <p:cond delay="0"/>
+                            </p:stCondLst>
+                            <p:childTnLst>
+                              <p:par>
+                                <p:cTn id="17" presetID="1" presetClass="entr" presetSubtype="0" fill="hold" grpId="0" nodeType="clickEffect">
+                                  <p:stCondLst>
+                                    <p:cond delay="0"/>
+                                  </p:stCondLst>
+                                  <p:childTnLst>
+                                    <p:set>
+                                      <p:cBhvr>
+                                        <p:cTn id="18" dur="1" fill="hold">
+                                          <p:stCondLst>
+                                            <p:cond delay="0"/>
+                                          </p:stCondLst>
+                                        </p:cTn>
+                                        <p:tgtEl>
+                                          <p:spTgt spid="8"/>
+                                        </p:tgtEl>
+                                        <p:attrNameLst>
+                                          <p:attrName>style.visibility</p:attrName>
+                                        </p:attrNameLst>
+                                      </p:cBhvr>
+                                      <p:to>
+                                        <p:strVal val="visible"/>
+                                      </p:to>
+                                    </p:set>
+                                  </p:childTnLst>
+                                </p:cTn>
+                              </p:par>
+                              <p:par>
+                                <p:cTn id="19" presetID="1" presetClass="entr" presetSubtype="0" fill="hold" nodeType="withEffect">
+                                  <p:stCondLst>
+                                    <p:cond delay="0"/>
+                                  </p:stCondLst>
+                                  <p:childTnLst>
+                                    <p:set>
+                                      <p:cBhvr>
+                                        <p:cTn id="20" dur="1" fill="hold">
+                                          <p:stCondLst>
+                                            <p:cond delay="0"/>
+                                          </p:stCondLst>
+                                        </p:cTn>
+                                        <p:tgtEl>
+                                          <p:spTgt spid="9"/>
+                                        </p:tgtEl>
+                                        <p:attrNameLst>
+                                          <p:attrName>style.visibility</p:attrName>
+                                        </p:attrNameLst>
+                                      </p:cBhvr>
+                                      <p:to>
+                                        <p:strVal val="visible"/>
+                                      </p:to>
+                                    </p:set>
+                                  </p:childTnLst>
+                                </p:cTn>
+                              </p:par>
+                            </p:childTnLst>
+                          </p:cTn>
+                        </p:par>
+                      </p:childTnLst>
+                    </p:cTn>
+                  </p:par>
+                  <p:par>
+                    <p:cTn id="21" fill="hold">
+                      <p:stCondLst>
+                        <p:cond delay="indefinite"/>
+                      </p:stCondLst>
+                      <p:childTnLst>
+                        <p:par>
+                          <p:cTn id="22" fill="hold">
+                            <p:stCondLst>
+                              <p:cond delay="0"/>
+                            </p:stCondLst>
+                            <p:childTnLst>
+                              <p:par>
+                                <p:cTn id="23" presetID="1" presetClass="entr" presetSubtype="0" fill="hold" grpId="0" nodeType="clickEffect">
+                                  <p:stCondLst>
+                                    <p:cond delay="0"/>
+                                  </p:stCondLst>
+                                  <p:childTnLst>
+                                    <p:set>
+                                      <p:cBhvr>
+                                        <p:cTn id="24" dur="1" fill="hold">
+                                          <p:stCondLst>
+                                            <p:cond delay="0"/>
+                                          </p:stCondLst>
+                                        </p:cTn>
+                                        <p:tgtEl>
+                                          <p:spTgt spid="11"/>
+                                        </p:tgtEl>
+                                        <p:attrNameLst>
+                                          <p:attrName>style.visibility</p:attrName>
+                                        </p:attrNameLst>
+                                      </p:cBhvr>
+                                      <p:to>
+                                        <p:strVal val="visible"/>
+                                      </p:to>
+                                    </p:set>
+                                  </p:childTnLst>
+                                </p:cTn>
+                              </p:par>
+                              <p:par>
+                                <p:cTn id="25" presetID="1" presetClass="entr" presetSubtype="0" fill="hold" grpId="0" nodeType="withEffect">
+                                  <p:stCondLst>
+                                    <p:cond delay="0"/>
+                                  </p:stCondLst>
+                                  <p:childTnLst>
+                                    <p:set>
+                                      <p:cBhvr>
+                                        <p:cTn id="26" dur="1" fill="hold">
+                                          <p:stCondLst>
+                                            <p:cond delay="0"/>
+                                          </p:stCondLst>
+                                        </p:cTn>
+                                        <p:tgtEl>
+                                          <p:spTgt spid="10"/>
+                                        </p:tgtEl>
+                                        <p:attrNameLst>
+                                          <p:attrName>style.visibility</p:attrName>
+                                        </p:attrNameLst>
+                                      </p:cBhvr>
+                                      <p:to>
+                                        <p:strVal val="visible"/>
+                                      </p:to>
+                                    </p:set>
+                                  </p:childTnLst>
+                                </p:cTn>
+                              </p:par>
+                            </p:childTnLst>
+                          </p:cTn>
+                        </p:par>
+                      </p:childTnLst>
+                    </p:cTn>
+                  </p:par>
+                  <p:par>
+                    <p:cTn id="27" fill="hold">
+                      <p:stCondLst>
+                        <p:cond delay="indefinite"/>
+                      </p:stCondLst>
+                      <p:childTnLst>
+                        <p:par>
+                          <p:cTn id="28" fill="hold">
+                            <p:stCondLst>
+                              <p:cond delay="0"/>
+                            </p:stCondLst>
+                            <p:childTnLst>
+                              <p:par>
+                                <p:cTn id="29" presetID="1" presetClass="entr" presetSubtype="0" fill="hold" grpId="0" nodeType="clickEffect">
+                                  <p:stCondLst>
+                                    <p:cond delay="0"/>
+                                  </p:stCondLst>
+                                  <p:childTnLst>
+                                    <p:set>
+                                      <p:cBhvr>
+                                        <p:cTn id="30" dur="1" fill="hold">
+                                          <p:stCondLst>
+                                            <p:cond delay="0"/>
+                                          </p:stCondLst>
+                                        </p:cTn>
+                                        <p:tgtEl>
+                                          <p:spTgt spid="13"/>
+                                        </p:tgtEl>
+                                        <p:attrNameLst>
+                                          <p:attrName>style.visibility</p:attrName>
+                                        </p:attrNameLst>
+                                      </p:cBhvr>
+                                      <p:to>
+                                        <p:strVal val="visible"/>
+                                      </p:to>
+                                    </p:set>
+                                  </p:childTnLst>
+                                </p:cTn>
+                              </p:par>
+                            </p:childTnLst>
+                          </p:cTn>
+                        </p:par>
+                      </p:childTnLst>
+                    </p:cTn>
+                  </p:par>
+                  <p:par>
+                    <p:cTn id="31" fill="hold">
+                      <p:stCondLst>
+                        <p:cond delay="indefinite"/>
+                      </p:stCondLst>
+                      <p:childTnLst>
+                        <p:par>
+                          <p:cTn id="32" fill="hold">
+                            <p:stCondLst>
+                              <p:cond delay="0"/>
+                            </p:stCondLst>
+                            <p:childTnLst>
+                              <p:par>
+                                <p:cTn id="33" presetID="1" presetClass="entr" presetSubtype="0" fill="hold" grpId="0" nodeType="clickEffect">
+                                  <p:stCondLst>
+                                    <p:cond delay="0"/>
+                                  </p:stCondLst>
+                                  <p:childTnLst>
+                                    <p:set>
+                                      <p:cBhvr>
+                                        <p:cTn id="34" dur="1" fill="hold">
+                                          <p:stCondLst>
+                                            <p:cond delay="0"/>
+                                          </p:stCondLst>
+                                        </p:cTn>
+                                        <p:tgtEl>
+                                          <p:spTgt spid="15"/>
+                                        </p:tgtEl>
+                                        <p:attrNameLst>
+                                          <p:attrName>style.visibility</p:attrName>
+                                        </p:attrNameLst>
+                                      </p:cBhvr>
+                                      <p:to>
+                                        <p:strVal val="visible"/>
+                                      </p:to>
+                                    </p:set>
+                                  </p:childTnLst>
+                                </p:cTn>
+                              </p:par>
+                            </p:childTnLst>
+                          </p:cTn>
+                        </p:par>
+                      </p:childTnLst>
+                    </p:cTn>
+                  </p:par>
+                </p:childTnLst>
+              </p:cTn>
+              <p:prevCondLst>
+                <p:cond evt="onPrev" delay="0">
+                  <p:tgtEl>
+                    <p:sldTgt/>
+                  </p:tgtEl>
+                </p:cond>
+              </p:prevCondLst>
+              <p:nextCondLst>
+                <p:cond evt="onNext" delay="0">
+                  <p:tgtEl>
+                    <p:sldTgt/>
+                  </p:tgtEl>
+                </p:cond>
+              </p:nextCondLst>
+            </p:seq>
+          </p:childTnLst>
+        </p:cTn>
+      </p:par>
+    </p:tnLst>
+    <p:bldLst>
+      <p:bldP spid="4" grpId="0"/>
+      <p:bldP spid="6" grpId="0"/>
+      <p:bldP spid="8" grpId="0"/>
+      <p:bldP spid="10" grpId="0"/>
+      <p:bldP spid="11" grpId="0" animBg="1"/>
+      <p:bldP spid="13" grpId="0"/>
+      <p:bldP spid="15" grpId="0"/>
+    </p:bldLst>
+  </p:timing>
+</p:sld>
+</file>
+
+<file path=ppt/slides/slide8.xml><?xml version="1.0" encoding="utf-8"?>
+<p:sld xmlns:a="http://schemas.openxmlformats.org/drawingml/2006/main" xmlns:r="http://schemas.openxmlformats.org/officeDocument/2006/relationships" xmlns:p="http://schemas.openxmlformats.org/presentationml/2006/main">
+  <p:cSld>
+    <p:bg>
+      <p:bgPr>
+        <a:solidFill>
+          <a:schemeClr val="bg2"/>
+        </a:solidFill>
+        <a:effectLst/>
+      </p:bgPr>
+    </p:bg>
+    <p:spTree>
+      <p:nvGrpSpPr>
+        <p:cNvPr id="1" name=""/>
+        <p:cNvGrpSpPr/>
+        <p:nvPr/>
+      </p:nvGrpSpPr>
+      <p:grpSpPr>
+        <a:xfrm>
+          <a:off x="0" y="0"/>
+          <a:ext cx="0" cy="0"/>
+          <a:chOff x="0" y="0"/>
+          <a:chExt cx="0" cy="0"/>
+        </a:xfrm>
+      </p:grpSpPr>
+      <p:sp>
+        <p:nvSpPr>
+          <p:cNvPr id="13" name="Freeform 6">
+            <a:extLst>
+              <a:ext uri="{FF2B5EF4-FFF2-40B4-BE49-F238E27FC236}">
+                <a16:creationId xmlns:a16="http://schemas.microsoft.com/office/drawing/2014/main" id="{E446B7E6-8568-417F-959E-DB3D1E70F648}"/>
+              </a:ext>
+              <a:ext uri="{C183D7F6-B498-43B3-948B-1728B52AA6E4}">
+                <adec:decorative xmlns="" xmlns:adec="http://schemas.microsoft.com/office/drawing/2017/decorative" val="1"/>
+              </a:ext>
+            </a:extLst>
+          </p:cNvPr>
+          <p:cNvSpPr>
+            <a:spLocks noGrp="1" noRot="1" noChangeAspect="1" noMove="1" noResize="1" noEditPoints="1" noAdjustHandles="1" noChangeArrowheads="1" noChangeShapeType="1" noTextEdit="1"/>
+          </p:cNvSpPr>
+          <p:nvPr>
+            <p:extLst>
+              <p:ext uri="{386F3935-93C4-4BCD-93E2-E3B085C9AB24}">
+                <p16:designElem xmlns:p16="http://schemas.microsoft.com/office/powerpoint/2015/main" val="1"/>
+              </p:ext>
+            </p:extLst>
+          </p:nvPr>
+        </p:nvSpPr>
+        <p:spPr bwMode="auto">
+          <a:xfrm>
+            <a:off x="0" y="-3175"/>
+            <a:ext cx="12192000" cy="5203825"/>
+          </a:xfrm>
+          <a:custGeom>
+            <a:avLst/>
+            <a:gdLst/>
+            <a:ahLst/>
+            <a:cxnLst/>
+            <a:rect l="0" t="0" r="r" b="b"/>
+            <a:pathLst>
+              <a:path w="5760" h="3278">
+                <a:moveTo>
+                  <a:pt x="5760" y="0"/>
+                </a:moveTo>
+                <a:lnTo>
+                  <a:pt x="0" y="0"/>
+                </a:lnTo>
+                <a:lnTo>
+                  <a:pt x="0" y="3090"/>
+                </a:lnTo>
+                <a:lnTo>
+                  <a:pt x="943" y="3090"/>
+                </a:lnTo>
+                <a:lnTo>
+                  <a:pt x="1123" y="3270"/>
+                </a:lnTo>
+                <a:lnTo>
+                  <a:pt x="1123" y="3270"/>
+                </a:lnTo>
+                <a:lnTo>
+                  <a:pt x="1127" y="3272"/>
+                </a:lnTo>
+                <a:lnTo>
+                  <a:pt x="1133" y="3275"/>
+                </a:lnTo>
+                <a:lnTo>
+                  <a:pt x="1139" y="3278"/>
+                </a:lnTo>
+                <a:lnTo>
+                  <a:pt x="1144" y="3278"/>
+                </a:lnTo>
+                <a:lnTo>
+                  <a:pt x="1150" y="3278"/>
+                </a:lnTo>
+                <a:lnTo>
+                  <a:pt x="1155" y="3275"/>
+                </a:lnTo>
+                <a:lnTo>
+                  <a:pt x="1161" y="3272"/>
+                </a:lnTo>
+                <a:lnTo>
+                  <a:pt x="1165" y="3270"/>
+                </a:lnTo>
+                <a:lnTo>
+                  <a:pt x="1345" y="3090"/>
+                </a:lnTo>
+                <a:lnTo>
+                  <a:pt x="5760" y="3090"/>
+                </a:lnTo>
+                <a:lnTo>
+                  <a:pt x="5760" y="0"/>
+                </a:lnTo>
+                <a:close/>
+              </a:path>
+            </a:pathLst>
+          </a:custGeom>
+          <a:ln/>
+          <a:effectLst/>
+          <a:extLst>
+            <a:ext uri="{91240B29-F687-4f45-9708-019B960494DF}">
+              <a14:hiddenLine xmlns="" xmlns:a16="http://schemas.microsoft.com/office/drawing/2014/main" xmlns:a14="http://schemas.microsoft.com/office/drawing/2010/main" xmlns:p14="http://schemas.microsoft.com/office/powerpoint/2010/main" w="9525">
+                <a:solidFill>
+                  <a:srgbClr val="000000"/>
+                </a:solidFill>
+                <a:round/>
+                <a:headEnd/>
+                <a:tailEnd/>
+              </a14:hiddenLine>
+            </a:ext>
+          </a:extLst>
+        </p:spPr>
+        <p:style>
+          <a:lnRef idx="1">
+            <a:schemeClr val="accent1"/>
+          </a:lnRef>
+          <a:fillRef idx="3">
+            <a:schemeClr val="accent1"/>
+          </a:fillRef>
+          <a:effectRef idx="2">
+            <a:schemeClr val="accent1"/>
+          </a:effectRef>
+          <a:fontRef idx="minor">
+            <a:schemeClr val="lt1"/>
+          </a:fontRef>
+        </p:style>
+      </p:sp>
+      <p:pic>
+        <p:nvPicPr>
+          <p:cNvPr id="4" name="圖片 3">
+            <a:extLst>
+              <a:ext uri="{FF2B5EF4-FFF2-40B4-BE49-F238E27FC236}">
+                <a16:creationId xmlns:a16="http://schemas.microsoft.com/office/drawing/2014/main" id="{1F6A9245-43C9-4439-BD27-B77B257A1EF6}"/>
+              </a:ext>
+            </a:extLst>
+          </p:cNvPr>
+          <p:cNvPicPr>
+            <a:picLocks noChangeAspect="1"/>
+          </p:cNvPicPr>
+          <p:nvPr/>
+        </p:nvPicPr>
+        <p:blipFill rotWithShape="1">
+          <a:blip r:embed="rId2"/>
+          <a:srcRect t="25437" b="8580"/>
+          <a:stretch/>
+        </p:blipFill>
+        <p:spPr>
+          <a:xfrm>
+            <a:off x="20" y="10"/>
+            <a:ext cx="12191980" cy="6857989"/>
+          </a:xfrm>
+          <a:prstGeom prst="rect">
+            <a:avLst/>
+          </a:prstGeom>
+        </p:spPr>
+      </p:pic>
+      <p:sp>
+        <p:nvSpPr>
+          <p:cNvPr id="14" name="Freeform 6">
+            <a:extLst>
+              <a:ext uri="{FF2B5EF4-FFF2-40B4-BE49-F238E27FC236}">
+                <a16:creationId xmlns:a16="http://schemas.microsoft.com/office/drawing/2014/main" id="{9D1A3D83-39F0-4366-BB12-3C5732003D55}"/>
+              </a:ext>
+              <a:ext uri="{C183D7F6-B498-43B3-948B-1728B52AA6E4}">
+                <adec:decorative xmlns="" xmlns:adec="http://schemas.microsoft.com/office/drawing/2017/decorative" val="1"/>
+              </a:ext>
+            </a:extLst>
+          </p:cNvPr>
+          <p:cNvSpPr>
+            <a:spLocks noGrp="1" noRot="1" noChangeAspect="1" noMove="1" noResize="1" noEditPoints="1" noAdjustHandles="1" noChangeArrowheads="1" noChangeShapeType="1" noTextEdit="1"/>
+          </p:cNvSpPr>
+          <p:nvPr>
+            <p:extLst>
+              <p:ext uri="{386F3935-93C4-4BCD-93E2-E3B085C9AB24}">
+                <p16:designElem xmlns:p16="http://schemas.microsoft.com/office/powerpoint/2015/main" val="1"/>
+              </p:ext>
+            </p:extLst>
+          </p:nvPr>
+        </p:nvSpPr>
+        <p:spPr bwMode="auto">
+          <a:xfrm>
+            <a:off x="5406897" y="2935656"/>
+            <a:ext cx="6332416" cy="3239188"/>
+          </a:xfrm>
+          <a:custGeom>
+            <a:avLst/>
+            <a:gdLst/>
+            <a:ahLst/>
+            <a:cxnLst/>
+            <a:rect l="0" t="0" r="r" b="b"/>
+            <a:pathLst>
+              <a:path w="3384" h="2308">
+                <a:moveTo>
+                  <a:pt x="3340" y="0"/>
+                </a:moveTo>
+                <a:lnTo>
+                  <a:pt x="44" y="0"/>
+                </a:lnTo>
+                <a:lnTo>
+                  <a:pt x="44" y="0"/>
+                </a:lnTo>
+                <a:lnTo>
+                  <a:pt x="34" y="0"/>
+                </a:lnTo>
+                <a:lnTo>
+                  <a:pt x="26" y="4"/>
+                </a:lnTo>
+                <a:lnTo>
+                  <a:pt x="20" y="8"/>
+                </a:lnTo>
+                <a:lnTo>
+                  <a:pt x="12" y="12"/>
+                </a:lnTo>
+                <a:lnTo>
+                  <a:pt x="8" y="20"/>
+                </a:lnTo>
+                <a:lnTo>
+                  <a:pt x="4" y="26"/>
+                </a:lnTo>
+                <a:lnTo>
+                  <a:pt x="0" y="34"/>
+                </a:lnTo>
+                <a:lnTo>
+                  <a:pt x="0" y="44"/>
+                </a:lnTo>
+                <a:lnTo>
+                  <a:pt x="0" y="2076"/>
+                </a:lnTo>
+                <a:lnTo>
+                  <a:pt x="0" y="2076"/>
+                </a:lnTo>
+                <a:lnTo>
+                  <a:pt x="0" y="2086"/>
+                </a:lnTo>
+                <a:lnTo>
+                  <a:pt x="4" y="2094"/>
+                </a:lnTo>
+                <a:lnTo>
+                  <a:pt x="8" y="2100"/>
+                </a:lnTo>
+                <a:lnTo>
+                  <a:pt x="12" y="2108"/>
+                </a:lnTo>
+                <a:lnTo>
+                  <a:pt x="20" y="2112"/>
+                </a:lnTo>
+                <a:lnTo>
+                  <a:pt x="26" y="2116"/>
+                </a:lnTo>
+                <a:lnTo>
+                  <a:pt x="34" y="2120"/>
+                </a:lnTo>
+                <a:lnTo>
+                  <a:pt x="44" y="2120"/>
+                </a:lnTo>
+                <a:lnTo>
+                  <a:pt x="474" y="2120"/>
+                </a:lnTo>
+                <a:lnTo>
+                  <a:pt x="650" y="2296"/>
+                </a:lnTo>
+                <a:lnTo>
+                  <a:pt x="650" y="2296"/>
+                </a:lnTo>
+                <a:lnTo>
+                  <a:pt x="656" y="2300"/>
+                </a:lnTo>
+                <a:lnTo>
+                  <a:pt x="664" y="2304"/>
+                </a:lnTo>
+                <a:lnTo>
+                  <a:pt x="672" y="2308"/>
+                </a:lnTo>
+                <a:lnTo>
+                  <a:pt x="680" y="2308"/>
+                </a:lnTo>
+                <a:lnTo>
+                  <a:pt x="688" y="2308"/>
+                </a:lnTo>
+                <a:lnTo>
+                  <a:pt x="696" y="2304"/>
+                </a:lnTo>
+                <a:lnTo>
+                  <a:pt x="704" y="2300"/>
+                </a:lnTo>
+                <a:lnTo>
+                  <a:pt x="710" y="2296"/>
+                </a:lnTo>
+                <a:lnTo>
+                  <a:pt x="886" y="2120"/>
+                </a:lnTo>
+                <a:lnTo>
+                  <a:pt x="3340" y="2120"/>
+                </a:lnTo>
+                <a:lnTo>
+                  <a:pt x="3340" y="2120"/>
+                </a:lnTo>
+                <a:lnTo>
+                  <a:pt x="3350" y="2120"/>
+                </a:lnTo>
+                <a:lnTo>
+                  <a:pt x="3358" y="2116"/>
+                </a:lnTo>
+                <a:lnTo>
+                  <a:pt x="3364" y="2112"/>
+                </a:lnTo>
+                <a:lnTo>
+                  <a:pt x="3372" y="2108"/>
+                </a:lnTo>
+                <a:lnTo>
+                  <a:pt x="3376" y="2100"/>
+                </a:lnTo>
+                <a:lnTo>
+                  <a:pt x="3380" y="2094"/>
+                </a:lnTo>
+                <a:lnTo>
+                  <a:pt x="3384" y="2086"/>
+                </a:lnTo>
+                <a:lnTo>
+                  <a:pt x="3384" y="2076"/>
+                </a:lnTo>
+                <a:lnTo>
+                  <a:pt x="3384" y="44"/>
+                </a:lnTo>
+                <a:lnTo>
+                  <a:pt x="3384" y="44"/>
+                </a:lnTo>
+                <a:lnTo>
+                  <a:pt x="3384" y="34"/>
+                </a:lnTo>
+                <a:lnTo>
+                  <a:pt x="3380" y="26"/>
+                </a:lnTo>
+                <a:lnTo>
+                  <a:pt x="3376" y="20"/>
+                </a:lnTo>
+                <a:lnTo>
+                  <a:pt x="3372" y="12"/>
+                </a:lnTo>
+                <a:lnTo>
+                  <a:pt x="3364" y="8"/>
+                </a:lnTo>
+                <a:lnTo>
+                  <a:pt x="3358" y="4"/>
+                </a:lnTo>
+                <a:lnTo>
+                  <a:pt x="3350" y="0"/>
+                </a:lnTo>
+                <a:lnTo>
+                  <a:pt x="3340" y="0"/>
+                </a:lnTo>
+                <a:lnTo>
+                  <a:pt x="3340" y="0"/>
+                </a:lnTo>
+                <a:close/>
+              </a:path>
+            </a:pathLst>
+          </a:custGeom>
+          <a:ln>
+            <a:solidFill>
+              <a:schemeClr val="accent1"/>
+            </a:solidFill>
+          </a:ln>
+        </p:spPr>
+        <p:style>
+          <a:lnRef idx="1">
+            <a:schemeClr val="accent1"/>
+          </a:lnRef>
+          <a:fillRef idx="3">
+            <a:schemeClr val="accent1"/>
+          </a:fillRef>
+          <a:effectRef idx="2">
+            <a:schemeClr val="accent1"/>
+          </a:effectRef>
+          <a:fontRef idx="minor">
+            <a:schemeClr val="lt1"/>
+          </a:fontRef>
+        </p:style>
+      </p:sp>
+      <p:sp>
+        <p:nvSpPr>
+          <p:cNvPr id="2" name="標題 1">
+            <a:extLst>
+              <a:ext uri="{FF2B5EF4-FFF2-40B4-BE49-F238E27FC236}">
+                <a16:creationId xmlns:a16="http://schemas.microsoft.com/office/drawing/2014/main" id="{835AEFCC-A00F-428A-8E86-8ADEF3B81B01}"/>
+              </a:ext>
+            </a:extLst>
+          </p:cNvPr>
+          <p:cNvSpPr>
+            <a:spLocks noGrp="1"/>
+          </p:cNvSpPr>
+          <p:nvPr>
+            <p:ph type="title"/>
+          </p:nvPr>
+        </p:nvSpPr>
+        <p:spPr>
+          <a:xfrm>
+            <a:off x="5723467" y="3251199"/>
+            <a:ext cx="5706533" cy="1947929"/>
+          </a:xfrm>
+        </p:spPr>
+        <p:txBody>
+          <a:bodyPr vert="horz" lIns="91440" tIns="45720" rIns="91440" bIns="45720" rtlCol="0" anchor="b">
+            <a:normAutofit/>
+          </a:bodyPr>
+          <a:lstStyle/>
+          <a:p>
+            <a:r>
+              <a:rPr lang="en-US" altLang="zh-TW" dirty="0"/>
+              <a:t>add commit</a:t>
+            </a:r>
+            <a:r>
+              <a:rPr lang="zh-TW" altLang="en-US" dirty="0"/>
+              <a:t>狀態圖補充</a:t>
+            </a:r>
+          </a:p>
+        </p:txBody>
+      </p:sp>
+      <p:sp>
+        <p:nvSpPr>
+          <p:cNvPr id="5" name="矩形 4">
+            <a:extLst>
+              <a:ext uri="{FF2B5EF4-FFF2-40B4-BE49-F238E27FC236}">
+                <a16:creationId xmlns:a16="http://schemas.microsoft.com/office/drawing/2014/main" id="{8C28D189-F4B5-4D5C-9B92-0571C66FB48A}"/>
+              </a:ext>
+            </a:extLst>
+          </p:cNvPr>
+          <p:cNvSpPr/>
+          <p:nvPr/>
+        </p:nvSpPr>
+        <p:spPr>
+          <a:xfrm>
+            <a:off x="0" y="3108960"/>
+            <a:ext cx="5288437" cy="1828800"/>
+          </a:xfrm>
+          <a:prstGeom prst="rect">
+            <a:avLst/>
+          </a:prstGeom>
+          <a:noFill/>
+          <a:ln w="38100" cap="flat" cmpd="sng" algn="ctr">
+            <a:solidFill>
+              <a:schemeClr val="accent6"/>
+            </a:solidFill>
+            <a:prstDash val="solid"/>
+            <a:round/>
+            <a:headEnd type="none" w="med" len="med"/>
+            <a:tailEnd type="none" w="med" len="med"/>
+          </a:ln>
+        </p:spPr>
+        <p:style>
+          <a:lnRef idx="0">
+            <a:scrgbClr r="0" g="0" b="0"/>
+          </a:lnRef>
+          <a:fillRef idx="0">
+            <a:scrgbClr r="0" g="0" b="0"/>
+          </a:fillRef>
+          <a:effectRef idx="0">
+            <a:scrgbClr r="0" g="0" b="0"/>
+          </a:effectRef>
+          <a:fontRef idx="minor">
+            <a:schemeClr val="accent6"/>
+          </a:fontRef>
+        </p:style>
+        <p:txBody>
+          <a:bodyPr rtlCol="0" anchor="ctr"/>
+          <a:lstStyle/>
+          <a:p>
+            <a:pPr algn="ctr"/>
+            <a:endParaRPr lang="zh-TW" altLang="en-US"/>
+          </a:p>
+        </p:txBody>
+      </p:sp>
+      <p:sp>
+        <p:nvSpPr>
+          <p:cNvPr id="6" name="矩形 5">
+            <a:extLst>
+              <a:ext uri="{FF2B5EF4-FFF2-40B4-BE49-F238E27FC236}">
+                <a16:creationId xmlns:a16="http://schemas.microsoft.com/office/drawing/2014/main" id="{F3A5A6A9-27A5-411F-B106-BEDD39464836}"/>
+              </a:ext>
+            </a:extLst>
+          </p:cNvPr>
+          <p:cNvSpPr/>
+          <p:nvPr/>
+        </p:nvSpPr>
+        <p:spPr>
+          <a:xfrm>
+            <a:off x="0" y="5750351"/>
+            <a:ext cx="5288437" cy="923826"/>
+          </a:xfrm>
+          <a:prstGeom prst="rect">
+            <a:avLst/>
+          </a:prstGeom>
+          <a:noFill/>
+          <a:ln w="38100" cap="flat" cmpd="sng" algn="ctr">
+            <a:solidFill>
+              <a:schemeClr val="accent6"/>
+            </a:solidFill>
+            <a:prstDash val="solid"/>
+            <a:round/>
+            <a:headEnd type="none" w="med" len="med"/>
+            <a:tailEnd type="none" w="med" len="med"/>
+          </a:ln>
+        </p:spPr>
+        <p:style>
+          <a:lnRef idx="0">
+            <a:scrgbClr r="0" g="0" b="0"/>
+          </a:lnRef>
+          <a:fillRef idx="0">
+            <a:scrgbClr r="0" g="0" b="0"/>
+          </a:fillRef>
+          <a:effectRef idx="0">
+            <a:scrgbClr r="0" g="0" b="0"/>
+          </a:effectRef>
+          <a:fontRef idx="minor">
+            <a:schemeClr val="accent6"/>
+          </a:fontRef>
+        </p:style>
+        <p:txBody>
+          <a:bodyPr rtlCol="0" anchor="ctr"/>
+          <a:lstStyle/>
+          <a:p>
+            <a:pPr algn="ctr"/>
+            <a:endParaRPr lang="zh-TW" altLang="en-US"/>
+          </a:p>
+        </p:txBody>
+      </p:sp>
+    </p:spTree>
+    <p:extLst>
+      <p:ext uri="{BB962C8B-B14F-4D97-AF65-F5344CB8AC3E}">
+        <p14:creationId xmlns:p14="http://schemas.microsoft.com/office/powerpoint/2010/main" val="287845517"/>
+      </p:ext>
+    </p:extLst>
+  </p:cSld>
+  <p:clrMapOvr>
+    <a:masterClrMapping/>
+  </p:clrMapOvr>
+</p:sld>
+</file>
+
+<file path=ppt/slides/slide9.xml><?xml version="1.0" encoding="utf-8"?>
+<p:sld xmlns:a="http://schemas.openxmlformats.org/drawingml/2006/main" xmlns:r="http://schemas.openxmlformats.org/officeDocument/2006/relationships" xmlns:p="http://schemas.openxmlformats.org/presentationml/2006/main">
+  <p:cSld>
+    <p:spTree>
+      <p:nvGrpSpPr>
+        <p:cNvPr id="1" name=""/>
+        <p:cNvGrpSpPr/>
+        <p:nvPr/>
+      </p:nvGrpSpPr>
+      <p:grpSpPr>
+        <a:xfrm>
+          <a:off x="0" y="0"/>
+          <a:ext cx="0" cy="0"/>
+          <a:chOff x="0" y="0"/>
+          <a:chExt cx="0" cy="0"/>
+        </a:xfrm>
+      </p:grpSpPr>
+      <p:sp>
+        <p:nvSpPr>
+          <p:cNvPr id="2" name="標題 1">
+            <a:extLst>
+              <a:ext uri="{FF2B5EF4-FFF2-40B4-BE49-F238E27FC236}">
+                <a16:creationId xmlns:a16="http://schemas.microsoft.com/office/drawing/2014/main" id="{4C08F29D-197D-462A-85FE-52DAFEF80C2A}"/>
+              </a:ext>
+            </a:extLst>
+          </p:cNvPr>
+          <p:cNvSpPr>
+            <a:spLocks noGrp="1"/>
+          </p:cNvSpPr>
+          <p:nvPr>
+            <p:ph type="title"/>
+          </p:nvPr>
+        </p:nvSpPr>
+        <p:spPr/>
+        <p:txBody>
+          <a:bodyPr/>
+          <a:lstStyle/>
+          <a:p>
+            <a:r>
+              <a:rPr lang="zh-TW" altLang="en-US" dirty="0"/>
+              <a:t>將本地的版本更新到</a:t>
+            </a:r>
+            <a:r>
+              <a:rPr lang="en-US" altLang="zh-TW" dirty="0"/>
+              <a:t>GitHub</a:t>
+            </a:r>
+            <a:r>
+              <a:rPr lang="zh-TW" altLang="en-US" dirty="0"/>
+              <a:t>上面</a:t>
+            </a:r>
+          </a:p>
+        </p:txBody>
+      </p:sp>
+      <p:sp>
+        <p:nvSpPr>
+          <p:cNvPr id="4" name="文字方塊 3">
+            <a:extLst>
+              <a:ext uri="{FF2B5EF4-FFF2-40B4-BE49-F238E27FC236}">
+                <a16:creationId xmlns:a16="http://schemas.microsoft.com/office/drawing/2014/main" id="{E7E559D5-0EEC-4D5D-9A2F-1684746F6487}"/>
+              </a:ext>
+            </a:extLst>
+          </p:cNvPr>
+          <p:cNvSpPr txBox="1"/>
+          <p:nvPr/>
+        </p:nvSpPr>
+        <p:spPr>
+          <a:xfrm>
+            <a:off x="187831" y="2102177"/>
+            <a:ext cx="3912829" cy="369332"/>
+          </a:xfrm>
+          <a:prstGeom prst="rect">
+            <a:avLst/>
+          </a:prstGeom>
+          <a:noFill/>
+        </p:spPr>
+        <p:txBody>
+          <a:bodyPr wrap="square" rtlCol="0">
+            <a:spAutoFit/>
+          </a:bodyPr>
+          <a:lstStyle/>
+          <a:p>
+            <a:r>
+              <a:rPr lang="zh-TW" altLang="en-US" dirty="0"/>
+              <a:t>先來看看現在</a:t>
+            </a:r>
+            <a:r>
+              <a:rPr lang="en-US" altLang="zh-TW" dirty="0"/>
+              <a:t>GitHub</a:t>
+            </a:r>
+            <a:r>
+              <a:rPr lang="zh-TW" altLang="en-US" dirty="0"/>
+              <a:t>上面的狀況吧</a:t>
+            </a:r>
+          </a:p>
+        </p:txBody>
+      </p:sp>
+      <p:pic>
+        <p:nvPicPr>
+          <p:cNvPr id="7" name="圖片 6">
+            <a:extLst>
+              <a:ext uri="{FF2B5EF4-FFF2-40B4-BE49-F238E27FC236}">
+                <a16:creationId xmlns:a16="http://schemas.microsoft.com/office/drawing/2014/main" id="{08FE64C7-BF52-4B97-A65C-2DD480583690}"/>
+              </a:ext>
+            </a:extLst>
+          </p:cNvPr>
+          <p:cNvPicPr>
+            <a:picLocks noChangeAspect="1"/>
+          </p:cNvPicPr>
+          <p:nvPr/>
+        </p:nvPicPr>
+        <p:blipFill rotWithShape="1">
+          <a:blip r:embed="rId2"/>
+          <a:srcRect l="16314" t="47955" r="17654" b="9047"/>
+          <a:stretch/>
+        </p:blipFill>
+        <p:spPr>
+          <a:xfrm>
+            <a:off x="187831" y="2697753"/>
+            <a:ext cx="5835897" cy="2289027"/>
+          </a:xfrm>
+          <a:prstGeom prst="rect">
+            <a:avLst/>
+          </a:prstGeom>
+        </p:spPr>
+      </p:pic>
+      <p:sp>
+        <p:nvSpPr>
+          <p:cNvPr id="8" name="文字方塊 7">
+            <a:extLst>
+              <a:ext uri="{FF2B5EF4-FFF2-40B4-BE49-F238E27FC236}">
+                <a16:creationId xmlns:a16="http://schemas.microsoft.com/office/drawing/2014/main" id="{FD37322B-5202-4729-AC61-C4D52119DC3C}"/>
+              </a:ext>
+            </a:extLst>
+          </p:cNvPr>
+          <p:cNvSpPr txBox="1"/>
+          <p:nvPr/>
+        </p:nvSpPr>
+        <p:spPr>
+          <a:xfrm>
+            <a:off x="6230412" y="2073896"/>
+            <a:ext cx="1519968" cy="369332"/>
+          </a:xfrm>
+          <a:prstGeom prst="rect">
+            <a:avLst/>
+          </a:prstGeom>
+          <a:noFill/>
+        </p:spPr>
+        <p:txBody>
+          <a:bodyPr wrap="none" rtlCol="0">
+            <a:spAutoFit/>
+          </a:bodyPr>
+          <a:lstStyle/>
+          <a:p>
+            <a:r>
+              <a:rPr lang="zh-TW" altLang="en-US" dirty="0"/>
+              <a:t>使用</a:t>
+            </a:r>
+            <a:r>
+              <a:rPr lang="en-US" altLang="zh-TW" dirty="0"/>
+              <a:t>git push</a:t>
+            </a:r>
+            <a:endParaRPr lang="zh-TW" altLang="en-US" dirty="0"/>
+          </a:p>
+        </p:txBody>
+      </p:sp>
+      <p:pic>
+        <p:nvPicPr>
+          <p:cNvPr id="9" name="圖片 8">
+            <a:extLst>
+              <a:ext uri="{FF2B5EF4-FFF2-40B4-BE49-F238E27FC236}">
+                <a16:creationId xmlns:a16="http://schemas.microsoft.com/office/drawing/2014/main" id="{04D77D19-0F5D-424A-A35D-8D7DD62DC68F}"/>
+              </a:ext>
+            </a:extLst>
+          </p:cNvPr>
+          <p:cNvPicPr>
+            <a:picLocks noChangeAspect="1"/>
+          </p:cNvPicPr>
+          <p:nvPr/>
+        </p:nvPicPr>
+        <p:blipFill rotWithShape="1">
+          <a:blip r:embed="rId3"/>
+          <a:srcRect l="307" t="82434" r="48213"/>
+          <a:stretch/>
+        </p:blipFill>
+        <p:spPr>
+          <a:xfrm>
+            <a:off x="6230412" y="2556351"/>
+            <a:ext cx="5906311" cy="1715678"/>
+          </a:xfrm>
+          <a:prstGeom prst="rect">
+            <a:avLst/>
+          </a:prstGeom>
+        </p:spPr>
+      </p:pic>
+      <p:sp>
+        <p:nvSpPr>
+          <p:cNvPr id="10" name="文字方塊 9">
+            <a:extLst>
+              <a:ext uri="{FF2B5EF4-FFF2-40B4-BE49-F238E27FC236}">
+                <a16:creationId xmlns:a16="http://schemas.microsoft.com/office/drawing/2014/main" id="{72AB251A-7453-4137-968B-FF8D04456A60}"/>
+              </a:ext>
+            </a:extLst>
+          </p:cNvPr>
+          <p:cNvSpPr txBox="1"/>
+          <p:nvPr/>
+        </p:nvSpPr>
+        <p:spPr>
+          <a:xfrm>
+            <a:off x="187830" y="5213024"/>
+            <a:ext cx="3912829" cy="369332"/>
+          </a:xfrm>
+          <a:prstGeom prst="rect">
+            <a:avLst/>
+          </a:prstGeom>
+          <a:noFill/>
+        </p:spPr>
+        <p:txBody>
+          <a:bodyPr wrap="square" rtlCol="0">
+            <a:spAutoFit/>
+          </a:bodyPr>
+          <a:lstStyle/>
+          <a:p>
+            <a:r>
+              <a:rPr lang="zh-TW" altLang="en-US" dirty="0"/>
+              <a:t>再來看看現在</a:t>
+            </a:r>
+            <a:r>
+              <a:rPr lang="en-US" altLang="zh-TW" dirty="0"/>
+              <a:t>GitHub</a:t>
+            </a:r>
+            <a:r>
+              <a:rPr lang="zh-TW" altLang="en-US" dirty="0"/>
+              <a:t>上面的狀況吧</a:t>
+            </a:r>
+          </a:p>
+        </p:txBody>
+      </p:sp>
+      <p:pic>
+        <p:nvPicPr>
+          <p:cNvPr id="11" name="圖片 10">
+            <a:extLst>
+              <a:ext uri="{FF2B5EF4-FFF2-40B4-BE49-F238E27FC236}">
+                <a16:creationId xmlns:a16="http://schemas.microsoft.com/office/drawing/2014/main" id="{9EBF981C-036C-4C4B-887E-F391CB95C022}"/>
+              </a:ext>
+            </a:extLst>
+          </p:cNvPr>
+          <p:cNvPicPr>
+            <a:picLocks noChangeAspect="1"/>
+          </p:cNvPicPr>
+          <p:nvPr/>
+        </p:nvPicPr>
+        <p:blipFill rotWithShape="1">
+          <a:blip r:embed="rId4"/>
+          <a:srcRect l="16701" t="48370" r="17500" b="5442"/>
+          <a:stretch/>
+        </p:blipFill>
+        <p:spPr>
+          <a:xfrm>
+            <a:off x="6230412" y="4385152"/>
+            <a:ext cx="5591894" cy="2188132"/>
+          </a:xfrm>
+          <a:prstGeom prst="rect">
+            <a:avLst/>
+          </a:prstGeom>
+        </p:spPr>
+      </p:pic>
+      <p:cxnSp>
+        <p:nvCxnSpPr>
+          <p:cNvPr id="13" name="直線單箭頭接點 12">
+            <a:extLst>
+              <a:ext uri="{FF2B5EF4-FFF2-40B4-BE49-F238E27FC236}">
+                <a16:creationId xmlns:a16="http://schemas.microsoft.com/office/drawing/2014/main" id="{51389563-1186-49E1-8389-384D81D82F79}"/>
+              </a:ext>
+            </a:extLst>
+          </p:cNvPr>
+          <p:cNvCxnSpPr>
+            <a:stCxn id="10" idx="3"/>
+          </p:cNvCxnSpPr>
+          <p:nvPr/>
+        </p:nvCxnSpPr>
+        <p:spPr>
+          <a:xfrm>
+            <a:off x="4100659" y="5397690"/>
+            <a:ext cx="1995340" cy="0"/>
+          </a:xfrm>
+          <a:prstGeom prst="straightConnector1">
+            <a:avLst/>
+          </a:prstGeom>
+          <a:ln>
+            <a:tailEnd type="triangle"/>
+          </a:ln>
+        </p:spPr>
+        <p:style>
+          <a:lnRef idx="3">
+            <a:schemeClr val="accent6"/>
+          </a:lnRef>
+          <a:fillRef idx="0">
+            <a:schemeClr val="accent6"/>
+          </a:fillRef>
+          <a:effectRef idx="2">
+            <a:schemeClr val="accent6"/>
+          </a:effectRef>
+          <a:fontRef idx="minor">
+            <a:schemeClr val="tx1"/>
+          </a:fontRef>
+        </p:style>
+      </p:cxnSp>
+    </p:spTree>
+    <p:extLst>
+      <p:ext uri="{BB962C8B-B14F-4D97-AF65-F5344CB8AC3E}">
+        <p14:creationId xmlns:p14="http://schemas.microsoft.com/office/powerpoint/2010/main" val="2262286336"/>
+      </p:ext>
+    </p:extLst>
+  </p:cSld>
+  <p:clrMapOvr>
+    <a:masterClrMapping/>
+  </p:clrMapOvr>
+  <p:timing>
+    <p:tnLst>
+      <p:par>
+        <p:cTn id="1" dur="indefinite" restart="never" nodeType="tmRoot">
+          <p:childTnLst>
+            <p:seq concurrent="1" nextAc="seek">
+              <p:cTn id="2" dur="indefinite" nodeType="mainSeq">
+                <p:childTnLst>
+                  <p:par>
+                    <p:cTn id="3" fill="hold">
+                      <p:stCondLst>
+                        <p:cond delay="indefinite"/>
+                      </p:stCondLst>
+                      <p:childTnLst>
+                        <p:par>
+                          <p:cTn id="4" fill="hold">
+                            <p:stCondLst>
+                              <p:cond delay="0"/>
+                            </p:stCondLst>
+                            <p:childTnLst>
+                              <p:par>
+                                <p:cTn id="5" presetID="1" presetClass="entr" presetSubtype="0" fill="hold" grpId="0" nodeType="clickEffect">
+                                  <p:stCondLst>
+                                    <p:cond delay="0"/>
+                                  </p:stCondLst>
+                                  <p:childTnLst>
+                                    <p:set>
+                                      <p:cBhvr>
+                                        <p:cTn id="6" dur="1" fill="hold">
+                                          <p:stCondLst>
+                                            <p:cond delay="0"/>
+                                          </p:stCondLst>
+                                        </p:cTn>
+                                        <p:tgtEl>
+                                          <p:spTgt spid="4"/>
+                                        </p:tgtEl>
+                                        <p:attrNameLst>
+                                          <p:attrName>style.visibility</p:attrName>
+                                        </p:attrNameLst>
+                                      </p:cBhvr>
+                                      <p:to>
+                                        <p:strVal val="visible"/>
+                                      </p:to>
+                                    </p:set>
+                                  </p:childTnLst>
+                                </p:cTn>
+                              </p:par>
+                              <p:par>
+                                <p:cTn id="7" presetID="1" presetClass="entr" presetSubtype="0" fill="hold" nodeType="withEffect">
+                                  <p:stCondLst>
+                                    <p:cond delay="0"/>
+                                  </p:stCondLst>
+                                  <p:childTnLst>
+                                    <p:set>
+                                      <p:cBhvr>
+                                        <p:cTn id="8" dur="1" fill="hold">
+                                          <p:stCondLst>
+                                            <p:cond delay="0"/>
+                                          </p:stCondLst>
+                                        </p:cTn>
+                                        <p:tgtEl>
+                                          <p:spTgt spid="7"/>
+                                        </p:tgtEl>
+                                        <p:attrNameLst>
+                                          <p:attrName>style.visibility</p:attrName>
+                                        </p:attrNameLst>
+                                      </p:cBhvr>
+                                      <p:to>
+                                        <p:strVal val="visible"/>
+                                      </p:to>
+                                    </p:set>
+                                  </p:childTnLst>
+                                </p:cTn>
+                              </p:par>
+                            </p:childTnLst>
+                          </p:cTn>
+                        </p:par>
+                      </p:childTnLst>
+                    </p:cTn>
+                  </p:par>
+                  <p:par>
+                    <p:cTn id="9" fill="hold">
+                      <p:stCondLst>
+                        <p:cond delay="indefinite"/>
+                      </p:stCondLst>
+                      <p:childTnLst>
+                        <p:par>
+                          <p:cTn id="10" fill="hold">
+                            <p:stCondLst>
+                              <p:cond delay="0"/>
+                            </p:stCondLst>
+                            <p:childTnLst>
+                              <p:par>
+                                <p:cTn id="11" presetID="1" presetClass="entr" presetSubtype="0" fill="hold" grpId="0" nodeType="clickEffect">
+                                  <p:stCondLst>
+                                    <p:cond delay="0"/>
+                                  </p:stCondLst>
+                                  <p:childTnLst>
+                                    <p:set>
+                                      <p:cBhvr>
+                                        <p:cTn id="12" dur="1" fill="hold">
+                                          <p:stCondLst>
+                                            <p:cond delay="0"/>
+                                          </p:stCondLst>
+                                        </p:cTn>
+                                        <p:tgtEl>
+                                          <p:spTgt spid="8"/>
+                                        </p:tgtEl>
+                                        <p:attrNameLst>
+                                          <p:attrName>style.visibility</p:attrName>
+                                        </p:attrNameLst>
+                                      </p:cBhvr>
+                                      <p:to>
+                                        <p:strVal val="visible"/>
+                                      </p:to>
+                                    </p:set>
+                                  </p:childTnLst>
+                                </p:cTn>
+                              </p:par>
+                              <p:par>
+                                <p:cTn id="13" presetID="1" presetClass="entr" presetSubtype="0" fill="hold" nodeType="withEffect">
+                                  <p:stCondLst>
+                                    <p:cond delay="0"/>
+                                  </p:stCondLst>
+                                  <p:childTnLst>
+                                    <p:set>
+                                      <p:cBhvr>
+                                        <p:cTn id="14" dur="1" fill="hold">
+                                          <p:stCondLst>
+                                            <p:cond delay="0"/>
+                                          </p:stCondLst>
+                                        </p:cTn>
+                                        <p:tgtEl>
+                                          <p:spTgt spid="9"/>
+                                        </p:tgtEl>
+                                        <p:attrNameLst>
+                                          <p:attrName>style.visibility</p:attrName>
+                                        </p:attrNameLst>
+                                      </p:cBhvr>
+                                      <p:to>
+                                        <p:strVal val="visible"/>
+                                      </p:to>
+                                    </p:set>
+                                  </p:childTnLst>
+                                </p:cTn>
+                              </p:par>
+                            </p:childTnLst>
+                          </p:cTn>
+                        </p:par>
+                      </p:childTnLst>
+                    </p:cTn>
+                  </p:par>
+                  <p:par>
+                    <p:cTn id="15" fill="hold">
+                      <p:stCondLst>
+                        <p:cond delay="indefinite"/>
+                      </p:stCondLst>
+                      <p:childTnLst>
+                        <p:par>
+                          <p:cTn id="16" fill="hold">
+                            <p:stCondLst>
+                              <p:cond delay="0"/>
+                            </p:stCondLst>
+                            <p:childTnLst>
+                              <p:par>
+                                <p:cTn id="17" presetID="1" presetClass="entr" presetSubtype="0" fill="hold" grpId="0" nodeType="clickEffect">
+                                  <p:stCondLst>
+                                    <p:cond delay="0"/>
+                                  </p:stCondLst>
+                                  <p:childTnLst>
+                                    <p:set>
+                                      <p:cBhvr>
+                                        <p:cTn id="18" dur="1" fill="hold">
+                                          <p:stCondLst>
+                                            <p:cond delay="0"/>
+                                          </p:stCondLst>
+                                        </p:cTn>
+                                        <p:tgtEl>
+                                          <p:spTgt spid="10"/>
+                                        </p:tgtEl>
+                                        <p:attrNameLst>
+                                          <p:attrName>style.visibility</p:attrName>
+                                        </p:attrNameLst>
+                                      </p:cBhvr>
+                                      <p:to>
+                                        <p:strVal val="visible"/>
+                                      </p:to>
+                                    </p:set>
+                                  </p:childTnLst>
+                                </p:cTn>
+                              </p:par>
+                              <p:par>
+                                <p:cTn id="19" presetID="1" presetClass="entr" presetSubtype="0" fill="hold" nodeType="withEffect">
+                                  <p:stCondLst>
+                                    <p:cond delay="0"/>
+                                  </p:stCondLst>
+                                  <p:childTnLst>
+                                    <p:set>
+                                      <p:cBhvr>
+                                        <p:cTn id="20" dur="1" fill="hold">
+                                          <p:stCondLst>
+                                            <p:cond delay="0"/>
+                                          </p:stCondLst>
+                                        </p:cTn>
+                                        <p:tgtEl>
+                                          <p:spTgt spid="13"/>
+                                        </p:tgtEl>
+                                        <p:attrNameLst>
+                                          <p:attrName>style.visibility</p:attrName>
+                                        </p:attrNameLst>
+                                      </p:cBhvr>
+                                      <p:to>
+                                        <p:strVal val="visible"/>
+                                      </p:to>
+                                    </p:set>
+                                  </p:childTnLst>
+                                </p:cTn>
+                              </p:par>
+                              <p:par>
+                                <p:cTn id="21" presetID="1" presetClass="entr" presetSubtype="0" fill="hold" nodeType="withEffect">
+                                  <p:stCondLst>
+                                    <p:cond delay="0"/>
+                                  </p:stCondLst>
+                                  <p:childTnLst>
+                                    <p:set>
+                                      <p:cBhvr>
+                                        <p:cTn id="22" dur="1" fill="hold">
+                                          <p:stCondLst>
+                                            <p:cond delay="0"/>
+                                          </p:stCondLst>
+                                        </p:cTn>
+                                        <p:tgtEl>
+                                          <p:spTgt spid="11"/>
+                                        </p:tgtEl>
+                                        <p:attrNameLst>
+                                          <p:attrName>style.visibility</p:attrName>
+                                        </p:attrNameLst>
+                                      </p:cBhvr>
+                                      <p:to>
+                                        <p:strVal val="visible"/>
+                                      </p:to>
+                                    </p:set>
+                                  </p:childTnLst>
+                                </p:cTn>
+                              </p:par>
+                            </p:childTnLst>
+                          </p:cTn>
+                        </p:par>
+                      </p:childTnLst>
+                    </p:cTn>
+                  </p:par>
+                </p:childTnLst>
+              </p:cTn>
+              <p:prevCondLst>
+                <p:cond evt="onPrev" delay="0">
+                  <p:tgtEl>
+                    <p:sldTgt/>
+                  </p:tgtEl>
+                </p:cond>
+              </p:prevCondLst>
+              <p:nextCondLst>
+                <p:cond evt="onNext" delay="0">
+                  <p:tgtEl>
+                    <p:sldTgt/>
+                  </p:tgtEl>
+                </p:cond>
+              </p:nextCondLst>
+            </p:seq>
+          </p:childTnLst>
+        </p:cTn>
+      </p:par>
+    </p:tnLst>
+    <p:bldLst>
+      <p:bldP spid="4" grpId="0"/>
+      <p:bldP spid="8" grpId="0"/>
+      <p:bldP spid="10" grpId="0"/>
+    </p:bldLst>
+  </p:timing>
 </p:sld>
 </file>
 
